--- a/M4_Team_Hackathon_05_2023_Plant_Box_case_solution/result/Презентация M4 Team для ООО Солюшн.pptx
+++ b/M4_Team_Hackathon_05_2023_Plant_Box_case_solution/result/Презентация M4 Team для ООО Солюшн.pptx
@@ -4,11 +4,23 @@
   <p:sldMasterIdLst>
     <p:sldMasterId id="2147483648" r:id="rId1"/>
   </p:sldMasterIdLst>
+  <p:notesMasterIdLst>
+    <p:notesMasterId r:id="rId15"/>
+  </p:notesMasterIdLst>
   <p:sldIdLst>
-    <p:sldId id="256" r:id="rId2"/>
-    <p:sldId id="257" r:id="rId3"/>
-    <p:sldId id="258" r:id="rId4"/>
-    <p:sldId id="259" r:id="rId5"/>
+    <p:sldId id="263" r:id="rId2"/>
+    <p:sldId id="264" r:id="rId3"/>
+    <p:sldId id="260" r:id="rId4"/>
+    <p:sldId id="256" r:id="rId5"/>
+    <p:sldId id="257" r:id="rId6"/>
+    <p:sldId id="258" r:id="rId7"/>
+    <p:sldId id="259" r:id="rId8"/>
+    <p:sldId id="266" r:id="rId9"/>
+    <p:sldId id="261" r:id="rId10"/>
+    <p:sldId id="268" r:id="rId11"/>
+    <p:sldId id="267" r:id="rId12"/>
+    <p:sldId id="269" r:id="rId13"/>
+    <p:sldId id="265" r:id="rId14"/>
   </p:sldIdLst>
   <p:sldSz cx="12192000" cy="6858000"/>
   <p:notesSz cx="6858000" cy="9144000"/>
@@ -115,6 +127,440 @@
 </p:presentation>
 </file>
 
+<file path=ppt/notesMasters/notesMaster1.xml><?xml version="1.0" encoding="utf-8"?>
+<p:notesMaster xmlns:a="http://schemas.openxmlformats.org/drawingml/2006/main" xmlns:r="http://schemas.openxmlformats.org/officeDocument/2006/relationships" xmlns:p="http://schemas.openxmlformats.org/presentationml/2006/main">
+  <p:cSld>
+    <p:bg>
+      <p:bgRef idx="1001">
+        <a:schemeClr val="bg1"/>
+      </p:bgRef>
+    </p:bg>
+    <p:spTree>
+      <p:nvGrpSpPr>
+        <p:cNvPr id="1" name=""/>
+        <p:cNvGrpSpPr/>
+        <p:nvPr/>
+      </p:nvGrpSpPr>
+      <p:grpSpPr>
+        <a:xfrm>
+          <a:off x="0" y="0"/>
+          <a:ext cx="0" cy="0"/>
+          <a:chOff x="0" y="0"/>
+          <a:chExt cx="0" cy="0"/>
+        </a:xfrm>
+      </p:grpSpPr>
+      <p:sp>
+        <p:nvSpPr>
+          <p:cNvPr id="2" name="Верхний колонтитул 1"/>
+          <p:cNvSpPr>
+            <a:spLocks noGrp="1"/>
+          </p:cNvSpPr>
+          <p:nvPr>
+            <p:ph type="hdr" sz="quarter"/>
+          </p:nvPr>
+        </p:nvSpPr>
+        <p:spPr>
+          <a:xfrm>
+            <a:off x="0" y="0"/>
+            <a:ext cx="2971800" cy="458788"/>
+          </a:xfrm>
+          <a:prstGeom prst="rect">
+            <a:avLst/>
+          </a:prstGeom>
+        </p:spPr>
+        <p:txBody>
+          <a:bodyPr vert="horz" lIns="91440" tIns="45720" rIns="91440" bIns="45720" rtlCol="0"/>
+          <a:lstStyle>
+            <a:lvl1pPr algn="l">
+              <a:defRPr sz="1200"/>
+            </a:lvl1pPr>
+          </a:lstStyle>
+          <a:p>
+            <a:endParaRPr lang="ru-KZ"/>
+          </a:p>
+        </p:txBody>
+      </p:sp>
+      <p:sp>
+        <p:nvSpPr>
+          <p:cNvPr id="3" name="Дата 2"/>
+          <p:cNvSpPr>
+            <a:spLocks noGrp="1"/>
+          </p:cNvSpPr>
+          <p:nvPr>
+            <p:ph type="dt" idx="1"/>
+          </p:nvPr>
+        </p:nvSpPr>
+        <p:spPr>
+          <a:xfrm>
+            <a:off x="3884613" y="0"/>
+            <a:ext cx="2971800" cy="458788"/>
+          </a:xfrm>
+          <a:prstGeom prst="rect">
+            <a:avLst/>
+          </a:prstGeom>
+        </p:spPr>
+        <p:txBody>
+          <a:bodyPr vert="horz" lIns="91440" tIns="45720" rIns="91440" bIns="45720" rtlCol="0"/>
+          <a:lstStyle>
+            <a:lvl1pPr algn="r">
+              <a:defRPr sz="1200"/>
+            </a:lvl1pPr>
+          </a:lstStyle>
+          <a:p>
+            <a:fld id="{CFA9169E-7D23-4D36-B787-B2E7A79F5461}" type="datetimeFigureOut">
+              <a:rPr lang="ru-KZ" smtClean="0"/>
+              <a:t>13.07.2023</a:t>
+            </a:fld>
+            <a:endParaRPr lang="ru-KZ"/>
+          </a:p>
+        </p:txBody>
+      </p:sp>
+      <p:sp>
+        <p:nvSpPr>
+          <p:cNvPr id="4" name="Образ слайда 3"/>
+          <p:cNvSpPr>
+            <a:spLocks noGrp="1" noRot="1" noChangeAspect="1"/>
+          </p:cNvSpPr>
+          <p:nvPr>
+            <p:ph type="sldImg" idx="2"/>
+          </p:nvPr>
+        </p:nvSpPr>
+        <p:spPr>
+          <a:xfrm>
+            <a:off x="685800" y="1143000"/>
+            <a:ext cx="5486400" cy="3086100"/>
+          </a:xfrm>
+          <a:prstGeom prst="rect">
+            <a:avLst/>
+          </a:prstGeom>
+          <a:noFill/>
+          <a:ln w="12700">
+            <a:solidFill>
+              <a:prstClr val="black"/>
+            </a:solidFill>
+          </a:ln>
+        </p:spPr>
+        <p:txBody>
+          <a:bodyPr vert="horz" lIns="91440" tIns="45720" rIns="91440" bIns="45720" rtlCol="0" anchor="ctr"/>
+          <a:lstStyle/>
+          <a:p>
+            <a:endParaRPr lang="ru-KZ"/>
+          </a:p>
+        </p:txBody>
+      </p:sp>
+      <p:sp>
+        <p:nvSpPr>
+          <p:cNvPr id="5" name="Заметки 4"/>
+          <p:cNvSpPr>
+            <a:spLocks noGrp="1"/>
+          </p:cNvSpPr>
+          <p:nvPr>
+            <p:ph type="body" sz="quarter" idx="3"/>
+          </p:nvPr>
+        </p:nvSpPr>
+        <p:spPr>
+          <a:xfrm>
+            <a:off x="685800" y="4400550"/>
+            <a:ext cx="5486400" cy="3600450"/>
+          </a:xfrm>
+          <a:prstGeom prst="rect">
+            <a:avLst/>
+          </a:prstGeom>
+        </p:spPr>
+        <p:txBody>
+          <a:bodyPr vert="horz" lIns="91440" tIns="45720" rIns="91440" bIns="45720" rtlCol="0"/>
+          <a:lstStyle/>
+          <a:p>
+            <a:pPr lvl="0"/>
+            <a:r>
+              <a:rPr lang="ru-RU"/>
+              <a:t>Образец текста</a:t>
+            </a:r>
+          </a:p>
+          <a:p>
+            <a:pPr lvl="1"/>
+            <a:r>
+              <a:rPr lang="ru-RU"/>
+              <a:t>Второй уровень</a:t>
+            </a:r>
+          </a:p>
+          <a:p>
+            <a:pPr lvl="2"/>
+            <a:r>
+              <a:rPr lang="ru-RU"/>
+              <a:t>Третий уровень</a:t>
+            </a:r>
+          </a:p>
+          <a:p>
+            <a:pPr lvl="3"/>
+            <a:r>
+              <a:rPr lang="ru-RU"/>
+              <a:t>Четвертый уровень</a:t>
+            </a:r>
+          </a:p>
+          <a:p>
+            <a:pPr lvl="4"/>
+            <a:r>
+              <a:rPr lang="ru-RU"/>
+              <a:t>Пятый уровень</a:t>
+            </a:r>
+            <a:endParaRPr lang="ru-KZ"/>
+          </a:p>
+        </p:txBody>
+      </p:sp>
+      <p:sp>
+        <p:nvSpPr>
+          <p:cNvPr id="6" name="Нижний колонтитул 5"/>
+          <p:cNvSpPr>
+            <a:spLocks noGrp="1"/>
+          </p:cNvSpPr>
+          <p:nvPr>
+            <p:ph type="ftr" sz="quarter" idx="4"/>
+          </p:nvPr>
+        </p:nvSpPr>
+        <p:spPr>
+          <a:xfrm>
+            <a:off x="0" y="8685213"/>
+            <a:ext cx="2971800" cy="458787"/>
+          </a:xfrm>
+          <a:prstGeom prst="rect">
+            <a:avLst/>
+          </a:prstGeom>
+        </p:spPr>
+        <p:txBody>
+          <a:bodyPr vert="horz" lIns="91440" tIns="45720" rIns="91440" bIns="45720" rtlCol="0" anchor="b"/>
+          <a:lstStyle>
+            <a:lvl1pPr algn="l">
+              <a:defRPr sz="1200"/>
+            </a:lvl1pPr>
+          </a:lstStyle>
+          <a:p>
+            <a:endParaRPr lang="ru-KZ"/>
+          </a:p>
+        </p:txBody>
+      </p:sp>
+      <p:sp>
+        <p:nvSpPr>
+          <p:cNvPr id="7" name="Номер слайда 6"/>
+          <p:cNvSpPr>
+            <a:spLocks noGrp="1"/>
+          </p:cNvSpPr>
+          <p:nvPr>
+            <p:ph type="sldNum" sz="quarter" idx="5"/>
+          </p:nvPr>
+        </p:nvSpPr>
+        <p:spPr>
+          <a:xfrm>
+            <a:off x="3884613" y="8685213"/>
+            <a:ext cx="2971800" cy="458787"/>
+          </a:xfrm>
+          <a:prstGeom prst="rect">
+            <a:avLst/>
+          </a:prstGeom>
+        </p:spPr>
+        <p:txBody>
+          <a:bodyPr vert="horz" lIns="91440" tIns="45720" rIns="91440" bIns="45720" rtlCol="0" anchor="b"/>
+          <a:lstStyle>
+            <a:lvl1pPr algn="r">
+              <a:defRPr sz="1200"/>
+            </a:lvl1pPr>
+          </a:lstStyle>
+          <a:p>
+            <a:fld id="{32859090-7CB3-45B0-AFFF-8872996BC5E2}" type="slidenum">
+              <a:rPr lang="ru-KZ" smtClean="0"/>
+              <a:t>‹#›</a:t>
+            </a:fld>
+            <a:endParaRPr lang="ru-KZ"/>
+          </a:p>
+        </p:txBody>
+      </p:sp>
+    </p:spTree>
+    <p:extLst>
+      <p:ext uri="{BB962C8B-B14F-4D97-AF65-F5344CB8AC3E}">
+        <p14:creationId xmlns:p14="http://schemas.microsoft.com/office/powerpoint/2010/main" val="2758865632"/>
+      </p:ext>
+    </p:extLst>
+  </p:cSld>
+  <p:clrMap bg1="lt1" tx1="dk1" bg2="lt2" tx2="dk2" accent1="accent1" accent2="accent2" accent3="accent3" accent4="accent4" accent5="accent5" accent6="accent6" hlink="hlink" folHlink="folHlink"/>
+  <p:notesStyle>
+    <a:lvl1pPr marL="0" algn="l" defTabSz="914400" rtl="0" eaLnBrk="1" latinLnBrk="0" hangingPunct="1">
+      <a:defRPr sz="1200" kern="1200">
+        <a:solidFill>
+          <a:schemeClr val="tx1"/>
+        </a:solidFill>
+        <a:latin typeface="+mn-lt"/>
+        <a:ea typeface="+mn-ea"/>
+        <a:cs typeface="+mn-cs"/>
+      </a:defRPr>
+    </a:lvl1pPr>
+    <a:lvl2pPr marL="457200" algn="l" defTabSz="914400" rtl="0" eaLnBrk="1" latinLnBrk="0" hangingPunct="1">
+      <a:defRPr sz="1200" kern="1200">
+        <a:solidFill>
+          <a:schemeClr val="tx1"/>
+        </a:solidFill>
+        <a:latin typeface="+mn-lt"/>
+        <a:ea typeface="+mn-ea"/>
+        <a:cs typeface="+mn-cs"/>
+      </a:defRPr>
+    </a:lvl2pPr>
+    <a:lvl3pPr marL="914400" algn="l" defTabSz="914400" rtl="0" eaLnBrk="1" latinLnBrk="0" hangingPunct="1">
+      <a:defRPr sz="1200" kern="1200">
+        <a:solidFill>
+          <a:schemeClr val="tx1"/>
+        </a:solidFill>
+        <a:latin typeface="+mn-lt"/>
+        <a:ea typeface="+mn-ea"/>
+        <a:cs typeface="+mn-cs"/>
+      </a:defRPr>
+    </a:lvl3pPr>
+    <a:lvl4pPr marL="1371600" algn="l" defTabSz="914400" rtl="0" eaLnBrk="1" latinLnBrk="0" hangingPunct="1">
+      <a:defRPr sz="1200" kern="1200">
+        <a:solidFill>
+          <a:schemeClr val="tx1"/>
+        </a:solidFill>
+        <a:latin typeface="+mn-lt"/>
+        <a:ea typeface="+mn-ea"/>
+        <a:cs typeface="+mn-cs"/>
+      </a:defRPr>
+    </a:lvl4pPr>
+    <a:lvl5pPr marL="1828800" algn="l" defTabSz="914400" rtl="0" eaLnBrk="1" latinLnBrk="0" hangingPunct="1">
+      <a:defRPr sz="1200" kern="1200">
+        <a:solidFill>
+          <a:schemeClr val="tx1"/>
+        </a:solidFill>
+        <a:latin typeface="+mn-lt"/>
+        <a:ea typeface="+mn-ea"/>
+        <a:cs typeface="+mn-cs"/>
+      </a:defRPr>
+    </a:lvl5pPr>
+    <a:lvl6pPr marL="2286000" algn="l" defTabSz="914400" rtl="0" eaLnBrk="1" latinLnBrk="0" hangingPunct="1">
+      <a:defRPr sz="1200" kern="1200">
+        <a:solidFill>
+          <a:schemeClr val="tx1"/>
+        </a:solidFill>
+        <a:latin typeface="+mn-lt"/>
+        <a:ea typeface="+mn-ea"/>
+        <a:cs typeface="+mn-cs"/>
+      </a:defRPr>
+    </a:lvl6pPr>
+    <a:lvl7pPr marL="2743200" algn="l" defTabSz="914400" rtl="0" eaLnBrk="1" latinLnBrk="0" hangingPunct="1">
+      <a:defRPr sz="1200" kern="1200">
+        <a:solidFill>
+          <a:schemeClr val="tx1"/>
+        </a:solidFill>
+        <a:latin typeface="+mn-lt"/>
+        <a:ea typeface="+mn-ea"/>
+        <a:cs typeface="+mn-cs"/>
+      </a:defRPr>
+    </a:lvl7pPr>
+    <a:lvl8pPr marL="3200400" algn="l" defTabSz="914400" rtl="0" eaLnBrk="1" latinLnBrk="0" hangingPunct="1">
+      <a:defRPr sz="1200" kern="1200">
+        <a:solidFill>
+          <a:schemeClr val="tx1"/>
+        </a:solidFill>
+        <a:latin typeface="+mn-lt"/>
+        <a:ea typeface="+mn-ea"/>
+        <a:cs typeface="+mn-cs"/>
+      </a:defRPr>
+    </a:lvl8pPr>
+    <a:lvl9pPr marL="3657600" algn="l" defTabSz="914400" rtl="0" eaLnBrk="1" latinLnBrk="0" hangingPunct="1">
+      <a:defRPr sz="1200" kern="1200">
+        <a:solidFill>
+          <a:schemeClr val="tx1"/>
+        </a:solidFill>
+        <a:latin typeface="+mn-lt"/>
+        <a:ea typeface="+mn-ea"/>
+        <a:cs typeface="+mn-cs"/>
+      </a:defRPr>
+    </a:lvl9pPr>
+  </p:notesStyle>
+</p:notesMaster>
+</file>
+
+<file path=ppt/notesSlides/notesSlide1.xml><?xml version="1.0" encoding="utf-8"?>
+<p:notes xmlns:a="http://schemas.openxmlformats.org/drawingml/2006/main" xmlns:r="http://schemas.openxmlformats.org/officeDocument/2006/relationships" xmlns:p="http://schemas.openxmlformats.org/presentationml/2006/main">
+  <p:cSld>
+    <p:spTree>
+      <p:nvGrpSpPr>
+        <p:cNvPr id="1" name=""/>
+        <p:cNvGrpSpPr/>
+        <p:nvPr/>
+      </p:nvGrpSpPr>
+      <p:grpSpPr>
+        <a:xfrm>
+          <a:off x="0" y="0"/>
+          <a:ext cx="0" cy="0"/>
+          <a:chOff x="0" y="0"/>
+          <a:chExt cx="0" cy="0"/>
+        </a:xfrm>
+      </p:grpSpPr>
+      <p:sp>
+        <p:nvSpPr>
+          <p:cNvPr id="2" name="Образ слайда 1"/>
+          <p:cNvSpPr>
+            <a:spLocks noGrp="1" noRot="1" noChangeAspect="1"/>
+          </p:cNvSpPr>
+          <p:nvPr>
+            <p:ph type="sldImg"/>
+          </p:nvPr>
+        </p:nvSpPr>
+        <p:spPr/>
+      </p:sp>
+      <p:sp>
+        <p:nvSpPr>
+          <p:cNvPr id="3" name="Заметки 2"/>
+          <p:cNvSpPr>
+            <a:spLocks noGrp="1"/>
+          </p:cNvSpPr>
+          <p:nvPr>
+            <p:ph type="body" idx="1"/>
+          </p:nvPr>
+        </p:nvSpPr>
+        <p:spPr/>
+        <p:txBody>
+          <a:bodyPr/>
+          <a:lstStyle/>
+          <a:p>
+            <a:endParaRPr lang="ru-KZ" dirty="0"/>
+          </a:p>
+        </p:txBody>
+      </p:sp>
+      <p:sp>
+        <p:nvSpPr>
+          <p:cNvPr id="4" name="Номер слайда 3"/>
+          <p:cNvSpPr>
+            <a:spLocks noGrp="1"/>
+          </p:cNvSpPr>
+          <p:nvPr>
+            <p:ph type="sldNum" sz="quarter" idx="5"/>
+          </p:nvPr>
+        </p:nvSpPr>
+        <p:spPr/>
+        <p:txBody>
+          <a:bodyPr/>
+          <a:lstStyle/>
+          <a:p>
+            <a:fld id="{5686A355-8DC4-45BE-BCED-EBFD2107E0A7}" type="slidenum">
+              <a:rPr lang="ru-KZ" smtClean="0"/>
+              <a:t>2</a:t>
+            </a:fld>
+            <a:endParaRPr lang="ru-KZ"/>
+          </a:p>
+        </p:txBody>
+      </p:sp>
+    </p:spTree>
+    <p:extLst>
+      <p:ext uri="{BB962C8B-B14F-4D97-AF65-F5344CB8AC3E}">
+        <p14:creationId xmlns:p14="http://schemas.microsoft.com/office/powerpoint/2010/main" val="1193663887"/>
+      </p:ext>
+    </p:extLst>
+  </p:cSld>
+  <p:clrMapOvr>
+    <a:masterClrMapping/>
+  </p:clrMapOvr>
+</p:notes>
+</file>
+
 <file path=ppt/slideLayouts/slideLayout1.xml><?xml version="1.0" encoding="utf-8"?>
 <p:sldLayout xmlns:a="http://schemas.openxmlformats.org/drawingml/2006/main" xmlns:r="http://schemas.openxmlformats.org/officeDocument/2006/relationships" xmlns:p="http://schemas.openxmlformats.org/presentationml/2006/main" type="title" preserve="1">
   <p:cSld name="Титульный слайд">
@@ -262,7 +708,7 @@
           <a:p>
             <a:fld id="{38FBC55D-2C13-449B-8A8D-626728F58141}" type="datetimeFigureOut">
               <a:rPr lang="ru-RU" smtClean="0"/>
-              <a:t>08.07.2023</a:t>
+              <a:t>13.07.2023</a:t>
             </a:fld>
             <a:endParaRPr lang="ru-RU"/>
           </a:p>
@@ -460,7 +906,7 @@
           <a:p>
             <a:fld id="{38FBC55D-2C13-449B-8A8D-626728F58141}" type="datetimeFigureOut">
               <a:rPr lang="ru-RU" smtClean="0"/>
-              <a:t>08.07.2023</a:t>
+              <a:t>13.07.2023</a:t>
             </a:fld>
             <a:endParaRPr lang="ru-RU"/>
           </a:p>
@@ -668,7 +1114,7 @@
           <a:p>
             <a:fld id="{38FBC55D-2C13-449B-8A8D-626728F58141}" type="datetimeFigureOut">
               <a:rPr lang="ru-RU" smtClean="0"/>
-              <a:t>08.07.2023</a:t>
+              <a:t>13.07.2023</a:t>
             </a:fld>
             <a:endParaRPr lang="ru-RU"/>
           </a:p>
@@ -866,7 +1312,7 @@
           <a:p>
             <a:fld id="{38FBC55D-2C13-449B-8A8D-626728F58141}" type="datetimeFigureOut">
               <a:rPr lang="ru-RU" smtClean="0"/>
-              <a:t>08.07.2023</a:t>
+              <a:t>13.07.2023</a:t>
             </a:fld>
             <a:endParaRPr lang="ru-RU"/>
           </a:p>
@@ -1141,7 +1587,7 @@
           <a:p>
             <a:fld id="{38FBC55D-2C13-449B-8A8D-626728F58141}" type="datetimeFigureOut">
               <a:rPr lang="ru-RU" smtClean="0"/>
-              <a:t>08.07.2023</a:t>
+              <a:t>13.07.2023</a:t>
             </a:fld>
             <a:endParaRPr lang="ru-RU"/>
           </a:p>
@@ -1406,7 +1852,7 @@
           <a:p>
             <a:fld id="{38FBC55D-2C13-449B-8A8D-626728F58141}" type="datetimeFigureOut">
               <a:rPr lang="ru-RU" smtClean="0"/>
-              <a:t>08.07.2023</a:t>
+              <a:t>13.07.2023</a:t>
             </a:fld>
             <a:endParaRPr lang="ru-RU"/>
           </a:p>
@@ -1818,7 +2264,7 @@
           <a:p>
             <a:fld id="{38FBC55D-2C13-449B-8A8D-626728F58141}" type="datetimeFigureOut">
               <a:rPr lang="ru-RU" smtClean="0"/>
-              <a:t>08.07.2023</a:t>
+              <a:t>13.07.2023</a:t>
             </a:fld>
             <a:endParaRPr lang="ru-RU"/>
           </a:p>
@@ -1959,7 +2405,7 @@
           <a:p>
             <a:fld id="{38FBC55D-2C13-449B-8A8D-626728F58141}" type="datetimeFigureOut">
               <a:rPr lang="ru-RU" smtClean="0"/>
-              <a:t>08.07.2023</a:t>
+              <a:t>13.07.2023</a:t>
             </a:fld>
             <a:endParaRPr lang="ru-RU"/>
           </a:p>
@@ -2072,7 +2518,7 @@
           <a:p>
             <a:fld id="{38FBC55D-2C13-449B-8A8D-626728F58141}" type="datetimeFigureOut">
               <a:rPr lang="ru-RU" smtClean="0"/>
-              <a:t>08.07.2023</a:t>
+              <a:t>13.07.2023</a:t>
             </a:fld>
             <a:endParaRPr lang="ru-RU"/>
           </a:p>
@@ -2383,7 +2829,7 @@
           <a:p>
             <a:fld id="{38FBC55D-2C13-449B-8A8D-626728F58141}" type="datetimeFigureOut">
               <a:rPr lang="ru-RU" smtClean="0"/>
-              <a:t>08.07.2023</a:t>
+              <a:t>13.07.2023</a:t>
             </a:fld>
             <a:endParaRPr lang="ru-RU"/>
           </a:p>
@@ -2671,7 +3117,7 @@
           <a:p>
             <a:fld id="{38FBC55D-2C13-449B-8A8D-626728F58141}" type="datetimeFigureOut">
               <a:rPr lang="ru-RU" smtClean="0"/>
-              <a:t>08.07.2023</a:t>
+              <a:t>13.07.2023</a:t>
             </a:fld>
             <a:endParaRPr lang="ru-RU"/>
           </a:p>
@@ -2912,7 +3358,7 @@
           <a:p>
             <a:fld id="{38FBC55D-2C13-449B-8A8D-626728F58141}" type="datetimeFigureOut">
               <a:rPr lang="ru-RU" smtClean="0"/>
-              <a:t>08.07.2023</a:t>
+              <a:t>13.07.2023</a:t>
             </a:fld>
             <a:endParaRPr lang="ru-RU"/>
           </a:p>
@@ -3334,7 +3780,7 @@
           <p:cNvPr id="2" name="Заголовок 1">
             <a:extLst>
               <a:ext uri="{FF2B5EF4-FFF2-40B4-BE49-F238E27FC236}">
-                <a16:creationId xmlns:a16="http://schemas.microsoft.com/office/drawing/2014/main" id="{4E5B8EEA-901C-1323-83FB-7E64164EE4E3}"/>
+                <a16:creationId xmlns:a16="http://schemas.microsoft.com/office/drawing/2014/main" id="{E9289D59-8D18-481C-B925-7DE21EB22B21}"/>
               </a:ext>
             </a:extLst>
           </p:cNvPr>
@@ -3342,24 +3788,148 @@
             <a:spLocks noGrp="1"/>
           </p:cNvSpPr>
           <p:nvPr>
+            <p:ph type="ctrTitle"/>
+          </p:nvPr>
+        </p:nvSpPr>
+        <p:spPr/>
+        <p:txBody>
+          <a:bodyPr>
+            <a:normAutofit/>
+          </a:bodyPr>
+          <a:lstStyle/>
+          <a:p>
+            <a:r>
+              <a:rPr lang="ru-RU" sz="7200" dirty="0"/>
+              <a:t>Решение кейса </a:t>
+            </a:r>
+            <a:br>
+              <a:rPr lang="ru-RU" sz="7200" dirty="0"/>
+            </a:br>
+            <a:r>
+              <a:rPr lang="ru-RU" sz="7200" dirty="0"/>
+              <a:t>ООО </a:t>
+            </a:r>
+            <a:r>
+              <a:rPr lang="ru-RU" sz="7200" dirty="0" err="1"/>
+              <a:t>Солюшн</a:t>
+            </a:r>
+            <a:endParaRPr lang="ru-KZ" sz="7200" dirty="0"/>
+          </a:p>
+        </p:txBody>
+      </p:sp>
+      <p:sp>
+        <p:nvSpPr>
+          <p:cNvPr id="3" name="Подзаголовок 2">
+            <a:extLst>
+              <a:ext uri="{FF2B5EF4-FFF2-40B4-BE49-F238E27FC236}">
+                <a16:creationId xmlns:a16="http://schemas.microsoft.com/office/drawing/2014/main" id="{35A1EAB2-CE57-4A76-B5F4-0D9C2700E603}"/>
+              </a:ext>
+            </a:extLst>
+          </p:cNvPr>
+          <p:cNvSpPr>
+            <a:spLocks noGrp="1"/>
+          </p:cNvSpPr>
+          <p:nvPr>
+            <p:ph type="subTitle" idx="1"/>
+          </p:nvPr>
+        </p:nvSpPr>
+        <p:spPr>
+          <a:xfrm>
+            <a:off x="6833419" y="4149212"/>
+            <a:ext cx="4237703" cy="983226"/>
+          </a:xfrm>
+        </p:spPr>
+        <p:txBody>
+          <a:bodyPr>
+            <a:normAutofit fontScale="92500" lnSpcReduction="10000"/>
+          </a:bodyPr>
+          <a:lstStyle/>
+          <a:p>
+            <a:endParaRPr lang="ru-RU" dirty="0"/>
+          </a:p>
+          <a:p>
+            <a:pPr>
+              <a:spcBef>
+                <a:spcPts val="0"/>
+              </a:spcBef>
+            </a:pPr>
+            <a:r>
+              <a:rPr lang="en-US" sz="4800" dirty="0"/>
+              <a:t>M4 Team</a:t>
+            </a:r>
+            <a:endParaRPr lang="ru-KZ" sz="4800" dirty="0"/>
+          </a:p>
+        </p:txBody>
+      </p:sp>
+    </p:spTree>
+    <p:extLst>
+      <p:ext uri="{BB962C8B-B14F-4D97-AF65-F5344CB8AC3E}">
+        <p14:creationId xmlns:p14="http://schemas.microsoft.com/office/powerpoint/2010/main" val="1970357641"/>
+      </p:ext>
+    </p:extLst>
+  </p:cSld>
+  <p:clrMapOvr>
+    <a:masterClrMapping/>
+  </p:clrMapOvr>
+</p:sld>
+</file>
+
+<file path=ppt/slides/slide10.xml><?xml version="1.0" encoding="utf-8"?>
+<p:sld xmlns:a="http://schemas.openxmlformats.org/drawingml/2006/main" xmlns:r="http://schemas.openxmlformats.org/officeDocument/2006/relationships" xmlns:p="http://schemas.openxmlformats.org/presentationml/2006/main">
+  <p:cSld>
+    <p:spTree>
+      <p:nvGrpSpPr>
+        <p:cNvPr id="1" name=""/>
+        <p:cNvGrpSpPr/>
+        <p:nvPr/>
+      </p:nvGrpSpPr>
+      <p:grpSpPr>
+        <a:xfrm>
+          <a:off x="0" y="0"/>
+          <a:ext cx="0" cy="0"/>
+          <a:chOff x="0" y="0"/>
+          <a:chExt cx="0" cy="0"/>
+        </a:xfrm>
+      </p:grpSpPr>
+      <p:sp>
+        <p:nvSpPr>
+          <p:cNvPr id="2" name="Заголовок 1">
+            <a:extLst>
+              <a:ext uri="{FF2B5EF4-FFF2-40B4-BE49-F238E27FC236}">
+                <a16:creationId xmlns:a16="http://schemas.microsoft.com/office/drawing/2014/main" id="{4E5B8EEA-901C-1323-83FB-7E64164EE4E3}"/>
+              </a:ext>
+            </a:extLst>
+          </p:cNvPr>
+          <p:cNvSpPr>
+            <a:spLocks noGrp="1"/>
+          </p:cNvSpPr>
+          <p:nvPr>
             <p:ph type="title"/>
           </p:nvPr>
         </p:nvSpPr>
         <p:spPr>
           <a:xfrm>
             <a:off x="838200" y="373224"/>
-            <a:ext cx="10515600" cy="606490"/>
+            <a:ext cx="10515600" cy="836144"/>
           </a:xfrm>
         </p:spPr>
         <p:txBody>
           <a:bodyPr>
-            <a:normAutofit fontScale="90000"/>
+            <a:noAutofit/>
           </a:bodyPr>
           <a:lstStyle/>
           <a:p>
             <a:r>
-              <a:rPr lang="ru-RU" dirty="0"/>
-              <a:t>Повышение качества источников</a:t>
+              <a:rPr lang="ru-RU" sz="3200" dirty="0"/>
+              <a:t>Промежуточный результат</a:t>
+            </a:r>
+            <a:r>
+              <a:rPr lang="en-US" sz="3200" dirty="0"/>
+              <a:t>. </a:t>
+            </a:r>
+            <a:r>
+              <a:rPr lang="ru-RU" sz="3200" dirty="0"/>
+              <a:t>Извлеченный список красной книги.</a:t>
             </a:r>
           </a:p>
         </p:txBody>
@@ -3393,51 +3963,392 @@
         </p:blipFill>
         <p:spPr>
           <a:xfrm>
-            <a:off x="115077" y="1520889"/>
-            <a:ext cx="6096001" cy="4898572"/>
-          </a:xfrm>
-        </p:spPr>
-      </p:pic>
-      <p:pic>
-        <p:nvPicPr>
-          <p:cNvPr id="7" name="Объект 5">
-            <a:extLst>
-              <a:ext uri="{FF2B5EF4-FFF2-40B4-BE49-F238E27FC236}">
-                <a16:creationId xmlns:a16="http://schemas.microsoft.com/office/drawing/2014/main" id="{232412DF-04BB-CEF6-0243-9416674E23EF}"/>
-              </a:ext>
-            </a:extLst>
-          </p:cNvPr>
-          <p:cNvPicPr>
-            <a:picLocks noChangeAspect="1"/>
-          </p:cNvPicPr>
-          <p:nvPr/>
-        </p:nvPicPr>
-        <p:blipFill>
-          <a:blip r:embed="rId3">
-            <a:extLst>
-              <a:ext uri="{28A0092B-C50C-407E-A947-70E740481C1C}">
-                <a14:useLocalDpi xmlns:a14="http://schemas.microsoft.com/office/drawing/2010/main" val="0"/>
-              </a:ext>
-            </a:extLst>
-          </a:blip>
-          <a:stretch>
-            <a:fillRect/>
-          </a:stretch>
-        </p:blipFill>
-        <p:spPr>
-          <a:xfrm>
-            <a:off x="6211077" y="979714"/>
-            <a:ext cx="5980923" cy="5439747"/>
-          </a:xfrm>
-          <a:prstGeom prst="rect">
-            <a:avLst/>
-          </a:prstGeom>
+            <a:off x="3637846" y="1332667"/>
+            <a:ext cx="4434437" cy="4360210"/>
+          </a:xfrm>
         </p:spPr>
       </p:pic>
     </p:spTree>
     <p:extLst>
       <p:ext uri="{BB962C8B-B14F-4D97-AF65-F5344CB8AC3E}">
-        <p14:creationId xmlns:p14="http://schemas.microsoft.com/office/powerpoint/2010/main" val="373531165"/>
+        <p14:creationId xmlns:p14="http://schemas.microsoft.com/office/powerpoint/2010/main" val="434443896"/>
+      </p:ext>
+    </p:extLst>
+  </p:cSld>
+  <p:clrMapOvr>
+    <a:masterClrMapping/>
+  </p:clrMapOvr>
+</p:sld>
+</file>
+
+<file path=ppt/slides/slide11.xml><?xml version="1.0" encoding="utf-8"?>
+<p:sld xmlns:a="http://schemas.openxmlformats.org/drawingml/2006/main" xmlns:r="http://schemas.openxmlformats.org/officeDocument/2006/relationships" xmlns:p="http://schemas.openxmlformats.org/presentationml/2006/main">
+  <p:cSld>
+    <p:spTree>
+      <p:nvGrpSpPr>
+        <p:cNvPr id="1" name=""/>
+        <p:cNvGrpSpPr/>
+        <p:nvPr/>
+      </p:nvGrpSpPr>
+      <p:grpSpPr>
+        <a:xfrm>
+          <a:off x="0" y="0"/>
+          <a:ext cx="0" cy="0"/>
+          <a:chOff x="0" y="0"/>
+          <a:chExt cx="0" cy="0"/>
+        </a:xfrm>
+      </p:grpSpPr>
+      <p:sp>
+        <p:nvSpPr>
+          <p:cNvPr id="2" name="Заголовок 1">
+            <a:extLst>
+              <a:ext uri="{FF2B5EF4-FFF2-40B4-BE49-F238E27FC236}">
+                <a16:creationId xmlns:a16="http://schemas.microsoft.com/office/drawing/2014/main" id="{4E5B8EEA-901C-1323-83FB-7E64164EE4E3}"/>
+              </a:ext>
+            </a:extLst>
+          </p:cNvPr>
+          <p:cNvSpPr>
+            <a:spLocks noGrp="1"/>
+          </p:cNvSpPr>
+          <p:nvPr>
+            <p:ph type="title"/>
+          </p:nvPr>
+        </p:nvSpPr>
+        <p:spPr>
+          <a:xfrm>
+            <a:off x="838200" y="373223"/>
+            <a:ext cx="10948222" cy="865641"/>
+          </a:xfrm>
+        </p:spPr>
+        <p:txBody>
+          <a:bodyPr>
+            <a:noAutofit/>
+          </a:bodyPr>
+          <a:lstStyle/>
+          <a:p>
+            <a:r>
+              <a:rPr lang="ru-RU" sz="3200" dirty="0"/>
+              <a:t>Промежуточный результат. Суммированная колонка «Ареал»</a:t>
+            </a:r>
+          </a:p>
+        </p:txBody>
+      </p:sp>
+      <p:pic>
+        <p:nvPicPr>
+          <p:cNvPr id="6" name="Объект 5">
+            <a:extLst>
+              <a:ext uri="{FF2B5EF4-FFF2-40B4-BE49-F238E27FC236}">
+                <a16:creationId xmlns:a16="http://schemas.microsoft.com/office/drawing/2014/main" id="{75D5EB76-A030-5AFB-8491-CCCF6655E23A}"/>
+              </a:ext>
+            </a:extLst>
+          </p:cNvPr>
+          <p:cNvPicPr>
+            <a:picLocks noGrp="1" noChangeAspect="1"/>
+          </p:cNvPicPr>
+          <p:nvPr>
+            <p:ph sz="half" idx="1"/>
+          </p:nvPr>
+        </p:nvPicPr>
+        <p:blipFill>
+          <a:blip r:embed="rId2">
+            <a:extLst>
+              <a:ext uri="{28A0092B-C50C-407E-A947-70E740481C1C}">
+                <a14:useLocalDpi xmlns:a14="http://schemas.microsoft.com/office/drawing/2010/main" val="0"/>
+              </a:ext>
+            </a:extLst>
+          </a:blip>
+          <a:srcRect/>
+          <a:stretch/>
+        </p:blipFill>
+        <p:spPr>
+          <a:xfrm>
+            <a:off x="405577" y="1529313"/>
+            <a:ext cx="11380845" cy="4625681"/>
+          </a:xfrm>
+        </p:spPr>
+      </p:pic>
+    </p:spTree>
+    <p:extLst>
+      <p:ext uri="{BB962C8B-B14F-4D97-AF65-F5344CB8AC3E}">
+        <p14:creationId xmlns:p14="http://schemas.microsoft.com/office/powerpoint/2010/main" val="4044723182"/>
+      </p:ext>
+    </p:extLst>
+  </p:cSld>
+  <p:clrMapOvr>
+    <a:masterClrMapping/>
+  </p:clrMapOvr>
+</p:sld>
+</file>
+
+<file path=ppt/slides/slide12.xml><?xml version="1.0" encoding="utf-8"?>
+<p:sld xmlns:a="http://schemas.openxmlformats.org/drawingml/2006/main" xmlns:r="http://schemas.openxmlformats.org/officeDocument/2006/relationships" xmlns:p="http://schemas.openxmlformats.org/presentationml/2006/main">
+  <p:cSld>
+    <p:spTree>
+      <p:nvGrpSpPr>
+        <p:cNvPr id="1" name=""/>
+        <p:cNvGrpSpPr/>
+        <p:nvPr/>
+      </p:nvGrpSpPr>
+      <p:grpSpPr>
+        <a:xfrm>
+          <a:off x="0" y="0"/>
+          <a:ext cx="0" cy="0"/>
+          <a:chOff x="0" y="0"/>
+          <a:chExt cx="0" cy="0"/>
+        </a:xfrm>
+      </p:grpSpPr>
+      <p:sp>
+        <p:nvSpPr>
+          <p:cNvPr id="2" name="Заголовок 1">
+            <a:extLst>
+              <a:ext uri="{FF2B5EF4-FFF2-40B4-BE49-F238E27FC236}">
+                <a16:creationId xmlns:a16="http://schemas.microsoft.com/office/drawing/2014/main" id="{4E5B8EEA-901C-1323-83FB-7E64164EE4E3}"/>
+              </a:ext>
+            </a:extLst>
+          </p:cNvPr>
+          <p:cNvSpPr>
+            <a:spLocks noGrp="1"/>
+          </p:cNvSpPr>
+          <p:nvPr>
+            <p:ph type="title"/>
+          </p:nvPr>
+        </p:nvSpPr>
+        <p:spPr>
+          <a:xfrm>
+            <a:off x="838200" y="373224"/>
+            <a:ext cx="10948222" cy="639500"/>
+          </a:xfrm>
+        </p:spPr>
+        <p:txBody>
+          <a:bodyPr>
+            <a:noAutofit/>
+          </a:bodyPr>
+          <a:lstStyle/>
+          <a:p>
+            <a:r>
+              <a:rPr lang="ru-RU" sz="3200" dirty="0"/>
+              <a:t>Промежуточный результат. Объединенная таблица</a:t>
+            </a:r>
+          </a:p>
+        </p:txBody>
+      </p:sp>
+      <p:pic>
+        <p:nvPicPr>
+          <p:cNvPr id="6" name="Объект 5">
+            <a:extLst>
+              <a:ext uri="{FF2B5EF4-FFF2-40B4-BE49-F238E27FC236}">
+                <a16:creationId xmlns:a16="http://schemas.microsoft.com/office/drawing/2014/main" id="{75D5EB76-A030-5AFB-8491-CCCF6655E23A}"/>
+              </a:ext>
+            </a:extLst>
+          </p:cNvPr>
+          <p:cNvPicPr>
+            <a:picLocks noGrp="1" noChangeAspect="1"/>
+          </p:cNvPicPr>
+          <p:nvPr>
+            <p:ph sz="half" idx="1"/>
+          </p:nvPr>
+        </p:nvPicPr>
+        <p:blipFill>
+          <a:blip r:embed="rId2">
+            <a:extLst>
+              <a:ext uri="{28A0092B-C50C-407E-A947-70E740481C1C}">
+                <a14:useLocalDpi xmlns:a14="http://schemas.microsoft.com/office/drawing/2010/main" val="0"/>
+              </a:ext>
+            </a:extLst>
+          </a:blip>
+          <a:srcRect/>
+          <a:stretch/>
+        </p:blipFill>
+        <p:spPr>
+          <a:xfrm>
+            <a:off x="307260" y="1391662"/>
+            <a:ext cx="11577479" cy="4955463"/>
+          </a:xfrm>
+        </p:spPr>
+      </p:pic>
+    </p:spTree>
+    <p:extLst>
+      <p:ext uri="{BB962C8B-B14F-4D97-AF65-F5344CB8AC3E}">
+        <p14:creationId xmlns:p14="http://schemas.microsoft.com/office/powerpoint/2010/main" val="132494400"/>
+      </p:ext>
+    </p:extLst>
+  </p:cSld>
+  <p:clrMapOvr>
+    <a:masterClrMapping/>
+  </p:clrMapOvr>
+</p:sld>
+</file>
+
+<file path=ppt/slides/slide13.xml><?xml version="1.0" encoding="utf-8"?>
+<p:sld xmlns:a="http://schemas.openxmlformats.org/drawingml/2006/main" xmlns:r="http://schemas.openxmlformats.org/officeDocument/2006/relationships" xmlns:p="http://schemas.openxmlformats.org/presentationml/2006/main">
+  <p:cSld>
+    <p:spTree>
+      <p:nvGrpSpPr>
+        <p:cNvPr id="1" name=""/>
+        <p:cNvGrpSpPr/>
+        <p:nvPr/>
+      </p:nvGrpSpPr>
+      <p:grpSpPr>
+        <a:xfrm>
+          <a:off x="0" y="0"/>
+          <a:ext cx="0" cy="0"/>
+          <a:chOff x="0" y="0"/>
+          <a:chExt cx="0" cy="0"/>
+        </a:xfrm>
+      </p:grpSpPr>
+      <p:sp>
+        <p:nvSpPr>
+          <p:cNvPr id="2" name="Заголовок 1">
+            <a:extLst>
+              <a:ext uri="{FF2B5EF4-FFF2-40B4-BE49-F238E27FC236}">
+                <a16:creationId xmlns:a16="http://schemas.microsoft.com/office/drawing/2014/main" id="{4E5B8EEA-901C-1323-83FB-7E64164EE4E3}"/>
+              </a:ext>
+            </a:extLst>
+          </p:cNvPr>
+          <p:cNvSpPr>
+            <a:spLocks noGrp="1"/>
+          </p:cNvSpPr>
+          <p:nvPr>
+            <p:ph type="title"/>
+          </p:nvPr>
+        </p:nvSpPr>
+        <p:spPr>
+          <a:xfrm>
+            <a:off x="838200" y="373223"/>
+            <a:ext cx="10948222" cy="865641"/>
+          </a:xfrm>
+        </p:spPr>
+        <p:txBody>
+          <a:bodyPr>
+            <a:noAutofit/>
+          </a:bodyPr>
+          <a:lstStyle/>
+          <a:p>
+            <a:r>
+              <a:rPr lang="ru-RU" sz="3200" dirty="0"/>
+              <a:t>Промежуточный итог</a:t>
+            </a:r>
+          </a:p>
+        </p:txBody>
+      </p:sp>
+      <p:sp>
+        <p:nvSpPr>
+          <p:cNvPr id="4" name="Объект 3">
+            <a:extLst>
+              <a:ext uri="{FF2B5EF4-FFF2-40B4-BE49-F238E27FC236}">
+                <a16:creationId xmlns:a16="http://schemas.microsoft.com/office/drawing/2014/main" id="{CBDC883C-DB42-4983-8094-44BF66E200A6}"/>
+              </a:ext>
+            </a:extLst>
+          </p:cNvPr>
+          <p:cNvSpPr>
+            <a:spLocks noGrp="1"/>
+          </p:cNvSpPr>
+          <p:nvPr>
+            <p:ph sz="half" idx="1"/>
+          </p:nvPr>
+        </p:nvSpPr>
+        <p:spPr>
+          <a:xfrm>
+            <a:off x="838200" y="1825625"/>
+            <a:ext cx="9760974" cy="4351338"/>
+          </a:xfrm>
+        </p:spPr>
+        <p:txBody>
+          <a:bodyPr>
+            <a:normAutofit fontScale="70000" lnSpcReduction="20000"/>
+          </a:bodyPr>
+          <a:lstStyle/>
+          <a:p>
+            <a:pPr marL="0" indent="0">
+              <a:buNone/>
+            </a:pPr>
+            <a:r>
+              <a:rPr lang="ru-RU" dirty="0"/>
+              <a:t>Что мы делали:</a:t>
+            </a:r>
+          </a:p>
+          <a:p>
+            <a:endParaRPr lang="ru-RU" dirty="0"/>
+          </a:p>
+          <a:p>
+            <a:r>
+              <a:rPr lang="ru-RU" dirty="0"/>
+              <a:t>уменьшили количество ошибок при извлечении текста из .</a:t>
+            </a:r>
+            <a:r>
+              <a:rPr lang="ru-RU" dirty="0" err="1"/>
+              <a:t>pdf</a:t>
+            </a:r>
+            <a:endParaRPr lang="ru-RU" dirty="0"/>
+          </a:p>
+          <a:p>
+            <a:r>
+              <a:rPr lang="ru-RU" dirty="0"/>
+              <a:t>тестировали разные подходы и модели</a:t>
+            </a:r>
+          </a:p>
+          <a:p>
+            <a:r>
+              <a:rPr lang="ru-RU" dirty="0"/>
+              <a:t>извлекли информацию по красным книгам</a:t>
+            </a:r>
+          </a:p>
+          <a:p>
+            <a:endParaRPr lang="ru-RU" dirty="0"/>
+          </a:p>
+          <a:p>
+            <a:pPr marL="0" indent="0">
+              <a:buNone/>
+            </a:pPr>
+            <a:r>
+              <a:rPr lang="ru-RU" dirty="0"/>
+              <a:t>Что делаем сейчас:</a:t>
+            </a:r>
+          </a:p>
+          <a:p>
+            <a:endParaRPr lang="ru-RU" dirty="0"/>
+          </a:p>
+          <a:p>
+            <a:r>
+              <a:rPr lang="ru-RU" dirty="0"/>
+              <a:t>заняты объединением источников по статьям</a:t>
+            </a:r>
+            <a:r>
+              <a:rPr lang="en-US" dirty="0"/>
+              <a:t> </a:t>
+            </a:r>
+            <a:r>
+              <a:rPr lang="ru-RU" dirty="0"/>
+              <a:t>и абзацам (алтей к алтею, состав к составу, и т. д.)</a:t>
+            </a:r>
+          </a:p>
+          <a:p>
+            <a:r>
+              <a:rPr lang="ru-RU" dirty="0"/>
+              <a:t>подбираем оптимальные параметры модели </a:t>
+            </a:r>
+            <a:r>
+              <a:rPr lang="ru-RU" dirty="0" err="1"/>
+              <a:t>суммаризации</a:t>
+            </a:r>
+            <a:r>
+              <a:rPr lang="ru-RU" dirty="0"/>
+              <a:t> для уменьшения потребности ресурсов при сохранении качества выходных данных</a:t>
+            </a:r>
+          </a:p>
+          <a:p>
+            <a:r>
+              <a:rPr lang="ru-RU" dirty="0"/>
+              <a:t>извлекаем и рассчитываем информацию по долготе дня / инсоляции</a:t>
+            </a:r>
+            <a:endParaRPr lang="ru-KZ" dirty="0"/>
+          </a:p>
+        </p:txBody>
+      </p:sp>
+    </p:spTree>
+    <p:extLst>
+      <p:ext uri="{BB962C8B-B14F-4D97-AF65-F5344CB8AC3E}">
+        <p14:creationId xmlns:p14="http://schemas.microsoft.com/office/powerpoint/2010/main" val="3216768702"/>
       </p:ext>
     </p:extLst>
   </p:cSld>
@@ -3469,7 +4380,7 @@
           <p:cNvPr id="2" name="Заголовок 1">
             <a:extLst>
               <a:ext uri="{FF2B5EF4-FFF2-40B4-BE49-F238E27FC236}">
-                <a16:creationId xmlns:a16="http://schemas.microsoft.com/office/drawing/2014/main" id="{4E5B8EEA-901C-1323-83FB-7E64164EE4E3}"/>
+                <a16:creationId xmlns:a16="http://schemas.microsoft.com/office/drawing/2014/main" id="{318F21BE-F1A2-4387-8F0B-E4AD494AD4F0}"/>
               </a:ext>
             </a:extLst>
           </p:cNvPr>
@@ -3482,20 +4393,150 @@
         </p:nvSpPr>
         <p:spPr>
           <a:xfrm>
-            <a:off x="838200" y="373224"/>
-            <a:ext cx="10515600" cy="606490"/>
+            <a:off x="838200" y="267494"/>
+            <a:ext cx="10515600" cy="1001712"/>
+          </a:xfrm>
+        </p:spPr>
+        <p:txBody>
+          <a:bodyPr/>
+          <a:lstStyle/>
+          <a:p>
+            <a:r>
+              <a:rPr lang="ru-RU" dirty="0"/>
+              <a:t>Состав команды</a:t>
+            </a:r>
+            <a:endParaRPr lang="ru-KZ" dirty="0"/>
+          </a:p>
+        </p:txBody>
+      </p:sp>
+      <p:sp>
+        <p:nvSpPr>
+          <p:cNvPr id="10" name="Текст 9">
+            <a:extLst>
+              <a:ext uri="{FF2B5EF4-FFF2-40B4-BE49-F238E27FC236}">
+                <a16:creationId xmlns:a16="http://schemas.microsoft.com/office/drawing/2014/main" id="{085BFF59-6186-485D-A9E0-32D58FAF3362}"/>
+              </a:ext>
+            </a:extLst>
+          </p:cNvPr>
+          <p:cNvSpPr>
+            <a:spLocks noGrp="1"/>
+          </p:cNvSpPr>
+          <p:nvPr>
+            <p:ph type="body" idx="1"/>
+          </p:nvPr>
+        </p:nvSpPr>
+        <p:spPr>
+          <a:xfrm>
+            <a:off x="2455607" y="1760946"/>
+            <a:ext cx="3528633" cy="2186214"/>
           </a:xfrm>
         </p:spPr>
         <p:txBody>
           <a:bodyPr>
-            <a:normAutofit fontScale="90000"/>
+            <a:normAutofit fontScale="92500" lnSpcReduction="20000"/>
           </a:bodyPr>
           <a:lstStyle/>
           <a:p>
             <a:r>
-              <a:rPr lang="ru-RU" dirty="0"/>
-              <a:t>Повышение качества источников</a:t>
-            </a:r>
+              <a:rPr lang="ru-RU" dirty="0">
+                <a:solidFill>
+                  <a:schemeClr val="tx1"/>
+                </a:solidFill>
+              </a:rPr>
+              <a:t>Марина Дружинина</a:t>
+            </a:r>
+          </a:p>
+          <a:p>
+            <a:r>
+              <a:rPr lang="ru-RU" sz="1800" dirty="0">
+                <a:effectLst/>
+                <a:latin typeface="Calibri" panose="020F0502020204030204" pitchFamily="34" charset="0"/>
+                <a:ea typeface="Calibri" panose="020F0502020204030204" pitchFamily="34" charset="0"/>
+                <a:cs typeface="Times New Roman" panose="02020603050405020304" pitchFamily="18" charset="0"/>
+              </a:rPr>
+              <a:t>Разработка модели </a:t>
+            </a:r>
+          </a:p>
+          <a:p>
+            <a:r>
+              <a:rPr lang="ru-RU" sz="1800" dirty="0">
+                <a:solidFill>
+                  <a:schemeClr val="tx1"/>
+                </a:solidFill>
+                <a:effectLst/>
+                <a:latin typeface="Calibri" panose="020F0502020204030204" pitchFamily="34" charset="0"/>
+                <a:ea typeface="Calibri" panose="020F0502020204030204" pitchFamily="34" charset="0"/>
+                <a:cs typeface="Times New Roman" panose="02020603050405020304" pitchFamily="18" charset="0"/>
+              </a:rPr>
+              <a:t>Компетенция: разработка программного обеспечения</a:t>
+            </a:r>
+          </a:p>
+          <a:p>
+            <a:r>
+              <a:rPr lang="ru-RU" sz="1800" dirty="0">
+                <a:solidFill>
+                  <a:schemeClr val="tx1"/>
+                </a:solidFill>
+                <a:latin typeface="Calibri" panose="020F0502020204030204" pitchFamily="34" charset="0"/>
+                <a:cs typeface="Times New Roman" panose="02020603050405020304" pitchFamily="18" charset="0"/>
+              </a:rPr>
+              <a:t>г. Уфа</a:t>
+            </a:r>
+          </a:p>
+          <a:p>
+            <a:pPr>
+              <a:spcBef>
+                <a:spcPts val="1200"/>
+              </a:spcBef>
+            </a:pPr>
+            <a:r>
+              <a:rPr lang="en-US" sz="1800" dirty="0">
+                <a:solidFill>
+                  <a:schemeClr val="tx1"/>
+                </a:solidFill>
+                <a:latin typeface="Calibri" panose="020F0502020204030204" pitchFamily="34" charset="0"/>
+                <a:cs typeface="Times New Roman" panose="02020603050405020304" pitchFamily="18" charset="0"/>
+              </a:rPr>
+              <a:t>               </a:t>
+            </a:r>
+            <a:r>
+              <a:rPr lang="ru-RU" sz="1800" dirty="0">
+                <a:solidFill>
+                  <a:schemeClr val="tx1"/>
+                </a:solidFill>
+                <a:latin typeface="Calibri" panose="020F0502020204030204" pitchFamily="34" charset="0"/>
+                <a:cs typeface="Times New Roman" panose="02020603050405020304" pitchFamily="18" charset="0"/>
+              </a:rPr>
+              <a:t>+7 927 930 8073</a:t>
+            </a:r>
+          </a:p>
+          <a:p>
+            <a:pPr>
+              <a:spcBef>
+                <a:spcPts val="1200"/>
+              </a:spcBef>
+            </a:pPr>
+            <a:r>
+              <a:rPr lang="ru-RU" sz="1800" dirty="0">
+                <a:solidFill>
+                  <a:schemeClr val="tx1"/>
+                </a:solidFill>
+              </a:rPr>
+              <a:t>           </a:t>
+            </a:r>
+            <a:r>
+              <a:rPr lang="en-US" sz="1800" dirty="0">
+                <a:solidFill>
+                  <a:schemeClr val="tx1"/>
+                </a:solidFill>
+              </a:rPr>
+              <a:t>     @marina_druzh</a:t>
+            </a:r>
+            <a:endParaRPr lang="ru-KZ" sz="1800" dirty="0">
+              <a:solidFill>
+                <a:schemeClr val="tx1"/>
+              </a:solidFill>
+            </a:endParaRPr>
           </a:p>
         </p:txBody>
       </p:sp>
@@ -3504,7 +4545,7 @@
           <p:cNvPr id="6" name="Объект 5">
             <a:extLst>
               <a:ext uri="{FF2B5EF4-FFF2-40B4-BE49-F238E27FC236}">
-                <a16:creationId xmlns:a16="http://schemas.microsoft.com/office/drawing/2014/main" id="{75D5EB76-A030-5AFB-8491-CCCF6655E23A}"/>
+                <a16:creationId xmlns:a16="http://schemas.microsoft.com/office/drawing/2014/main" id="{76AC0D05-F009-44FA-813B-C4CFD7E2B815}"/>
               </a:ext>
             </a:extLst>
           </p:cNvPr>
@@ -3512,33 +4553,866 @@
             <a:picLocks noGrp="1" noChangeAspect="1"/>
           </p:cNvPicPr>
           <p:nvPr>
-            <p:ph sz="half" idx="1"/>
+            <p:ph idx="4294967295"/>
           </p:nvPr>
         </p:nvPicPr>
-        <p:blipFill>
-          <a:blip r:embed="rId2">
+        <p:blipFill rotWithShape="1">
+          <a:blip r:embed="rId3">
             <a:extLst>
               <a:ext uri="{28A0092B-C50C-407E-A947-70E740481C1C}">
                 <a14:useLocalDpi xmlns:a14="http://schemas.microsoft.com/office/drawing/2010/main" val="0"/>
               </a:ext>
             </a:extLst>
           </a:blip>
-          <a:srcRect/>
+          <a:srcRect b="10943"/>
           <a:stretch/>
         </p:blipFill>
         <p:spPr>
           <a:xfrm>
-            <a:off x="115077" y="1520889"/>
-            <a:ext cx="6096001" cy="4898572"/>
+            <a:off x="691149" y="1760946"/>
+            <a:ext cx="1446213" cy="1582737"/>
           </a:xfrm>
         </p:spPr>
       </p:pic>
+      <p:sp>
+        <p:nvSpPr>
+          <p:cNvPr id="13" name="Текст 9">
+            <a:extLst>
+              <a:ext uri="{FF2B5EF4-FFF2-40B4-BE49-F238E27FC236}">
+                <a16:creationId xmlns:a16="http://schemas.microsoft.com/office/drawing/2014/main" id="{17725542-2314-4AF3-9D2D-F4C9C71E4956}"/>
+              </a:ext>
+            </a:extLst>
+          </p:cNvPr>
+          <p:cNvSpPr txBox="1">
+            <a:spLocks/>
+          </p:cNvSpPr>
+          <p:nvPr/>
+        </p:nvSpPr>
+        <p:spPr>
+          <a:xfrm>
+            <a:off x="7860891" y="1760946"/>
+            <a:ext cx="3975509" cy="2262414"/>
+          </a:xfrm>
+          <a:prstGeom prst="rect">
+            <a:avLst/>
+          </a:prstGeom>
+        </p:spPr>
+        <p:txBody>
+          <a:bodyPr vert="horz" lIns="91440" tIns="45720" rIns="91440" bIns="45720" rtlCol="0">
+            <a:normAutofit fontScale="85000" lnSpcReduction="20000"/>
+          </a:bodyPr>
+          <a:lstStyle>
+            <a:lvl1pPr marL="0" indent="0" algn="l" defTabSz="914400" rtl="0" eaLnBrk="1" latinLnBrk="0" hangingPunct="1">
+              <a:lnSpc>
+                <a:spcPct val="90000"/>
+              </a:lnSpc>
+              <a:spcBef>
+                <a:spcPts val="1000"/>
+              </a:spcBef>
+              <a:buFont typeface="Arial" panose="020B0604020202020204" pitchFamily="34" charset="0"/>
+              <a:buNone/>
+              <a:defRPr sz="2400" kern="1200">
+                <a:solidFill>
+                  <a:schemeClr val="tx1">
+                    <a:tint val="75000"/>
+                  </a:schemeClr>
+                </a:solidFill>
+                <a:latin typeface="+mn-lt"/>
+                <a:ea typeface="+mn-ea"/>
+                <a:cs typeface="+mn-cs"/>
+              </a:defRPr>
+            </a:lvl1pPr>
+            <a:lvl2pPr marL="457200" indent="0" algn="l" defTabSz="914400" rtl="0" eaLnBrk="1" latinLnBrk="0" hangingPunct="1">
+              <a:lnSpc>
+                <a:spcPct val="90000"/>
+              </a:lnSpc>
+              <a:spcBef>
+                <a:spcPts val="500"/>
+              </a:spcBef>
+              <a:buFont typeface="Arial" panose="020B0604020202020204" pitchFamily="34" charset="0"/>
+              <a:buNone/>
+              <a:defRPr sz="2000" kern="1200">
+                <a:solidFill>
+                  <a:schemeClr val="tx1">
+                    <a:tint val="75000"/>
+                  </a:schemeClr>
+                </a:solidFill>
+                <a:latin typeface="+mn-lt"/>
+                <a:ea typeface="+mn-ea"/>
+                <a:cs typeface="+mn-cs"/>
+              </a:defRPr>
+            </a:lvl2pPr>
+            <a:lvl3pPr marL="914400" indent="0" algn="l" defTabSz="914400" rtl="0" eaLnBrk="1" latinLnBrk="0" hangingPunct="1">
+              <a:lnSpc>
+                <a:spcPct val="90000"/>
+              </a:lnSpc>
+              <a:spcBef>
+                <a:spcPts val="500"/>
+              </a:spcBef>
+              <a:buFont typeface="Arial" panose="020B0604020202020204" pitchFamily="34" charset="0"/>
+              <a:buNone/>
+              <a:defRPr sz="1800" kern="1200">
+                <a:solidFill>
+                  <a:schemeClr val="tx1">
+                    <a:tint val="75000"/>
+                  </a:schemeClr>
+                </a:solidFill>
+                <a:latin typeface="+mn-lt"/>
+                <a:ea typeface="+mn-ea"/>
+                <a:cs typeface="+mn-cs"/>
+              </a:defRPr>
+            </a:lvl3pPr>
+            <a:lvl4pPr marL="1371600" indent="0" algn="l" defTabSz="914400" rtl="0" eaLnBrk="1" latinLnBrk="0" hangingPunct="1">
+              <a:lnSpc>
+                <a:spcPct val="90000"/>
+              </a:lnSpc>
+              <a:spcBef>
+                <a:spcPts val="500"/>
+              </a:spcBef>
+              <a:buFont typeface="Arial" panose="020B0604020202020204" pitchFamily="34" charset="0"/>
+              <a:buNone/>
+              <a:defRPr sz="1600" kern="1200">
+                <a:solidFill>
+                  <a:schemeClr val="tx1">
+                    <a:tint val="75000"/>
+                  </a:schemeClr>
+                </a:solidFill>
+                <a:latin typeface="+mn-lt"/>
+                <a:ea typeface="+mn-ea"/>
+                <a:cs typeface="+mn-cs"/>
+              </a:defRPr>
+            </a:lvl4pPr>
+            <a:lvl5pPr marL="1828800" indent="0" algn="l" defTabSz="914400" rtl="0" eaLnBrk="1" latinLnBrk="0" hangingPunct="1">
+              <a:lnSpc>
+                <a:spcPct val="90000"/>
+              </a:lnSpc>
+              <a:spcBef>
+                <a:spcPts val="500"/>
+              </a:spcBef>
+              <a:buFont typeface="Arial" panose="020B0604020202020204" pitchFamily="34" charset="0"/>
+              <a:buNone/>
+              <a:defRPr sz="1600" kern="1200">
+                <a:solidFill>
+                  <a:schemeClr val="tx1">
+                    <a:tint val="75000"/>
+                  </a:schemeClr>
+                </a:solidFill>
+                <a:latin typeface="+mn-lt"/>
+                <a:ea typeface="+mn-ea"/>
+                <a:cs typeface="+mn-cs"/>
+              </a:defRPr>
+            </a:lvl5pPr>
+            <a:lvl6pPr marL="2286000" indent="0" algn="l" defTabSz="914400" rtl="0" eaLnBrk="1" latinLnBrk="0" hangingPunct="1">
+              <a:lnSpc>
+                <a:spcPct val="90000"/>
+              </a:lnSpc>
+              <a:spcBef>
+                <a:spcPts val="500"/>
+              </a:spcBef>
+              <a:buFont typeface="Arial" panose="020B0604020202020204" pitchFamily="34" charset="0"/>
+              <a:buNone/>
+              <a:defRPr sz="1600" kern="1200">
+                <a:solidFill>
+                  <a:schemeClr val="tx1">
+                    <a:tint val="75000"/>
+                  </a:schemeClr>
+                </a:solidFill>
+                <a:latin typeface="+mn-lt"/>
+                <a:ea typeface="+mn-ea"/>
+                <a:cs typeface="+mn-cs"/>
+              </a:defRPr>
+            </a:lvl6pPr>
+            <a:lvl7pPr marL="2743200" indent="0" algn="l" defTabSz="914400" rtl="0" eaLnBrk="1" latinLnBrk="0" hangingPunct="1">
+              <a:lnSpc>
+                <a:spcPct val="90000"/>
+              </a:lnSpc>
+              <a:spcBef>
+                <a:spcPts val="500"/>
+              </a:spcBef>
+              <a:buFont typeface="Arial" panose="020B0604020202020204" pitchFamily="34" charset="0"/>
+              <a:buNone/>
+              <a:defRPr sz="1600" kern="1200">
+                <a:solidFill>
+                  <a:schemeClr val="tx1">
+                    <a:tint val="75000"/>
+                  </a:schemeClr>
+                </a:solidFill>
+                <a:latin typeface="+mn-lt"/>
+                <a:ea typeface="+mn-ea"/>
+                <a:cs typeface="+mn-cs"/>
+              </a:defRPr>
+            </a:lvl7pPr>
+            <a:lvl8pPr marL="3200400" indent="0" algn="l" defTabSz="914400" rtl="0" eaLnBrk="1" latinLnBrk="0" hangingPunct="1">
+              <a:lnSpc>
+                <a:spcPct val="90000"/>
+              </a:lnSpc>
+              <a:spcBef>
+                <a:spcPts val="500"/>
+              </a:spcBef>
+              <a:buFont typeface="Arial" panose="020B0604020202020204" pitchFamily="34" charset="0"/>
+              <a:buNone/>
+              <a:defRPr sz="1600" kern="1200">
+                <a:solidFill>
+                  <a:schemeClr val="tx1">
+                    <a:tint val="75000"/>
+                  </a:schemeClr>
+                </a:solidFill>
+                <a:latin typeface="+mn-lt"/>
+                <a:ea typeface="+mn-ea"/>
+                <a:cs typeface="+mn-cs"/>
+              </a:defRPr>
+            </a:lvl8pPr>
+            <a:lvl9pPr marL="3657600" indent="0" algn="l" defTabSz="914400" rtl="0" eaLnBrk="1" latinLnBrk="0" hangingPunct="1">
+              <a:lnSpc>
+                <a:spcPct val="90000"/>
+              </a:lnSpc>
+              <a:spcBef>
+                <a:spcPts val="500"/>
+              </a:spcBef>
+              <a:buFont typeface="Arial" panose="020B0604020202020204" pitchFamily="34" charset="0"/>
+              <a:buNone/>
+              <a:defRPr sz="1600" kern="1200">
+                <a:solidFill>
+                  <a:schemeClr val="tx1">
+                    <a:tint val="75000"/>
+                  </a:schemeClr>
+                </a:solidFill>
+                <a:latin typeface="+mn-lt"/>
+                <a:ea typeface="+mn-ea"/>
+                <a:cs typeface="+mn-cs"/>
+              </a:defRPr>
+            </a:lvl9pPr>
+          </a:lstStyle>
+          <a:p>
+            <a:r>
+              <a:rPr lang="ru-RU" dirty="0" err="1">
+                <a:solidFill>
+                  <a:schemeClr val="tx1"/>
+                </a:solidFill>
+              </a:rPr>
+              <a:t>Мгер</a:t>
+            </a:r>
+            <a:r>
+              <a:rPr lang="ru-RU" dirty="0">
+                <a:solidFill>
+                  <a:schemeClr val="tx1"/>
+                </a:solidFill>
+              </a:rPr>
+              <a:t> </a:t>
+            </a:r>
+            <a:r>
+              <a:rPr lang="ru-RU" dirty="0" err="1">
+                <a:solidFill>
+                  <a:schemeClr val="tx1"/>
+                </a:solidFill>
+              </a:rPr>
+              <a:t>Парунакян</a:t>
+            </a:r>
+            <a:endParaRPr lang="ru-RU" dirty="0">
+              <a:solidFill>
+                <a:schemeClr val="tx1"/>
+              </a:solidFill>
+            </a:endParaRPr>
+          </a:p>
+          <a:p>
+            <a:r>
+              <a:rPr lang="ru-RU" sz="1800" dirty="0" err="1">
+                <a:latin typeface="Calibri" panose="020F0502020204030204" pitchFamily="34" charset="0"/>
+                <a:ea typeface="Calibri" panose="020F0502020204030204" pitchFamily="34" charset="0"/>
+                <a:cs typeface="Times New Roman" panose="02020603050405020304" pitchFamily="18" charset="0"/>
+              </a:rPr>
+              <a:t>Парсинг</a:t>
+            </a:r>
+            <a:r>
+              <a:rPr lang="ru-RU" sz="1800" dirty="0">
+                <a:latin typeface="Calibri" panose="020F0502020204030204" pitchFamily="34" charset="0"/>
+                <a:ea typeface="Calibri" panose="020F0502020204030204" pitchFamily="34" charset="0"/>
+                <a:cs typeface="Times New Roman" panose="02020603050405020304" pitchFamily="18" charset="0"/>
+              </a:rPr>
+              <a:t> источников</a:t>
+            </a:r>
+            <a:endParaRPr lang="en-US" sz="1800" dirty="0">
+              <a:latin typeface="Calibri" panose="020F0502020204030204" pitchFamily="34" charset="0"/>
+              <a:ea typeface="Calibri" panose="020F0502020204030204" pitchFamily="34" charset="0"/>
+              <a:cs typeface="Times New Roman" panose="02020603050405020304" pitchFamily="18" charset="0"/>
+            </a:endParaRPr>
+          </a:p>
+          <a:p>
+            <a:r>
+              <a:rPr lang="ru-RU" sz="1800" dirty="0">
+                <a:solidFill>
+                  <a:schemeClr val="tx1"/>
+                </a:solidFill>
+                <a:effectLst/>
+                <a:latin typeface="Calibri" panose="020F0502020204030204" pitchFamily="34" charset="0"/>
+                <a:ea typeface="Calibri" panose="020F0502020204030204" pitchFamily="34" charset="0"/>
+                <a:cs typeface="Times New Roman" panose="02020603050405020304" pitchFamily="18" charset="0"/>
+              </a:rPr>
+              <a:t>Компетенция: управление разработк</a:t>
+            </a:r>
+            <a:r>
+              <a:rPr lang="ru-RU" sz="1800" dirty="0">
+                <a:solidFill>
+                  <a:schemeClr val="tx1"/>
+                </a:solidFill>
+                <a:latin typeface="Calibri" panose="020F0502020204030204" pitchFamily="34" charset="0"/>
+                <a:ea typeface="Calibri" panose="020F0502020204030204" pitchFamily="34" charset="0"/>
+                <a:cs typeface="Times New Roman" panose="02020603050405020304" pitchFamily="18" charset="0"/>
+              </a:rPr>
+              <a:t>ой</a:t>
+            </a:r>
+            <a:r>
+              <a:rPr lang="ru-RU" sz="1800" dirty="0">
+                <a:solidFill>
+                  <a:schemeClr val="tx1"/>
+                </a:solidFill>
+                <a:effectLst/>
+                <a:latin typeface="Calibri" panose="020F0502020204030204" pitchFamily="34" charset="0"/>
+                <a:ea typeface="Calibri" panose="020F0502020204030204" pitchFamily="34" charset="0"/>
+                <a:cs typeface="Times New Roman" panose="02020603050405020304" pitchFamily="18" charset="0"/>
+              </a:rPr>
+              <a:t> программного обеспечения, производством, дистрибуцией</a:t>
+            </a:r>
+          </a:p>
+          <a:p>
+            <a:r>
+              <a:rPr lang="ru-RU" sz="1800" dirty="0">
+                <a:solidFill>
+                  <a:schemeClr val="tx1"/>
+                </a:solidFill>
+                <a:latin typeface="Calibri" panose="020F0502020204030204" pitchFamily="34" charset="0"/>
+                <a:cs typeface="Times New Roman" panose="02020603050405020304" pitchFamily="18" charset="0"/>
+              </a:rPr>
+              <a:t>г. Москва</a:t>
+            </a:r>
+          </a:p>
+          <a:p>
+            <a:pPr>
+              <a:spcBef>
+                <a:spcPts val="1200"/>
+              </a:spcBef>
+            </a:pPr>
+            <a:r>
+              <a:rPr lang="ru-RU" sz="1800" dirty="0">
+                <a:solidFill>
+                  <a:schemeClr val="tx1"/>
+                </a:solidFill>
+                <a:latin typeface="Calibri" panose="020F0502020204030204" pitchFamily="34" charset="0"/>
+                <a:cs typeface="Times New Roman" panose="02020603050405020304" pitchFamily="18" charset="0"/>
+              </a:rPr>
+              <a:t>                 </a:t>
+            </a:r>
+            <a:r>
+              <a:rPr lang="en-US" sz="1800" dirty="0">
+                <a:solidFill>
+                  <a:schemeClr val="tx1"/>
+                </a:solidFill>
+                <a:latin typeface="Calibri" panose="020F0502020204030204" pitchFamily="34" charset="0"/>
+                <a:cs typeface="Times New Roman" panose="02020603050405020304" pitchFamily="18" charset="0"/>
+              </a:rPr>
+              <a:t>   </a:t>
+            </a:r>
+            <a:r>
+              <a:rPr lang="ru-RU" sz="1800" dirty="0">
+                <a:solidFill>
+                  <a:schemeClr val="tx1"/>
+                </a:solidFill>
+                <a:latin typeface="Calibri" panose="020F0502020204030204" pitchFamily="34" charset="0"/>
+                <a:cs typeface="Times New Roman" panose="02020603050405020304" pitchFamily="18" charset="0"/>
+              </a:rPr>
+              <a:t>+</a:t>
+            </a:r>
+            <a:r>
+              <a:rPr lang="en-US" sz="1800" dirty="0">
+                <a:solidFill>
+                  <a:schemeClr val="tx1"/>
+                </a:solidFill>
+                <a:latin typeface="Calibri" panose="020F0502020204030204" pitchFamily="34" charset="0"/>
+                <a:cs typeface="Times New Roman" panose="02020603050405020304" pitchFamily="18" charset="0"/>
+              </a:rPr>
+              <a:t>7 </a:t>
+            </a:r>
+            <a:r>
+              <a:rPr lang="ru-RU" sz="1800" dirty="0">
+                <a:solidFill>
+                  <a:schemeClr val="tx1"/>
+                </a:solidFill>
+                <a:latin typeface="Calibri" panose="020F0502020204030204" pitchFamily="34" charset="0"/>
+                <a:cs typeface="Times New Roman" panose="02020603050405020304" pitchFamily="18" charset="0"/>
+              </a:rPr>
+              <a:t>916</a:t>
+            </a:r>
+            <a:r>
+              <a:rPr lang="en-US" sz="1800" dirty="0">
+                <a:solidFill>
+                  <a:schemeClr val="tx1"/>
+                </a:solidFill>
+                <a:latin typeface="Calibri" panose="020F0502020204030204" pitchFamily="34" charset="0"/>
+                <a:cs typeface="Times New Roman" panose="02020603050405020304" pitchFamily="18" charset="0"/>
+              </a:rPr>
+              <a:t> </a:t>
+            </a:r>
+            <a:r>
+              <a:rPr lang="ru-RU" sz="1800" dirty="0">
+                <a:solidFill>
+                  <a:schemeClr val="tx1"/>
+                </a:solidFill>
+                <a:latin typeface="Calibri" panose="020F0502020204030204" pitchFamily="34" charset="0"/>
+                <a:cs typeface="Times New Roman" panose="02020603050405020304" pitchFamily="18" charset="0"/>
+              </a:rPr>
+              <a:t>580</a:t>
+            </a:r>
+            <a:r>
+              <a:rPr lang="en-US" sz="1800" dirty="0">
+                <a:solidFill>
+                  <a:schemeClr val="tx1"/>
+                </a:solidFill>
+                <a:latin typeface="Calibri" panose="020F0502020204030204" pitchFamily="34" charset="0"/>
+                <a:cs typeface="Times New Roman" panose="02020603050405020304" pitchFamily="18" charset="0"/>
+              </a:rPr>
+              <a:t> </a:t>
+            </a:r>
+            <a:r>
+              <a:rPr lang="ru-RU" sz="1800" dirty="0">
+                <a:solidFill>
+                  <a:schemeClr val="tx1"/>
+                </a:solidFill>
+                <a:latin typeface="Calibri" panose="020F0502020204030204" pitchFamily="34" charset="0"/>
+                <a:cs typeface="Times New Roman" panose="02020603050405020304" pitchFamily="18" charset="0"/>
+              </a:rPr>
+              <a:t>3588</a:t>
+            </a:r>
+          </a:p>
+          <a:p>
+            <a:pPr>
+              <a:spcBef>
+                <a:spcPts val="1200"/>
+              </a:spcBef>
+            </a:pPr>
+            <a:r>
+              <a:rPr lang="ru-RU" sz="1800" dirty="0">
+                <a:solidFill>
+                  <a:schemeClr val="tx1"/>
+                </a:solidFill>
+              </a:rPr>
+              <a:t>             </a:t>
+            </a:r>
+            <a:r>
+              <a:rPr lang="en-US" sz="1800" dirty="0">
+                <a:solidFill>
+                  <a:schemeClr val="tx1"/>
+                </a:solidFill>
+              </a:rPr>
+              <a:t>       </a:t>
+            </a:r>
+            <a:r>
+              <a:rPr lang="en-US" sz="1800" dirty="0">
+                <a:solidFill>
+                  <a:schemeClr val="tx1"/>
+                </a:solidFill>
+                <a:latin typeface="Calibri" panose="020F0502020204030204" pitchFamily="34" charset="0"/>
+                <a:cs typeface="Times New Roman" panose="02020603050405020304" pitchFamily="18" charset="0"/>
+              </a:rPr>
+              <a:t>@MhParun</a:t>
+            </a:r>
+            <a:r>
+              <a:rPr lang="ru-RU" sz="1800" dirty="0">
+                <a:solidFill>
+                  <a:schemeClr val="tx1"/>
+                </a:solidFill>
+                <a:latin typeface="Calibri" panose="020F0502020204030204" pitchFamily="34" charset="0"/>
+                <a:cs typeface="Times New Roman" panose="02020603050405020304" pitchFamily="18" charset="0"/>
+              </a:rPr>
+              <a:t>           </a:t>
+            </a:r>
+            <a:endParaRPr lang="ru-KZ" sz="1800" dirty="0">
+              <a:solidFill>
+                <a:schemeClr val="tx1"/>
+              </a:solidFill>
+            </a:endParaRPr>
+          </a:p>
+        </p:txBody>
+      </p:sp>
       <p:pic>
         <p:nvPicPr>
-          <p:cNvPr id="7" name="Объект 5">
-            <a:extLst>
-              <a:ext uri="{FF2B5EF4-FFF2-40B4-BE49-F238E27FC236}">
-                <a16:creationId xmlns:a16="http://schemas.microsoft.com/office/drawing/2014/main" id="{232412DF-04BB-CEF6-0243-9416674E23EF}"/>
+          <p:cNvPr id="14" name="Объект 5">
+            <a:extLst>
+              <a:ext uri="{FF2B5EF4-FFF2-40B4-BE49-F238E27FC236}">
+                <a16:creationId xmlns:a16="http://schemas.microsoft.com/office/drawing/2014/main" id="{ED8AF413-7470-456D-BD78-68DEE0ED4696}"/>
+              </a:ext>
+            </a:extLst>
+          </p:cNvPr>
+          <p:cNvPicPr>
+            <a:picLocks noChangeAspect="1"/>
+          </p:cNvPicPr>
+          <p:nvPr/>
+        </p:nvPicPr>
+        <p:blipFill rotWithShape="1">
+          <a:blip r:embed="rId4">
+            <a:extLst>
+              <a:ext uri="{28A0092B-C50C-407E-A947-70E740481C1C}">
+                <a14:useLocalDpi xmlns:a14="http://schemas.microsoft.com/office/drawing/2010/main" val="0"/>
+              </a:ext>
+            </a:extLst>
+          </a:blip>
+          <a:srcRect b="10943"/>
+          <a:stretch/>
+        </p:blipFill>
+        <p:spPr>
+          <a:xfrm>
+            <a:off x="6302485" y="1760946"/>
+            <a:ext cx="1328210" cy="1582021"/>
+          </a:xfrm>
+          <a:prstGeom prst="rect">
+            <a:avLst/>
+          </a:prstGeom>
+        </p:spPr>
+      </p:pic>
+      <p:sp>
+        <p:nvSpPr>
+          <p:cNvPr id="15" name="Текст 9">
+            <a:extLst>
+              <a:ext uri="{FF2B5EF4-FFF2-40B4-BE49-F238E27FC236}">
+                <a16:creationId xmlns:a16="http://schemas.microsoft.com/office/drawing/2014/main" id="{481B9B26-D218-4501-A9CB-602B9C6E0050}"/>
+              </a:ext>
+            </a:extLst>
+          </p:cNvPr>
+          <p:cNvSpPr txBox="1">
+            <a:spLocks/>
+          </p:cNvSpPr>
+          <p:nvPr/>
+        </p:nvSpPr>
+        <p:spPr>
+          <a:xfrm>
+            <a:off x="2455607" y="4236720"/>
+            <a:ext cx="3800167" cy="2353786"/>
+          </a:xfrm>
+          <a:prstGeom prst="rect">
+            <a:avLst/>
+          </a:prstGeom>
+        </p:spPr>
+        <p:txBody>
+          <a:bodyPr vert="horz" lIns="91440" tIns="45720" rIns="91440" bIns="45720" rtlCol="0">
+            <a:normAutofit fontScale="92500" lnSpcReduction="10000"/>
+          </a:bodyPr>
+          <a:lstStyle>
+            <a:lvl1pPr marL="0" indent="0" algn="l" defTabSz="914400" rtl="0" eaLnBrk="1" latinLnBrk="0" hangingPunct="1">
+              <a:lnSpc>
+                <a:spcPct val="90000"/>
+              </a:lnSpc>
+              <a:spcBef>
+                <a:spcPts val="1000"/>
+              </a:spcBef>
+              <a:buFont typeface="Arial" panose="020B0604020202020204" pitchFamily="34" charset="0"/>
+              <a:buNone/>
+              <a:defRPr sz="2400" kern="1200">
+                <a:solidFill>
+                  <a:schemeClr val="tx1">
+                    <a:tint val="75000"/>
+                  </a:schemeClr>
+                </a:solidFill>
+                <a:latin typeface="+mn-lt"/>
+                <a:ea typeface="+mn-ea"/>
+                <a:cs typeface="+mn-cs"/>
+              </a:defRPr>
+            </a:lvl1pPr>
+            <a:lvl2pPr marL="457200" indent="0" algn="l" defTabSz="914400" rtl="0" eaLnBrk="1" latinLnBrk="0" hangingPunct="1">
+              <a:lnSpc>
+                <a:spcPct val="90000"/>
+              </a:lnSpc>
+              <a:spcBef>
+                <a:spcPts val="500"/>
+              </a:spcBef>
+              <a:buFont typeface="Arial" panose="020B0604020202020204" pitchFamily="34" charset="0"/>
+              <a:buNone/>
+              <a:defRPr sz="2000" kern="1200">
+                <a:solidFill>
+                  <a:schemeClr val="tx1">
+                    <a:tint val="75000"/>
+                  </a:schemeClr>
+                </a:solidFill>
+                <a:latin typeface="+mn-lt"/>
+                <a:ea typeface="+mn-ea"/>
+                <a:cs typeface="+mn-cs"/>
+              </a:defRPr>
+            </a:lvl2pPr>
+            <a:lvl3pPr marL="914400" indent="0" algn="l" defTabSz="914400" rtl="0" eaLnBrk="1" latinLnBrk="0" hangingPunct="1">
+              <a:lnSpc>
+                <a:spcPct val="90000"/>
+              </a:lnSpc>
+              <a:spcBef>
+                <a:spcPts val="500"/>
+              </a:spcBef>
+              <a:buFont typeface="Arial" panose="020B0604020202020204" pitchFamily="34" charset="0"/>
+              <a:buNone/>
+              <a:defRPr sz="1800" kern="1200">
+                <a:solidFill>
+                  <a:schemeClr val="tx1">
+                    <a:tint val="75000"/>
+                  </a:schemeClr>
+                </a:solidFill>
+                <a:latin typeface="+mn-lt"/>
+                <a:ea typeface="+mn-ea"/>
+                <a:cs typeface="+mn-cs"/>
+              </a:defRPr>
+            </a:lvl3pPr>
+            <a:lvl4pPr marL="1371600" indent="0" algn="l" defTabSz="914400" rtl="0" eaLnBrk="1" latinLnBrk="0" hangingPunct="1">
+              <a:lnSpc>
+                <a:spcPct val="90000"/>
+              </a:lnSpc>
+              <a:spcBef>
+                <a:spcPts val="500"/>
+              </a:spcBef>
+              <a:buFont typeface="Arial" panose="020B0604020202020204" pitchFamily="34" charset="0"/>
+              <a:buNone/>
+              <a:defRPr sz="1600" kern="1200">
+                <a:solidFill>
+                  <a:schemeClr val="tx1">
+                    <a:tint val="75000"/>
+                  </a:schemeClr>
+                </a:solidFill>
+                <a:latin typeface="+mn-lt"/>
+                <a:ea typeface="+mn-ea"/>
+                <a:cs typeface="+mn-cs"/>
+              </a:defRPr>
+            </a:lvl4pPr>
+            <a:lvl5pPr marL="1828800" indent="0" algn="l" defTabSz="914400" rtl="0" eaLnBrk="1" latinLnBrk="0" hangingPunct="1">
+              <a:lnSpc>
+                <a:spcPct val="90000"/>
+              </a:lnSpc>
+              <a:spcBef>
+                <a:spcPts val="500"/>
+              </a:spcBef>
+              <a:buFont typeface="Arial" panose="020B0604020202020204" pitchFamily="34" charset="0"/>
+              <a:buNone/>
+              <a:defRPr sz="1600" kern="1200">
+                <a:solidFill>
+                  <a:schemeClr val="tx1">
+                    <a:tint val="75000"/>
+                  </a:schemeClr>
+                </a:solidFill>
+                <a:latin typeface="+mn-lt"/>
+                <a:ea typeface="+mn-ea"/>
+                <a:cs typeface="+mn-cs"/>
+              </a:defRPr>
+            </a:lvl5pPr>
+            <a:lvl6pPr marL="2286000" indent="0" algn="l" defTabSz="914400" rtl="0" eaLnBrk="1" latinLnBrk="0" hangingPunct="1">
+              <a:lnSpc>
+                <a:spcPct val="90000"/>
+              </a:lnSpc>
+              <a:spcBef>
+                <a:spcPts val="500"/>
+              </a:spcBef>
+              <a:buFont typeface="Arial" panose="020B0604020202020204" pitchFamily="34" charset="0"/>
+              <a:buNone/>
+              <a:defRPr sz="1600" kern="1200">
+                <a:solidFill>
+                  <a:schemeClr val="tx1">
+                    <a:tint val="75000"/>
+                  </a:schemeClr>
+                </a:solidFill>
+                <a:latin typeface="+mn-lt"/>
+                <a:ea typeface="+mn-ea"/>
+                <a:cs typeface="+mn-cs"/>
+              </a:defRPr>
+            </a:lvl6pPr>
+            <a:lvl7pPr marL="2743200" indent="0" algn="l" defTabSz="914400" rtl="0" eaLnBrk="1" latinLnBrk="0" hangingPunct="1">
+              <a:lnSpc>
+                <a:spcPct val="90000"/>
+              </a:lnSpc>
+              <a:spcBef>
+                <a:spcPts val="500"/>
+              </a:spcBef>
+              <a:buFont typeface="Arial" panose="020B0604020202020204" pitchFamily="34" charset="0"/>
+              <a:buNone/>
+              <a:defRPr sz="1600" kern="1200">
+                <a:solidFill>
+                  <a:schemeClr val="tx1">
+                    <a:tint val="75000"/>
+                  </a:schemeClr>
+                </a:solidFill>
+                <a:latin typeface="+mn-lt"/>
+                <a:ea typeface="+mn-ea"/>
+                <a:cs typeface="+mn-cs"/>
+              </a:defRPr>
+            </a:lvl7pPr>
+            <a:lvl8pPr marL="3200400" indent="0" algn="l" defTabSz="914400" rtl="0" eaLnBrk="1" latinLnBrk="0" hangingPunct="1">
+              <a:lnSpc>
+                <a:spcPct val="90000"/>
+              </a:lnSpc>
+              <a:spcBef>
+                <a:spcPts val="500"/>
+              </a:spcBef>
+              <a:buFont typeface="Arial" panose="020B0604020202020204" pitchFamily="34" charset="0"/>
+              <a:buNone/>
+              <a:defRPr sz="1600" kern="1200">
+                <a:solidFill>
+                  <a:schemeClr val="tx1">
+                    <a:tint val="75000"/>
+                  </a:schemeClr>
+                </a:solidFill>
+                <a:latin typeface="+mn-lt"/>
+                <a:ea typeface="+mn-ea"/>
+                <a:cs typeface="+mn-cs"/>
+              </a:defRPr>
+            </a:lvl8pPr>
+            <a:lvl9pPr marL="3657600" indent="0" algn="l" defTabSz="914400" rtl="0" eaLnBrk="1" latinLnBrk="0" hangingPunct="1">
+              <a:lnSpc>
+                <a:spcPct val="90000"/>
+              </a:lnSpc>
+              <a:spcBef>
+                <a:spcPts val="500"/>
+              </a:spcBef>
+              <a:buFont typeface="Arial" panose="020B0604020202020204" pitchFamily="34" charset="0"/>
+              <a:buNone/>
+              <a:defRPr sz="1600" kern="1200">
+                <a:solidFill>
+                  <a:schemeClr val="tx1">
+                    <a:tint val="75000"/>
+                  </a:schemeClr>
+                </a:solidFill>
+                <a:latin typeface="+mn-lt"/>
+                <a:ea typeface="+mn-ea"/>
+                <a:cs typeface="+mn-cs"/>
+              </a:defRPr>
+            </a:lvl9pPr>
+          </a:lstStyle>
+          <a:p>
+            <a:r>
+              <a:rPr lang="ru-RU" dirty="0">
+                <a:solidFill>
+                  <a:schemeClr val="tx1"/>
+                </a:solidFill>
+              </a:rPr>
+              <a:t>Марат Закиров</a:t>
+            </a:r>
+          </a:p>
+          <a:p>
+            <a:r>
+              <a:rPr lang="ru-RU" sz="1800" dirty="0">
+                <a:effectLst/>
+                <a:latin typeface="Calibri" panose="020F0502020204030204" pitchFamily="34" charset="0"/>
+                <a:ea typeface="Calibri" panose="020F0502020204030204" pitchFamily="34" charset="0"/>
+                <a:cs typeface="Times New Roman" panose="02020603050405020304" pitchFamily="18" charset="0"/>
+              </a:rPr>
+              <a:t>Разработка</a:t>
+            </a:r>
+            <a:r>
+              <a:rPr lang="en-US" sz="1800" dirty="0">
+                <a:effectLst/>
+                <a:latin typeface="Calibri" panose="020F0502020204030204" pitchFamily="34" charset="0"/>
+                <a:ea typeface="Calibri" panose="020F0502020204030204" pitchFamily="34" charset="0"/>
+                <a:cs typeface="Times New Roman" panose="02020603050405020304" pitchFamily="18" charset="0"/>
+              </a:rPr>
+              <a:t> </a:t>
+            </a:r>
+            <a:r>
+              <a:rPr lang="ru-RU" sz="1800" dirty="0">
+                <a:effectLst/>
+                <a:latin typeface="Calibri" panose="020F0502020204030204" pitchFamily="34" charset="0"/>
+                <a:ea typeface="Calibri" panose="020F0502020204030204" pitchFamily="34" charset="0"/>
+                <a:cs typeface="Times New Roman" panose="02020603050405020304" pitchFamily="18" charset="0"/>
+              </a:rPr>
+              <a:t>модели</a:t>
+            </a:r>
+          </a:p>
+          <a:p>
+            <a:r>
+              <a:rPr lang="ru-RU" sz="1800" dirty="0">
+                <a:solidFill>
+                  <a:schemeClr val="tx1"/>
+                </a:solidFill>
+                <a:effectLst/>
+                <a:latin typeface="Calibri" panose="020F0502020204030204" pitchFamily="34" charset="0"/>
+                <a:ea typeface="Calibri" panose="020F0502020204030204" pitchFamily="34" charset="0"/>
+                <a:cs typeface="Times New Roman" panose="02020603050405020304" pitchFamily="18" charset="0"/>
+              </a:rPr>
+              <a:t>Компетенция: разработка программного обеспечения</a:t>
+            </a:r>
+          </a:p>
+          <a:p>
+            <a:r>
+              <a:rPr lang="ru-RU" sz="1800" dirty="0">
+                <a:solidFill>
+                  <a:schemeClr val="tx1"/>
+                </a:solidFill>
+                <a:latin typeface="Calibri" panose="020F0502020204030204" pitchFamily="34" charset="0"/>
+                <a:cs typeface="Times New Roman" panose="02020603050405020304" pitchFamily="18" charset="0"/>
+              </a:rPr>
+              <a:t>г. Москва</a:t>
+            </a:r>
+          </a:p>
+          <a:p>
+            <a:pPr>
+              <a:spcBef>
+                <a:spcPts val="1200"/>
+              </a:spcBef>
+            </a:pPr>
+            <a:r>
+              <a:rPr lang="ru-RU" sz="1800" dirty="0">
+                <a:solidFill>
+                  <a:srgbClr val="FF0000"/>
+                </a:solidFill>
+                <a:latin typeface="Calibri" panose="020F0502020204030204" pitchFamily="34" charset="0"/>
+                <a:cs typeface="Times New Roman" panose="02020603050405020304" pitchFamily="18" charset="0"/>
+              </a:rPr>
+              <a:t>               </a:t>
+            </a:r>
+            <a:r>
+              <a:rPr lang="ru-RU" sz="1800" dirty="0">
+                <a:solidFill>
+                  <a:schemeClr val="tx1"/>
+                </a:solidFill>
+                <a:latin typeface="Calibri" panose="020F0502020204030204" pitchFamily="34" charset="0"/>
+                <a:cs typeface="Times New Roman" panose="02020603050405020304" pitchFamily="18" charset="0"/>
+              </a:rPr>
+              <a:t>+7 925 833 8335</a:t>
+            </a:r>
+          </a:p>
+          <a:p>
+            <a:pPr>
+              <a:spcBef>
+                <a:spcPts val="1200"/>
+              </a:spcBef>
+            </a:pPr>
+            <a:r>
+              <a:rPr lang="ru-RU" sz="1800" dirty="0">
+                <a:solidFill>
+                  <a:schemeClr val="tx1"/>
+                </a:solidFill>
+              </a:rPr>
+              <a:t>           </a:t>
+            </a:r>
+            <a:r>
+              <a:rPr lang="en-US" sz="1800" dirty="0">
+                <a:solidFill>
+                  <a:schemeClr val="tx1"/>
+                </a:solidFill>
+              </a:rPr>
+              <a:t>     @mardrake</a:t>
+            </a:r>
+            <a:r>
+              <a:rPr lang="ru-RU" sz="1800" dirty="0">
+                <a:solidFill>
+                  <a:schemeClr val="tx1"/>
+                </a:solidFill>
+              </a:rPr>
+              <a:t>           </a:t>
+            </a:r>
+            <a:endParaRPr lang="ru-KZ" sz="1800" dirty="0">
+              <a:solidFill>
+                <a:schemeClr val="tx1"/>
+              </a:solidFill>
+            </a:endParaRPr>
+          </a:p>
+        </p:txBody>
+      </p:sp>
+      <p:pic>
+        <p:nvPicPr>
+          <p:cNvPr id="16" name="Объект 5">
+            <a:extLst>
+              <a:ext uri="{FF2B5EF4-FFF2-40B4-BE49-F238E27FC236}">
+                <a16:creationId xmlns:a16="http://schemas.microsoft.com/office/drawing/2014/main" id="{34C76511-0C90-4BF2-9843-17F495297F1F}"/>
               </a:ext>
             </a:extLst>
           </p:cNvPr>
@@ -3548,7 +5422,7 @@
           <p:nvPr/>
         </p:nvPicPr>
         <p:blipFill>
-          <a:blip r:embed="rId3">
+          <a:blip r:embed="rId5">
             <a:extLst>
               <a:ext uri="{28A0092B-C50C-407E-A947-70E740481C1C}">
                 <a14:useLocalDpi xmlns:a14="http://schemas.microsoft.com/office/drawing/2010/main" val="0"/>
@@ -3560,8 +5434,676 @@
         </p:blipFill>
         <p:spPr>
           <a:xfrm>
-            <a:off x="6211078" y="1401421"/>
-            <a:ext cx="5865846" cy="5018040"/>
+            <a:off x="690716" y="4365790"/>
+            <a:ext cx="1446213" cy="1459044"/>
+          </a:xfrm>
+          <a:prstGeom prst="rect">
+            <a:avLst/>
+          </a:prstGeom>
+        </p:spPr>
+      </p:pic>
+      <p:sp>
+        <p:nvSpPr>
+          <p:cNvPr id="17" name="Текст 9">
+            <a:extLst>
+              <a:ext uri="{FF2B5EF4-FFF2-40B4-BE49-F238E27FC236}">
+                <a16:creationId xmlns:a16="http://schemas.microsoft.com/office/drawing/2014/main" id="{2B480845-593C-4F32-B33A-6CC94AA7670E}"/>
+              </a:ext>
+            </a:extLst>
+          </p:cNvPr>
+          <p:cNvSpPr txBox="1">
+            <a:spLocks/>
+          </p:cNvSpPr>
+          <p:nvPr/>
+        </p:nvSpPr>
+        <p:spPr>
+          <a:xfrm>
+            <a:off x="7860891" y="4236720"/>
+            <a:ext cx="3800167" cy="2353786"/>
+          </a:xfrm>
+          <a:prstGeom prst="rect">
+            <a:avLst/>
+          </a:prstGeom>
+        </p:spPr>
+        <p:txBody>
+          <a:bodyPr vert="horz" lIns="91440" tIns="45720" rIns="91440" bIns="45720" rtlCol="0">
+            <a:normAutofit fontScale="92500" lnSpcReduction="10000"/>
+          </a:bodyPr>
+          <a:lstStyle>
+            <a:lvl1pPr marL="0" indent="0" algn="l" defTabSz="914400" rtl="0" eaLnBrk="1" latinLnBrk="0" hangingPunct="1">
+              <a:lnSpc>
+                <a:spcPct val="90000"/>
+              </a:lnSpc>
+              <a:spcBef>
+                <a:spcPts val="1000"/>
+              </a:spcBef>
+              <a:buFont typeface="Arial" panose="020B0604020202020204" pitchFamily="34" charset="0"/>
+              <a:buNone/>
+              <a:defRPr sz="2400" kern="1200">
+                <a:solidFill>
+                  <a:schemeClr val="tx1">
+                    <a:tint val="75000"/>
+                  </a:schemeClr>
+                </a:solidFill>
+                <a:latin typeface="+mn-lt"/>
+                <a:ea typeface="+mn-ea"/>
+                <a:cs typeface="+mn-cs"/>
+              </a:defRPr>
+            </a:lvl1pPr>
+            <a:lvl2pPr marL="457200" indent="0" algn="l" defTabSz="914400" rtl="0" eaLnBrk="1" latinLnBrk="0" hangingPunct="1">
+              <a:lnSpc>
+                <a:spcPct val="90000"/>
+              </a:lnSpc>
+              <a:spcBef>
+                <a:spcPts val="500"/>
+              </a:spcBef>
+              <a:buFont typeface="Arial" panose="020B0604020202020204" pitchFamily="34" charset="0"/>
+              <a:buNone/>
+              <a:defRPr sz="2000" kern="1200">
+                <a:solidFill>
+                  <a:schemeClr val="tx1">
+                    <a:tint val="75000"/>
+                  </a:schemeClr>
+                </a:solidFill>
+                <a:latin typeface="+mn-lt"/>
+                <a:ea typeface="+mn-ea"/>
+                <a:cs typeface="+mn-cs"/>
+              </a:defRPr>
+            </a:lvl2pPr>
+            <a:lvl3pPr marL="914400" indent="0" algn="l" defTabSz="914400" rtl="0" eaLnBrk="1" latinLnBrk="0" hangingPunct="1">
+              <a:lnSpc>
+                <a:spcPct val="90000"/>
+              </a:lnSpc>
+              <a:spcBef>
+                <a:spcPts val="500"/>
+              </a:spcBef>
+              <a:buFont typeface="Arial" panose="020B0604020202020204" pitchFamily="34" charset="0"/>
+              <a:buNone/>
+              <a:defRPr sz="1800" kern="1200">
+                <a:solidFill>
+                  <a:schemeClr val="tx1">
+                    <a:tint val="75000"/>
+                  </a:schemeClr>
+                </a:solidFill>
+                <a:latin typeface="+mn-lt"/>
+                <a:ea typeface="+mn-ea"/>
+                <a:cs typeface="+mn-cs"/>
+              </a:defRPr>
+            </a:lvl3pPr>
+            <a:lvl4pPr marL="1371600" indent="0" algn="l" defTabSz="914400" rtl="0" eaLnBrk="1" latinLnBrk="0" hangingPunct="1">
+              <a:lnSpc>
+                <a:spcPct val="90000"/>
+              </a:lnSpc>
+              <a:spcBef>
+                <a:spcPts val="500"/>
+              </a:spcBef>
+              <a:buFont typeface="Arial" panose="020B0604020202020204" pitchFamily="34" charset="0"/>
+              <a:buNone/>
+              <a:defRPr sz="1600" kern="1200">
+                <a:solidFill>
+                  <a:schemeClr val="tx1">
+                    <a:tint val="75000"/>
+                  </a:schemeClr>
+                </a:solidFill>
+                <a:latin typeface="+mn-lt"/>
+                <a:ea typeface="+mn-ea"/>
+                <a:cs typeface="+mn-cs"/>
+              </a:defRPr>
+            </a:lvl4pPr>
+            <a:lvl5pPr marL="1828800" indent="0" algn="l" defTabSz="914400" rtl="0" eaLnBrk="1" latinLnBrk="0" hangingPunct="1">
+              <a:lnSpc>
+                <a:spcPct val="90000"/>
+              </a:lnSpc>
+              <a:spcBef>
+                <a:spcPts val="500"/>
+              </a:spcBef>
+              <a:buFont typeface="Arial" panose="020B0604020202020204" pitchFamily="34" charset="0"/>
+              <a:buNone/>
+              <a:defRPr sz="1600" kern="1200">
+                <a:solidFill>
+                  <a:schemeClr val="tx1">
+                    <a:tint val="75000"/>
+                  </a:schemeClr>
+                </a:solidFill>
+                <a:latin typeface="+mn-lt"/>
+                <a:ea typeface="+mn-ea"/>
+                <a:cs typeface="+mn-cs"/>
+              </a:defRPr>
+            </a:lvl5pPr>
+            <a:lvl6pPr marL="2286000" indent="0" algn="l" defTabSz="914400" rtl="0" eaLnBrk="1" latinLnBrk="0" hangingPunct="1">
+              <a:lnSpc>
+                <a:spcPct val="90000"/>
+              </a:lnSpc>
+              <a:spcBef>
+                <a:spcPts val="500"/>
+              </a:spcBef>
+              <a:buFont typeface="Arial" panose="020B0604020202020204" pitchFamily="34" charset="0"/>
+              <a:buNone/>
+              <a:defRPr sz="1600" kern="1200">
+                <a:solidFill>
+                  <a:schemeClr val="tx1">
+                    <a:tint val="75000"/>
+                  </a:schemeClr>
+                </a:solidFill>
+                <a:latin typeface="+mn-lt"/>
+                <a:ea typeface="+mn-ea"/>
+                <a:cs typeface="+mn-cs"/>
+              </a:defRPr>
+            </a:lvl6pPr>
+            <a:lvl7pPr marL="2743200" indent="0" algn="l" defTabSz="914400" rtl="0" eaLnBrk="1" latinLnBrk="0" hangingPunct="1">
+              <a:lnSpc>
+                <a:spcPct val="90000"/>
+              </a:lnSpc>
+              <a:spcBef>
+                <a:spcPts val="500"/>
+              </a:spcBef>
+              <a:buFont typeface="Arial" panose="020B0604020202020204" pitchFamily="34" charset="0"/>
+              <a:buNone/>
+              <a:defRPr sz="1600" kern="1200">
+                <a:solidFill>
+                  <a:schemeClr val="tx1">
+                    <a:tint val="75000"/>
+                  </a:schemeClr>
+                </a:solidFill>
+                <a:latin typeface="+mn-lt"/>
+                <a:ea typeface="+mn-ea"/>
+                <a:cs typeface="+mn-cs"/>
+              </a:defRPr>
+            </a:lvl7pPr>
+            <a:lvl8pPr marL="3200400" indent="0" algn="l" defTabSz="914400" rtl="0" eaLnBrk="1" latinLnBrk="0" hangingPunct="1">
+              <a:lnSpc>
+                <a:spcPct val="90000"/>
+              </a:lnSpc>
+              <a:spcBef>
+                <a:spcPts val="500"/>
+              </a:spcBef>
+              <a:buFont typeface="Arial" panose="020B0604020202020204" pitchFamily="34" charset="0"/>
+              <a:buNone/>
+              <a:defRPr sz="1600" kern="1200">
+                <a:solidFill>
+                  <a:schemeClr val="tx1">
+                    <a:tint val="75000"/>
+                  </a:schemeClr>
+                </a:solidFill>
+                <a:latin typeface="+mn-lt"/>
+                <a:ea typeface="+mn-ea"/>
+                <a:cs typeface="+mn-cs"/>
+              </a:defRPr>
+            </a:lvl8pPr>
+            <a:lvl9pPr marL="3657600" indent="0" algn="l" defTabSz="914400" rtl="0" eaLnBrk="1" latinLnBrk="0" hangingPunct="1">
+              <a:lnSpc>
+                <a:spcPct val="90000"/>
+              </a:lnSpc>
+              <a:spcBef>
+                <a:spcPts val="500"/>
+              </a:spcBef>
+              <a:buFont typeface="Arial" panose="020B0604020202020204" pitchFamily="34" charset="0"/>
+              <a:buNone/>
+              <a:defRPr sz="1600" kern="1200">
+                <a:solidFill>
+                  <a:schemeClr val="tx1">
+                    <a:tint val="75000"/>
+                  </a:schemeClr>
+                </a:solidFill>
+                <a:latin typeface="+mn-lt"/>
+                <a:ea typeface="+mn-ea"/>
+                <a:cs typeface="+mn-cs"/>
+              </a:defRPr>
+            </a:lvl9pPr>
+          </a:lstStyle>
+          <a:p>
+            <a:r>
+              <a:rPr lang="ru-RU" dirty="0">
+                <a:solidFill>
+                  <a:schemeClr val="tx1"/>
+                </a:solidFill>
+              </a:rPr>
+              <a:t>Михаил Демин</a:t>
+            </a:r>
+          </a:p>
+          <a:p>
+            <a:r>
+              <a:rPr lang="ru-RU" sz="1800" dirty="0">
+                <a:effectLst/>
+                <a:latin typeface="Calibri" panose="020F0502020204030204" pitchFamily="34" charset="0"/>
+                <a:ea typeface="Calibri" panose="020F0502020204030204" pitchFamily="34" charset="0"/>
+                <a:cs typeface="Times New Roman" panose="02020603050405020304" pitchFamily="18" charset="0"/>
+              </a:rPr>
+              <a:t>Подготовка </a:t>
+            </a:r>
+            <a:r>
+              <a:rPr lang="ru-RU" sz="1800" dirty="0" err="1">
+                <a:effectLst/>
+                <a:latin typeface="Calibri" panose="020F0502020204030204" pitchFamily="34" charset="0"/>
+                <a:ea typeface="Calibri" panose="020F0502020204030204" pitchFamily="34" charset="0"/>
+                <a:cs typeface="Times New Roman" panose="02020603050405020304" pitchFamily="18" charset="0"/>
+              </a:rPr>
+              <a:t>датасета</a:t>
+            </a:r>
+            <a:endParaRPr lang="ru-RU" sz="1800" dirty="0">
+              <a:latin typeface="Calibri" panose="020F0502020204030204" pitchFamily="34" charset="0"/>
+              <a:ea typeface="Calibri" panose="020F0502020204030204" pitchFamily="34" charset="0"/>
+              <a:cs typeface="Times New Roman" panose="02020603050405020304" pitchFamily="18" charset="0"/>
+            </a:endParaRPr>
+          </a:p>
+          <a:p>
+            <a:r>
+              <a:rPr lang="ru-RU" sz="1800" dirty="0">
+                <a:solidFill>
+                  <a:schemeClr val="tx1"/>
+                </a:solidFill>
+                <a:effectLst/>
+                <a:latin typeface="Calibri" panose="020F0502020204030204" pitchFamily="34" charset="0"/>
+                <a:ea typeface="Calibri" panose="020F0502020204030204" pitchFamily="34" charset="0"/>
+                <a:cs typeface="Times New Roman" panose="02020603050405020304" pitchFamily="18" charset="0"/>
+              </a:rPr>
+              <a:t>Компетенция: экспертиза в фармации и медицине</a:t>
+            </a:r>
+          </a:p>
+          <a:p>
+            <a:r>
+              <a:rPr lang="ru-RU" sz="1800" dirty="0">
+                <a:solidFill>
+                  <a:schemeClr val="tx1"/>
+                </a:solidFill>
+                <a:latin typeface="Calibri" panose="020F0502020204030204" pitchFamily="34" charset="0"/>
+                <a:cs typeface="Times New Roman" panose="02020603050405020304" pitchFamily="18" charset="0"/>
+              </a:rPr>
+              <a:t>г. Хабаровск</a:t>
+            </a:r>
+          </a:p>
+          <a:p>
+            <a:pPr>
+              <a:spcBef>
+                <a:spcPts val="1200"/>
+              </a:spcBef>
+            </a:pPr>
+            <a:r>
+              <a:rPr lang="ru-RU" sz="1800" dirty="0">
+                <a:solidFill>
+                  <a:schemeClr val="tx1"/>
+                </a:solidFill>
+                <a:latin typeface="Calibri" panose="020F0502020204030204" pitchFamily="34" charset="0"/>
+                <a:cs typeface="Times New Roman" panose="02020603050405020304" pitchFamily="18" charset="0"/>
+              </a:rPr>
+              <a:t>               </a:t>
+            </a:r>
+            <a:r>
+              <a:rPr lang="en-US" sz="1800" dirty="0">
+                <a:solidFill>
+                  <a:schemeClr val="tx1"/>
+                </a:solidFill>
+                <a:latin typeface="Calibri" panose="020F0502020204030204" pitchFamily="34" charset="0"/>
+                <a:cs typeface="Times New Roman" panose="02020603050405020304" pitchFamily="18" charset="0"/>
+              </a:rPr>
+              <a:t>    </a:t>
+            </a:r>
+            <a:r>
+              <a:rPr lang="ru-RU" sz="1800" dirty="0">
+                <a:solidFill>
+                  <a:schemeClr val="tx1"/>
+                </a:solidFill>
+                <a:latin typeface="Calibri" panose="020F0502020204030204" pitchFamily="34" charset="0"/>
+                <a:cs typeface="Times New Roman" panose="02020603050405020304" pitchFamily="18" charset="0"/>
+              </a:rPr>
+              <a:t>+7 963 566 3888</a:t>
+            </a:r>
+          </a:p>
+          <a:p>
+            <a:pPr>
+              <a:spcBef>
+                <a:spcPts val="1200"/>
+              </a:spcBef>
+            </a:pPr>
+            <a:r>
+              <a:rPr lang="ru-RU" sz="1800" dirty="0">
+                <a:solidFill>
+                  <a:schemeClr val="tx1"/>
+                </a:solidFill>
+              </a:rPr>
+              <a:t>           </a:t>
+            </a:r>
+            <a:r>
+              <a:rPr lang="en-US" sz="1800" dirty="0">
+                <a:solidFill>
+                  <a:schemeClr val="tx1"/>
+                </a:solidFill>
+              </a:rPr>
+              <a:t>        </a:t>
+            </a:r>
+            <a:r>
+              <a:rPr lang="en-US" sz="1800" dirty="0">
+                <a:solidFill>
+                  <a:schemeClr val="tx1"/>
+                </a:solidFill>
+                <a:latin typeface="Calibri" panose="020F0502020204030204" pitchFamily="34" charset="0"/>
+                <a:cs typeface="Times New Roman" panose="02020603050405020304" pitchFamily="18" charset="0"/>
+              </a:rPr>
+              <a:t>@MikhailDemin        </a:t>
+            </a:r>
+            <a:endParaRPr lang="ru-RU" sz="1800" dirty="0">
+              <a:solidFill>
+                <a:schemeClr val="tx1"/>
+              </a:solidFill>
+              <a:latin typeface="Calibri" panose="020F0502020204030204" pitchFamily="34" charset="0"/>
+              <a:cs typeface="Times New Roman" panose="02020603050405020304" pitchFamily="18" charset="0"/>
+            </a:endParaRPr>
+          </a:p>
+        </p:txBody>
+      </p:sp>
+      <p:pic>
+        <p:nvPicPr>
+          <p:cNvPr id="18" name="Объект 5">
+            <a:extLst>
+              <a:ext uri="{FF2B5EF4-FFF2-40B4-BE49-F238E27FC236}">
+                <a16:creationId xmlns:a16="http://schemas.microsoft.com/office/drawing/2014/main" id="{5ACE9FF0-61E7-46E9-84B0-F671ED339DFD}"/>
+              </a:ext>
+            </a:extLst>
+          </p:cNvPr>
+          <p:cNvPicPr>
+            <a:picLocks noChangeAspect="1"/>
+          </p:cNvPicPr>
+          <p:nvPr/>
+        </p:nvPicPr>
+        <p:blipFill rotWithShape="1">
+          <a:blip r:embed="rId6">
+            <a:extLst>
+              <a:ext uri="{28A0092B-C50C-407E-A947-70E740481C1C}">
+                <a14:useLocalDpi xmlns:a14="http://schemas.microsoft.com/office/drawing/2010/main" val="0"/>
+              </a:ext>
+            </a:extLst>
+          </a:blip>
+          <a:srcRect t="1" r="4080" b="5145"/>
+          <a:stretch/>
+        </p:blipFill>
+        <p:spPr>
+          <a:xfrm>
+            <a:off x="6243484" y="4341914"/>
+            <a:ext cx="1387211" cy="1582021"/>
+          </a:xfrm>
+          <a:prstGeom prst="rect">
+            <a:avLst/>
+          </a:prstGeom>
+        </p:spPr>
+      </p:pic>
+      <p:pic>
+        <p:nvPicPr>
+          <p:cNvPr id="20" name="Рисунок 19">
+            <a:extLst>
+              <a:ext uri="{FF2B5EF4-FFF2-40B4-BE49-F238E27FC236}">
+                <a16:creationId xmlns:a16="http://schemas.microsoft.com/office/drawing/2014/main" id="{6073FE55-FD48-4201-BD22-CD867125FAF6}"/>
+              </a:ext>
+            </a:extLst>
+          </p:cNvPr>
+          <p:cNvPicPr>
+            <a:picLocks noChangeAspect="1"/>
+          </p:cNvPicPr>
+          <p:nvPr/>
+        </p:nvPicPr>
+        <p:blipFill>
+          <a:blip r:embed="rId7">
+            <a:extLst>
+              <a:ext uri="{28A0092B-C50C-407E-A947-70E740481C1C}">
+                <a14:useLocalDpi xmlns:a14="http://schemas.microsoft.com/office/drawing/2010/main" val="0"/>
+              </a:ext>
+            </a:extLst>
+          </a:blip>
+          <a:stretch>
+            <a:fillRect/>
+          </a:stretch>
+        </p:blipFill>
+        <p:spPr>
+          <a:xfrm>
+            <a:off x="2808413" y="3579381"/>
+            <a:ext cx="267273" cy="267273"/>
+          </a:xfrm>
+          <a:prstGeom prst="rect">
+            <a:avLst/>
+          </a:prstGeom>
+        </p:spPr>
+      </p:pic>
+      <p:pic>
+        <p:nvPicPr>
+          <p:cNvPr id="21" name="Рисунок 20">
+            <a:extLst>
+              <a:ext uri="{FF2B5EF4-FFF2-40B4-BE49-F238E27FC236}">
+                <a16:creationId xmlns:a16="http://schemas.microsoft.com/office/drawing/2014/main" id="{D6A38D4B-B86D-486D-92D0-497EEC62AF66}"/>
+              </a:ext>
+            </a:extLst>
+          </p:cNvPr>
+          <p:cNvPicPr>
+            <a:picLocks noChangeAspect="1"/>
+          </p:cNvPicPr>
+          <p:nvPr/>
+        </p:nvPicPr>
+        <p:blipFill>
+          <a:blip r:embed="rId7">
+            <a:extLst>
+              <a:ext uri="{28A0092B-C50C-407E-A947-70E740481C1C}">
+                <a14:useLocalDpi xmlns:a14="http://schemas.microsoft.com/office/drawing/2010/main" val="0"/>
+              </a:ext>
+            </a:extLst>
+          </a:blip>
+          <a:stretch>
+            <a:fillRect/>
+          </a:stretch>
+        </p:blipFill>
+        <p:spPr>
+          <a:xfrm>
+            <a:off x="2808412" y="6216474"/>
+            <a:ext cx="267273" cy="267273"/>
+          </a:xfrm>
+          <a:prstGeom prst="rect">
+            <a:avLst/>
+          </a:prstGeom>
+        </p:spPr>
+      </p:pic>
+      <p:pic>
+        <p:nvPicPr>
+          <p:cNvPr id="22" name="Рисунок 21">
+            <a:extLst>
+              <a:ext uri="{FF2B5EF4-FFF2-40B4-BE49-F238E27FC236}">
+                <a16:creationId xmlns:a16="http://schemas.microsoft.com/office/drawing/2014/main" id="{4F43C730-10DA-4B3B-9111-A4EE6F6E1D29}"/>
+              </a:ext>
+            </a:extLst>
+          </p:cNvPr>
+          <p:cNvPicPr>
+            <a:picLocks noChangeAspect="1"/>
+          </p:cNvPicPr>
+          <p:nvPr/>
+        </p:nvPicPr>
+        <p:blipFill>
+          <a:blip r:embed="rId8">
+            <a:extLst>
+              <a:ext uri="{28A0092B-C50C-407E-A947-70E740481C1C}">
+                <a14:useLocalDpi xmlns:a14="http://schemas.microsoft.com/office/drawing/2010/main" val="0"/>
+              </a:ext>
+            </a:extLst>
+          </a:blip>
+          <a:srcRect/>
+          <a:stretch/>
+        </p:blipFill>
+        <p:spPr>
+          <a:xfrm>
+            <a:off x="2808414" y="3248960"/>
+            <a:ext cx="267273" cy="267273"/>
+          </a:xfrm>
+          <a:prstGeom prst="rect">
+            <a:avLst/>
+          </a:prstGeom>
+        </p:spPr>
+      </p:pic>
+      <p:pic>
+        <p:nvPicPr>
+          <p:cNvPr id="26" name="Рисунок 25">
+            <a:extLst>
+              <a:ext uri="{FF2B5EF4-FFF2-40B4-BE49-F238E27FC236}">
+                <a16:creationId xmlns:a16="http://schemas.microsoft.com/office/drawing/2014/main" id="{B37ECA8C-A00A-42B2-9FA5-31813EF3FB59}"/>
+              </a:ext>
+            </a:extLst>
+          </p:cNvPr>
+          <p:cNvPicPr>
+            <a:picLocks noChangeAspect="1"/>
+          </p:cNvPicPr>
+          <p:nvPr/>
+        </p:nvPicPr>
+        <p:blipFill>
+          <a:blip r:embed="rId8">
+            <a:extLst>
+              <a:ext uri="{28A0092B-C50C-407E-A947-70E740481C1C}">
+                <a14:useLocalDpi xmlns:a14="http://schemas.microsoft.com/office/drawing/2010/main" val="0"/>
+              </a:ext>
+            </a:extLst>
+          </a:blip>
+          <a:srcRect/>
+          <a:stretch/>
+        </p:blipFill>
+        <p:spPr>
+          <a:xfrm>
+            <a:off x="2808412" y="5918389"/>
+            <a:ext cx="267273" cy="267273"/>
+          </a:xfrm>
+          <a:prstGeom prst="rect">
+            <a:avLst/>
+          </a:prstGeom>
+        </p:spPr>
+      </p:pic>
+      <p:pic>
+        <p:nvPicPr>
+          <p:cNvPr id="27" name="Рисунок 26">
+            <a:extLst>
+              <a:ext uri="{FF2B5EF4-FFF2-40B4-BE49-F238E27FC236}">
+                <a16:creationId xmlns:a16="http://schemas.microsoft.com/office/drawing/2014/main" id="{74E17DDE-D2E7-4C26-96ED-72C709E56E26}"/>
+              </a:ext>
+            </a:extLst>
+          </p:cNvPr>
+          <p:cNvPicPr>
+            <a:picLocks noChangeAspect="1"/>
+          </p:cNvPicPr>
+          <p:nvPr/>
+        </p:nvPicPr>
+        <p:blipFill>
+          <a:blip r:embed="rId7">
+            <a:extLst>
+              <a:ext uri="{28A0092B-C50C-407E-A947-70E740481C1C}">
+                <a14:useLocalDpi xmlns:a14="http://schemas.microsoft.com/office/drawing/2010/main" val="0"/>
+              </a:ext>
+            </a:extLst>
+          </a:blip>
+          <a:stretch>
+            <a:fillRect/>
+          </a:stretch>
+        </p:blipFill>
+        <p:spPr>
+          <a:xfrm>
+            <a:off x="8301294" y="6185662"/>
+            <a:ext cx="267273" cy="267273"/>
+          </a:xfrm>
+          <a:prstGeom prst="rect">
+            <a:avLst/>
+          </a:prstGeom>
+        </p:spPr>
+      </p:pic>
+      <p:pic>
+        <p:nvPicPr>
+          <p:cNvPr id="28" name="Рисунок 27">
+            <a:extLst>
+              <a:ext uri="{FF2B5EF4-FFF2-40B4-BE49-F238E27FC236}">
+                <a16:creationId xmlns:a16="http://schemas.microsoft.com/office/drawing/2014/main" id="{012A96B6-F57C-4AAD-B776-FE053650E497}"/>
+              </a:ext>
+            </a:extLst>
+          </p:cNvPr>
+          <p:cNvPicPr>
+            <a:picLocks noChangeAspect="1"/>
+          </p:cNvPicPr>
+          <p:nvPr/>
+        </p:nvPicPr>
+        <p:blipFill>
+          <a:blip r:embed="rId8">
+            <a:extLst>
+              <a:ext uri="{28A0092B-C50C-407E-A947-70E740481C1C}">
+                <a14:useLocalDpi xmlns:a14="http://schemas.microsoft.com/office/drawing/2010/main" val="0"/>
+              </a:ext>
+            </a:extLst>
+          </a:blip>
+          <a:srcRect/>
+          <a:stretch/>
+        </p:blipFill>
+        <p:spPr>
+          <a:xfrm>
+            <a:off x="8301294" y="5887577"/>
+            <a:ext cx="267273" cy="267273"/>
+          </a:xfrm>
+          <a:prstGeom prst="rect">
+            <a:avLst/>
+          </a:prstGeom>
+        </p:spPr>
+      </p:pic>
+      <p:pic>
+        <p:nvPicPr>
+          <p:cNvPr id="29" name="Рисунок 28">
+            <a:extLst>
+              <a:ext uri="{FF2B5EF4-FFF2-40B4-BE49-F238E27FC236}">
+                <a16:creationId xmlns:a16="http://schemas.microsoft.com/office/drawing/2014/main" id="{0F05171B-2BFE-455C-85CB-0ADC01D4A0D8}"/>
+              </a:ext>
+            </a:extLst>
+          </p:cNvPr>
+          <p:cNvPicPr>
+            <a:picLocks noChangeAspect="1"/>
+          </p:cNvPicPr>
+          <p:nvPr/>
+        </p:nvPicPr>
+        <p:blipFill>
+          <a:blip r:embed="rId7">
+            <a:extLst>
+              <a:ext uri="{28A0092B-C50C-407E-A947-70E740481C1C}">
+                <a14:useLocalDpi xmlns:a14="http://schemas.microsoft.com/office/drawing/2010/main" val="0"/>
+              </a:ext>
+            </a:extLst>
+          </a:blip>
+          <a:stretch>
+            <a:fillRect/>
+          </a:stretch>
+        </p:blipFill>
+        <p:spPr>
+          <a:xfrm>
+            <a:off x="8301294" y="3560728"/>
+            <a:ext cx="267273" cy="267273"/>
+          </a:xfrm>
+          <a:prstGeom prst="rect">
+            <a:avLst/>
+          </a:prstGeom>
+        </p:spPr>
+      </p:pic>
+      <p:pic>
+        <p:nvPicPr>
+          <p:cNvPr id="30" name="Рисунок 29">
+            <a:extLst>
+              <a:ext uri="{FF2B5EF4-FFF2-40B4-BE49-F238E27FC236}">
+                <a16:creationId xmlns:a16="http://schemas.microsoft.com/office/drawing/2014/main" id="{E4682344-9585-4A7B-8CDF-181AAC290ED8}"/>
+              </a:ext>
+            </a:extLst>
+          </p:cNvPr>
+          <p:cNvPicPr>
+            <a:picLocks noChangeAspect="1"/>
+          </p:cNvPicPr>
+          <p:nvPr/>
+        </p:nvPicPr>
+        <p:blipFill>
+          <a:blip r:embed="rId8">
+            <a:extLst>
+              <a:ext uri="{28A0092B-C50C-407E-A947-70E740481C1C}">
+                <a14:useLocalDpi xmlns:a14="http://schemas.microsoft.com/office/drawing/2010/main" val="0"/>
+              </a:ext>
+            </a:extLst>
+          </a:blip>
+          <a:srcRect/>
+          <a:stretch/>
+        </p:blipFill>
+        <p:spPr>
+          <a:xfrm>
+            <a:off x="8301294" y="3262643"/>
+            <a:ext cx="267273" cy="267273"/>
           </a:xfrm>
           <a:prstGeom prst="rect">
             <a:avLst/>
@@ -3571,7 +6113,7 @@
     </p:spTree>
     <p:extLst>
       <p:ext uri="{BB962C8B-B14F-4D97-AF65-F5344CB8AC3E}">
-        <p14:creationId xmlns:p14="http://schemas.microsoft.com/office/powerpoint/2010/main" val="1262709056"/>
+        <p14:creationId xmlns:p14="http://schemas.microsoft.com/office/powerpoint/2010/main" val="3304379222"/>
       </p:ext>
     </p:extLst>
   </p:cSld>
@@ -3600,6 +6142,72 @@
       </p:grpSpPr>
       <p:sp>
         <p:nvSpPr>
+          <p:cNvPr id="4" name="Блок-схема: альтернативный процесс 3">
+            <a:extLst>
+              <a:ext uri="{FF2B5EF4-FFF2-40B4-BE49-F238E27FC236}">
+                <a16:creationId xmlns:a16="http://schemas.microsoft.com/office/drawing/2014/main" id="{1F11C435-16CE-4B50-BE44-DE4F07269F1A}"/>
+              </a:ext>
+            </a:extLst>
+          </p:cNvPr>
+          <p:cNvSpPr/>
+          <p:nvPr/>
+        </p:nvSpPr>
+        <p:spPr>
+          <a:xfrm>
+            <a:off x="485458" y="2659646"/>
+            <a:ext cx="1744395" cy="2448629"/>
+          </a:xfrm>
+          <a:prstGeom prst="flowChartAlternateProcess">
+            <a:avLst/>
+          </a:prstGeom>
+          <a:solidFill>
+            <a:schemeClr val="bg1"/>
+          </a:solidFill>
+          <a:ln>
+            <a:solidFill>
+              <a:schemeClr val="tx1"/>
+            </a:solidFill>
+          </a:ln>
+        </p:spPr>
+        <p:style>
+          <a:lnRef idx="2">
+            <a:schemeClr val="accent1">
+              <a:shade val="50000"/>
+            </a:schemeClr>
+          </a:lnRef>
+          <a:fillRef idx="1">
+            <a:schemeClr val="accent1"/>
+          </a:fillRef>
+          <a:effectRef idx="0">
+            <a:schemeClr val="accent1"/>
+          </a:effectRef>
+          <a:fontRef idx="minor">
+            <a:schemeClr val="lt1"/>
+          </a:fontRef>
+        </p:style>
+        <p:txBody>
+          <a:bodyPr rtlCol="0" anchor="ctr"/>
+          <a:lstStyle/>
+          <a:p>
+            <a:pPr algn="ctr"/>
+            <a:r>
+              <a:rPr lang="ru-RU" dirty="0">
+                <a:solidFill>
+                  <a:schemeClr val="tx1"/>
+                </a:solidFill>
+              </a:rPr>
+              <a:t>Вопросно-ответная система</a:t>
+            </a:r>
+            <a:endParaRPr lang="ru-KZ" dirty="0">
+              <a:solidFill>
+                <a:schemeClr val="tx1"/>
+              </a:solidFill>
+            </a:endParaRPr>
+          </a:p>
+        </p:txBody>
+      </p:sp>
+      <p:sp>
+        <p:nvSpPr>
           <p:cNvPr id="2" name="Заголовок 1">
             <a:extLst>
               <a:ext uri="{FF2B5EF4-FFF2-40B4-BE49-F238E27FC236}">
@@ -3628,84 +6236,1588 @@
           <a:p>
             <a:r>
               <a:rPr lang="ru-RU" dirty="0"/>
-              <a:t>Повышение качества источников</a:t>
-            </a:r>
-          </a:p>
-        </p:txBody>
-      </p:sp>
-      <p:pic>
-        <p:nvPicPr>
-          <p:cNvPr id="6" name="Объект 5">
-            <a:extLst>
-              <a:ext uri="{FF2B5EF4-FFF2-40B4-BE49-F238E27FC236}">
-                <a16:creationId xmlns:a16="http://schemas.microsoft.com/office/drawing/2014/main" id="{75D5EB76-A030-5AFB-8491-CCCF6655E23A}"/>
-              </a:ext>
-            </a:extLst>
-          </p:cNvPr>
-          <p:cNvPicPr>
-            <a:picLocks noGrp="1" noChangeAspect="1"/>
-          </p:cNvPicPr>
-          <p:nvPr>
-            <p:ph sz="half" idx="1"/>
-          </p:nvPr>
-        </p:nvPicPr>
-        <p:blipFill>
-          <a:blip r:embed="rId2">
-            <a:extLst>
-              <a:ext uri="{28A0092B-C50C-407E-A947-70E740481C1C}">
-                <a14:useLocalDpi xmlns:a14="http://schemas.microsoft.com/office/drawing/2010/main" val="0"/>
-              </a:ext>
-            </a:extLst>
-          </a:blip>
-          <a:srcRect/>
-          <a:stretch/>
-        </p:blipFill>
+              <a:t>Алгоритм</a:t>
+            </a:r>
+          </a:p>
+        </p:txBody>
+      </p:sp>
+      <p:sp>
+        <p:nvSpPr>
+          <p:cNvPr id="5" name="Блок-схема: данные 4">
+            <a:extLst>
+              <a:ext uri="{FF2B5EF4-FFF2-40B4-BE49-F238E27FC236}">
+                <a16:creationId xmlns:a16="http://schemas.microsoft.com/office/drawing/2014/main" id="{54E9146F-CA2B-43D1-AEE7-33D0B8259F7B}"/>
+              </a:ext>
+            </a:extLst>
+          </p:cNvPr>
+          <p:cNvSpPr/>
+          <p:nvPr/>
+        </p:nvSpPr>
         <p:spPr>
           <a:xfrm>
-            <a:off x="115077" y="1401421"/>
-            <a:ext cx="6096001" cy="5018040"/>
-          </a:xfrm>
-        </p:spPr>
-      </p:pic>
-      <p:pic>
-        <p:nvPicPr>
-          <p:cNvPr id="7" name="Объект 5">
-            <a:extLst>
-              <a:ext uri="{FF2B5EF4-FFF2-40B4-BE49-F238E27FC236}">
-                <a16:creationId xmlns:a16="http://schemas.microsoft.com/office/drawing/2014/main" id="{232412DF-04BB-CEF6-0243-9416674E23EF}"/>
-              </a:ext>
-            </a:extLst>
-          </p:cNvPr>
-          <p:cNvPicPr>
-            <a:picLocks noChangeAspect="1"/>
-          </p:cNvPicPr>
+            <a:off x="2329342" y="1390088"/>
+            <a:ext cx="2402511" cy="788748"/>
+          </a:xfrm>
+          <a:prstGeom prst="flowChartInputOutput">
+            <a:avLst/>
+          </a:prstGeom>
+          <a:solidFill>
+            <a:schemeClr val="bg1"/>
+          </a:solidFill>
+          <a:ln>
+            <a:solidFill>
+              <a:schemeClr val="tx1"/>
+            </a:solidFill>
+          </a:ln>
+        </p:spPr>
+        <p:style>
+          <a:lnRef idx="2">
+            <a:schemeClr val="accent1">
+              <a:shade val="50000"/>
+            </a:schemeClr>
+          </a:lnRef>
+          <a:fillRef idx="1">
+            <a:schemeClr val="accent1"/>
+          </a:fillRef>
+          <a:effectRef idx="0">
+            <a:schemeClr val="accent1"/>
+          </a:effectRef>
+          <a:fontRef idx="minor">
+            <a:schemeClr val="lt1"/>
+          </a:fontRef>
+        </p:style>
+        <p:txBody>
+          <a:bodyPr rtlCol="0" anchor="ctr"/>
+          <a:lstStyle/>
+          <a:p>
+            <a:pPr algn="ctr"/>
+            <a:r>
+              <a:rPr lang="ru-RU" dirty="0">
+                <a:solidFill>
+                  <a:schemeClr val="tx1"/>
+                </a:solidFill>
+              </a:rPr>
+              <a:t>Извлечение и очистка текста</a:t>
+            </a:r>
+            <a:endParaRPr lang="ru-KZ" dirty="0">
+              <a:solidFill>
+                <a:schemeClr val="tx1"/>
+              </a:solidFill>
+            </a:endParaRPr>
+          </a:p>
+        </p:txBody>
+      </p:sp>
+      <p:sp>
+        <p:nvSpPr>
+          <p:cNvPr id="9" name="Блок-схема: процесс 8">
+            <a:extLst>
+              <a:ext uri="{FF2B5EF4-FFF2-40B4-BE49-F238E27FC236}">
+                <a16:creationId xmlns:a16="http://schemas.microsoft.com/office/drawing/2014/main" id="{771AF290-D316-4286-8E14-D8A9DD172622}"/>
+              </a:ext>
+            </a:extLst>
+          </p:cNvPr>
+          <p:cNvSpPr/>
           <p:nvPr/>
-        </p:nvPicPr>
-        <p:blipFill>
-          <a:blip r:embed="rId3">
-            <a:extLst>
-              <a:ext uri="{28A0092B-C50C-407E-A947-70E740481C1C}">
-                <a14:useLocalDpi xmlns:a14="http://schemas.microsoft.com/office/drawing/2010/main" val="0"/>
-              </a:ext>
-            </a:extLst>
-          </a:blip>
-          <a:srcRect/>
-          <a:stretch/>
-        </p:blipFill>
+        </p:nvSpPr>
         <p:spPr>
           <a:xfrm>
-            <a:off x="6653674" y="1401420"/>
-            <a:ext cx="4980654" cy="5083355"/>
+            <a:off x="314960" y="1381760"/>
+            <a:ext cx="1357180" cy="914400"/>
+          </a:xfrm>
+          <a:prstGeom prst="flowChartProcess">
+            <a:avLst/>
+          </a:prstGeom>
+          <a:solidFill>
+            <a:schemeClr val="bg1"/>
+          </a:solidFill>
+          <a:ln>
+            <a:solidFill>
+              <a:schemeClr val="tx1"/>
+            </a:solidFill>
+          </a:ln>
+        </p:spPr>
+        <p:style>
+          <a:lnRef idx="2">
+            <a:schemeClr val="accent1">
+              <a:shade val="50000"/>
+            </a:schemeClr>
+          </a:lnRef>
+          <a:fillRef idx="1">
+            <a:schemeClr val="accent1"/>
+          </a:fillRef>
+          <a:effectRef idx="0">
+            <a:schemeClr val="accent1"/>
+          </a:effectRef>
+          <a:fontRef idx="minor">
+            <a:schemeClr val="lt1"/>
+          </a:fontRef>
+        </p:style>
+        <p:txBody>
+          <a:bodyPr rtlCol="0" anchor="ctr"/>
+          <a:lstStyle/>
+          <a:p>
+            <a:pPr algn="ctr"/>
+            <a:r>
+              <a:rPr lang="ru-RU" dirty="0">
+                <a:solidFill>
+                  <a:schemeClr val="tx1"/>
+                </a:solidFill>
+              </a:rPr>
+              <a:t>Подготовка</a:t>
+            </a:r>
+          </a:p>
+          <a:p>
+            <a:pPr algn="ctr"/>
+            <a:r>
+              <a:rPr lang="ru-RU" dirty="0">
+                <a:solidFill>
+                  <a:schemeClr val="tx1"/>
+                </a:solidFill>
+              </a:rPr>
+              <a:t>источников</a:t>
+            </a:r>
+            <a:endParaRPr lang="ru-KZ" dirty="0">
+              <a:solidFill>
+                <a:schemeClr val="tx1"/>
+              </a:solidFill>
+            </a:endParaRPr>
+          </a:p>
+        </p:txBody>
+      </p:sp>
+      <p:sp>
+        <p:nvSpPr>
+          <p:cNvPr id="12" name="Стрелка: вправо 11">
+            <a:extLst>
+              <a:ext uri="{FF2B5EF4-FFF2-40B4-BE49-F238E27FC236}">
+                <a16:creationId xmlns:a16="http://schemas.microsoft.com/office/drawing/2014/main" id="{FFABFC0E-C525-40BF-9874-8C0FBC6C722D}"/>
+              </a:ext>
+            </a:extLst>
+          </p:cNvPr>
+          <p:cNvSpPr/>
+          <p:nvPr/>
+        </p:nvSpPr>
+        <p:spPr>
+          <a:xfrm>
+            <a:off x="1672140" y="1681078"/>
+            <a:ext cx="924560" cy="182880"/>
+          </a:xfrm>
+          <a:prstGeom prst="rightArrow">
+            <a:avLst/>
+          </a:prstGeom>
+          <a:solidFill>
+            <a:schemeClr val="bg1"/>
+          </a:solidFill>
+          <a:ln>
+            <a:solidFill>
+              <a:schemeClr val="tx1"/>
+            </a:solidFill>
+          </a:ln>
+        </p:spPr>
+        <p:style>
+          <a:lnRef idx="2">
+            <a:schemeClr val="accent1">
+              <a:shade val="50000"/>
+            </a:schemeClr>
+          </a:lnRef>
+          <a:fillRef idx="1">
+            <a:schemeClr val="accent1"/>
+          </a:fillRef>
+          <a:effectRef idx="0">
+            <a:schemeClr val="accent1"/>
+          </a:effectRef>
+          <a:fontRef idx="minor">
+            <a:schemeClr val="lt1"/>
+          </a:fontRef>
+        </p:style>
+        <p:txBody>
+          <a:bodyPr rtlCol="0" anchor="ctr"/>
+          <a:lstStyle/>
+          <a:p>
+            <a:pPr algn="ctr"/>
+            <a:endParaRPr lang="ru-KZ"/>
+          </a:p>
+        </p:txBody>
+      </p:sp>
+      <p:sp>
+        <p:nvSpPr>
+          <p:cNvPr id="13" name="Блок-схема: процесс 12">
+            <a:extLst>
+              <a:ext uri="{FF2B5EF4-FFF2-40B4-BE49-F238E27FC236}">
+                <a16:creationId xmlns:a16="http://schemas.microsoft.com/office/drawing/2014/main" id="{A82266A1-67DF-4641-9FF5-8004A83AD375}"/>
+              </a:ext>
+            </a:extLst>
+          </p:cNvPr>
+          <p:cNvSpPr/>
+          <p:nvPr/>
+        </p:nvSpPr>
+        <p:spPr>
+          <a:xfrm>
+            <a:off x="8315349" y="1337309"/>
+            <a:ext cx="1965142" cy="954245"/>
+          </a:xfrm>
+          <a:prstGeom prst="flowChartProcess">
+            <a:avLst/>
+          </a:prstGeom>
+          <a:solidFill>
+            <a:schemeClr val="bg1"/>
+          </a:solidFill>
+          <a:ln>
+            <a:solidFill>
+              <a:schemeClr val="tx1"/>
+            </a:solidFill>
+          </a:ln>
+        </p:spPr>
+        <p:style>
+          <a:lnRef idx="2">
+            <a:schemeClr val="accent1">
+              <a:shade val="50000"/>
+            </a:schemeClr>
+          </a:lnRef>
+          <a:fillRef idx="1">
+            <a:schemeClr val="accent1"/>
+          </a:fillRef>
+          <a:effectRef idx="0">
+            <a:schemeClr val="accent1"/>
+          </a:effectRef>
+          <a:fontRef idx="minor">
+            <a:schemeClr val="lt1"/>
+          </a:fontRef>
+        </p:style>
+        <p:txBody>
+          <a:bodyPr rtlCol="0" anchor="ctr"/>
+          <a:lstStyle/>
+          <a:p>
+            <a:pPr algn="ctr"/>
+            <a:r>
+              <a:rPr lang="ru-RU" dirty="0">
+                <a:solidFill>
+                  <a:schemeClr val="tx1"/>
+                </a:solidFill>
+              </a:rPr>
+              <a:t>Разбиваем статьи на блоки: ареал, экология, и т. д.</a:t>
+            </a:r>
+            <a:endParaRPr lang="ru-KZ" dirty="0">
+              <a:solidFill>
+                <a:schemeClr val="tx1"/>
+              </a:solidFill>
+            </a:endParaRPr>
+          </a:p>
+        </p:txBody>
+      </p:sp>
+      <p:sp>
+        <p:nvSpPr>
+          <p:cNvPr id="14" name="Стрелка: вправо 13">
+            <a:extLst>
+              <a:ext uri="{FF2B5EF4-FFF2-40B4-BE49-F238E27FC236}">
+                <a16:creationId xmlns:a16="http://schemas.microsoft.com/office/drawing/2014/main" id="{84ABB645-3353-4CB1-8EE6-1D6C90350BEE}"/>
+              </a:ext>
+            </a:extLst>
+          </p:cNvPr>
+          <p:cNvSpPr/>
+          <p:nvPr/>
+        </p:nvSpPr>
+        <p:spPr>
+          <a:xfrm>
+            <a:off x="4464495" y="1693022"/>
+            <a:ext cx="924560" cy="182880"/>
+          </a:xfrm>
+          <a:prstGeom prst="rightArrow">
+            <a:avLst/>
+          </a:prstGeom>
+          <a:solidFill>
+            <a:schemeClr val="bg1"/>
+          </a:solidFill>
+          <a:ln>
+            <a:solidFill>
+              <a:schemeClr val="tx1"/>
+            </a:solidFill>
+          </a:ln>
+        </p:spPr>
+        <p:style>
+          <a:lnRef idx="2">
+            <a:schemeClr val="accent1">
+              <a:shade val="50000"/>
+            </a:schemeClr>
+          </a:lnRef>
+          <a:fillRef idx="1">
+            <a:schemeClr val="accent1"/>
+          </a:fillRef>
+          <a:effectRef idx="0">
+            <a:schemeClr val="accent1"/>
+          </a:effectRef>
+          <a:fontRef idx="minor">
+            <a:schemeClr val="lt1"/>
+          </a:fontRef>
+        </p:style>
+        <p:txBody>
+          <a:bodyPr rtlCol="0" anchor="ctr"/>
+          <a:lstStyle/>
+          <a:p>
+            <a:pPr algn="ctr"/>
+            <a:endParaRPr lang="ru-KZ"/>
+          </a:p>
+        </p:txBody>
+      </p:sp>
+      <p:sp>
+        <p:nvSpPr>
+          <p:cNvPr id="15" name="Блок-схема: процесс 14">
+            <a:extLst>
+              <a:ext uri="{FF2B5EF4-FFF2-40B4-BE49-F238E27FC236}">
+                <a16:creationId xmlns:a16="http://schemas.microsoft.com/office/drawing/2014/main" id="{2D9969C4-5B8A-4F5C-88FA-016DCA8BB10A}"/>
+              </a:ext>
+            </a:extLst>
+          </p:cNvPr>
+          <p:cNvSpPr/>
+          <p:nvPr/>
+        </p:nvSpPr>
+        <p:spPr>
+          <a:xfrm>
+            <a:off x="5395167" y="1337309"/>
+            <a:ext cx="1965142" cy="921853"/>
+          </a:xfrm>
+          <a:prstGeom prst="flowChartProcess">
+            <a:avLst/>
+          </a:prstGeom>
+          <a:solidFill>
+            <a:schemeClr val="bg1"/>
+          </a:solidFill>
+          <a:ln>
+            <a:solidFill>
+              <a:schemeClr val="tx1"/>
+            </a:solidFill>
+          </a:ln>
+        </p:spPr>
+        <p:style>
+          <a:lnRef idx="2">
+            <a:schemeClr val="accent1">
+              <a:shade val="50000"/>
+            </a:schemeClr>
+          </a:lnRef>
+          <a:fillRef idx="1">
+            <a:schemeClr val="accent1"/>
+          </a:fillRef>
+          <a:effectRef idx="0">
+            <a:schemeClr val="accent1"/>
+          </a:effectRef>
+          <a:fontRef idx="minor">
+            <a:schemeClr val="lt1"/>
+          </a:fontRef>
+        </p:style>
+        <p:txBody>
+          <a:bodyPr rtlCol="0" anchor="ctr"/>
+          <a:lstStyle/>
+          <a:p>
+            <a:pPr algn="ctr"/>
+            <a:r>
+              <a:rPr lang="ru-RU" dirty="0">
+                <a:solidFill>
+                  <a:schemeClr val="tx1"/>
+                </a:solidFill>
+              </a:rPr>
+              <a:t>Объединяем источники</a:t>
+            </a:r>
+          </a:p>
+        </p:txBody>
+      </p:sp>
+      <p:sp>
+        <p:nvSpPr>
+          <p:cNvPr id="16" name="Блок-схема: документ 15">
+            <a:extLst>
+              <a:ext uri="{FF2B5EF4-FFF2-40B4-BE49-F238E27FC236}">
+                <a16:creationId xmlns:a16="http://schemas.microsoft.com/office/drawing/2014/main" id="{0F2EAE5C-E91B-4174-94FE-DFEBF48900C9}"/>
+              </a:ext>
+            </a:extLst>
+          </p:cNvPr>
+          <p:cNvSpPr/>
+          <p:nvPr/>
+        </p:nvSpPr>
+        <p:spPr>
+          <a:xfrm>
+            <a:off x="10543800" y="2659716"/>
+            <a:ext cx="1442720" cy="1135224"/>
+          </a:xfrm>
+          <a:prstGeom prst="flowChartDocument">
+            <a:avLst/>
+          </a:prstGeom>
+          <a:solidFill>
+            <a:schemeClr val="bg1"/>
+          </a:solidFill>
+          <a:ln>
+            <a:solidFill>
+              <a:schemeClr val="tx1"/>
+            </a:solidFill>
+          </a:ln>
+        </p:spPr>
+        <p:style>
+          <a:lnRef idx="2">
+            <a:schemeClr val="accent1">
+              <a:shade val="50000"/>
+            </a:schemeClr>
+          </a:lnRef>
+          <a:fillRef idx="1">
+            <a:schemeClr val="accent1"/>
+          </a:fillRef>
+          <a:effectRef idx="0">
+            <a:schemeClr val="accent1"/>
+          </a:effectRef>
+          <a:fontRef idx="minor">
+            <a:schemeClr val="lt1"/>
+          </a:fontRef>
+        </p:style>
+        <p:txBody>
+          <a:bodyPr rtlCol="0" anchor="ctr"/>
+          <a:lstStyle/>
+          <a:p>
+            <a:pPr algn="ctr"/>
+            <a:r>
+              <a:rPr lang="ru-RU" dirty="0">
+                <a:solidFill>
+                  <a:schemeClr val="tx1"/>
+                </a:solidFill>
+              </a:rPr>
+              <a:t>Таблица с блоками</a:t>
+            </a:r>
+            <a:endParaRPr lang="ru-KZ" dirty="0">
+              <a:solidFill>
+                <a:schemeClr val="tx1"/>
+              </a:solidFill>
+            </a:endParaRPr>
+          </a:p>
+        </p:txBody>
+      </p:sp>
+      <p:sp>
+        <p:nvSpPr>
+          <p:cNvPr id="17" name="Стрелка: вправо 16">
+            <a:extLst>
+              <a:ext uri="{FF2B5EF4-FFF2-40B4-BE49-F238E27FC236}">
+                <a16:creationId xmlns:a16="http://schemas.microsoft.com/office/drawing/2014/main" id="{5B31C112-8B65-4FB5-8370-1CAAD3D1413F}"/>
+              </a:ext>
+            </a:extLst>
+          </p:cNvPr>
+          <p:cNvSpPr/>
+          <p:nvPr/>
+        </p:nvSpPr>
+        <p:spPr>
+          <a:xfrm rot="10800000">
+            <a:off x="8373360" y="3049919"/>
+            <a:ext cx="2170440" cy="204978"/>
+          </a:xfrm>
+          <a:prstGeom prst="rightArrow">
+            <a:avLst/>
+          </a:prstGeom>
+          <a:solidFill>
+            <a:schemeClr val="bg1"/>
+          </a:solidFill>
+          <a:ln>
+            <a:solidFill>
+              <a:schemeClr val="tx1"/>
+            </a:solidFill>
+          </a:ln>
+        </p:spPr>
+        <p:style>
+          <a:lnRef idx="2">
+            <a:schemeClr val="accent1">
+              <a:shade val="50000"/>
+            </a:schemeClr>
+          </a:lnRef>
+          <a:fillRef idx="1">
+            <a:schemeClr val="accent1"/>
+          </a:fillRef>
+          <a:effectRef idx="0">
+            <a:schemeClr val="accent1"/>
+          </a:effectRef>
+          <a:fontRef idx="minor">
+            <a:schemeClr val="lt1"/>
+          </a:fontRef>
+        </p:style>
+        <p:txBody>
+          <a:bodyPr rtlCol="0" anchor="ctr"/>
+          <a:lstStyle/>
+          <a:p>
+            <a:pPr algn="ctr"/>
+            <a:endParaRPr lang="ru-KZ"/>
+          </a:p>
+        </p:txBody>
+      </p:sp>
+      <p:sp>
+        <p:nvSpPr>
+          <p:cNvPr id="3" name="Стрелка: изогнутая 2">
+            <a:extLst>
+              <a:ext uri="{FF2B5EF4-FFF2-40B4-BE49-F238E27FC236}">
+                <a16:creationId xmlns:a16="http://schemas.microsoft.com/office/drawing/2014/main" id="{7605A605-B4C1-4894-BFD4-CF03329AD9ED}"/>
+              </a:ext>
+            </a:extLst>
+          </p:cNvPr>
+          <p:cNvSpPr/>
+          <p:nvPr/>
+        </p:nvSpPr>
+        <p:spPr>
+          <a:xfrm rot="5400000">
+            <a:off x="10382091" y="1650359"/>
+            <a:ext cx="914401" cy="1117602"/>
+          </a:xfrm>
+          <a:prstGeom prst="bentArrow">
+            <a:avLst>
+              <a:gd name="adj1" fmla="val 8064"/>
+              <a:gd name="adj2" fmla="val 11774"/>
+              <a:gd name="adj3" fmla="val 25000"/>
+              <a:gd name="adj4" fmla="val 43750"/>
+            </a:avLst>
+          </a:prstGeom>
+          <a:solidFill>
+            <a:schemeClr val="bg1"/>
+          </a:solidFill>
+          <a:ln>
+            <a:solidFill>
+              <a:schemeClr val="tx1"/>
+            </a:solidFill>
+          </a:ln>
+        </p:spPr>
+        <p:style>
+          <a:lnRef idx="2">
+            <a:schemeClr val="accent1">
+              <a:shade val="50000"/>
+            </a:schemeClr>
+          </a:lnRef>
+          <a:fillRef idx="1">
+            <a:schemeClr val="accent1"/>
+          </a:fillRef>
+          <a:effectRef idx="0">
+            <a:schemeClr val="accent1"/>
+          </a:effectRef>
+          <a:fontRef idx="minor">
+            <a:schemeClr val="lt1"/>
+          </a:fontRef>
+        </p:style>
+        <p:txBody>
+          <a:bodyPr rtlCol="0" anchor="ctr"/>
+          <a:lstStyle/>
+          <a:p>
+            <a:pPr algn="ctr"/>
+            <a:endParaRPr lang="ru-KZ">
+              <a:solidFill>
+                <a:schemeClr val="tx1"/>
+              </a:solidFill>
+            </a:endParaRPr>
+          </a:p>
+        </p:txBody>
+      </p:sp>
+      <p:sp>
+        <p:nvSpPr>
+          <p:cNvPr id="20" name="Блок-схема: данные 19">
+            <a:extLst>
+              <a:ext uri="{FF2B5EF4-FFF2-40B4-BE49-F238E27FC236}">
+                <a16:creationId xmlns:a16="http://schemas.microsoft.com/office/drawing/2014/main" id="{D34293EC-FF88-41F3-9EC7-E1C46A27B9AF}"/>
+              </a:ext>
+            </a:extLst>
+          </p:cNvPr>
+          <p:cNvSpPr/>
+          <p:nvPr/>
+        </p:nvSpPr>
+        <p:spPr>
+          <a:xfrm>
+            <a:off x="2190771" y="5293955"/>
+            <a:ext cx="3493688" cy="903001"/>
+          </a:xfrm>
+          <a:prstGeom prst="flowChartInputOutput">
+            <a:avLst/>
+          </a:prstGeom>
+          <a:solidFill>
+            <a:schemeClr val="bg1"/>
+          </a:solidFill>
+          <a:ln>
+            <a:solidFill>
+              <a:schemeClr val="tx1"/>
+            </a:solidFill>
+          </a:ln>
+        </p:spPr>
+        <p:style>
+          <a:lnRef idx="2">
+            <a:schemeClr val="accent1">
+              <a:shade val="50000"/>
+            </a:schemeClr>
+          </a:lnRef>
+          <a:fillRef idx="1">
+            <a:schemeClr val="accent1"/>
+          </a:fillRef>
+          <a:effectRef idx="0">
+            <a:schemeClr val="accent1"/>
+          </a:effectRef>
+          <a:fontRef idx="minor">
+            <a:schemeClr val="lt1"/>
+          </a:fontRef>
+        </p:style>
+        <p:txBody>
+          <a:bodyPr rtlCol="0" anchor="ctr"/>
+          <a:lstStyle/>
+          <a:p>
+            <a:pPr algn="ctr"/>
+            <a:r>
+              <a:rPr lang="ru-RU" dirty="0">
+                <a:solidFill>
+                  <a:schemeClr val="tx1"/>
+                </a:solidFill>
+              </a:rPr>
+              <a:t>Внесение данных в итоговую таблицу</a:t>
+            </a:r>
+            <a:endParaRPr lang="ru-KZ" dirty="0">
+              <a:solidFill>
+                <a:schemeClr val="tx1"/>
+              </a:solidFill>
+            </a:endParaRPr>
+          </a:p>
+        </p:txBody>
+      </p:sp>
+      <p:sp>
+        <p:nvSpPr>
+          <p:cNvPr id="21" name="Стрелка: вправо 20">
+            <a:extLst>
+              <a:ext uri="{FF2B5EF4-FFF2-40B4-BE49-F238E27FC236}">
+                <a16:creationId xmlns:a16="http://schemas.microsoft.com/office/drawing/2014/main" id="{CECCD0C2-E882-44A2-9D87-8B05DC2AC880}"/>
+              </a:ext>
+            </a:extLst>
+          </p:cNvPr>
+          <p:cNvSpPr/>
+          <p:nvPr/>
+        </p:nvSpPr>
+        <p:spPr>
+          <a:xfrm>
+            <a:off x="7375549" y="1693022"/>
+            <a:ext cx="924560" cy="182880"/>
+          </a:xfrm>
+          <a:prstGeom prst="rightArrow">
+            <a:avLst/>
+          </a:prstGeom>
+          <a:solidFill>
+            <a:schemeClr val="bg1"/>
+          </a:solidFill>
+          <a:ln>
+            <a:solidFill>
+              <a:schemeClr val="tx1"/>
+            </a:solidFill>
+          </a:ln>
+        </p:spPr>
+        <p:style>
+          <a:lnRef idx="2">
+            <a:schemeClr val="accent1">
+              <a:shade val="50000"/>
+            </a:schemeClr>
+          </a:lnRef>
+          <a:fillRef idx="1">
+            <a:schemeClr val="accent1"/>
+          </a:fillRef>
+          <a:effectRef idx="0">
+            <a:schemeClr val="accent1"/>
+          </a:effectRef>
+          <a:fontRef idx="minor">
+            <a:schemeClr val="lt1"/>
+          </a:fontRef>
+        </p:style>
+        <p:txBody>
+          <a:bodyPr rtlCol="0" anchor="ctr"/>
+          <a:lstStyle/>
+          <a:p>
+            <a:pPr algn="ctr"/>
+            <a:endParaRPr lang="ru-KZ"/>
+          </a:p>
+        </p:txBody>
+      </p:sp>
+      <p:sp>
+        <p:nvSpPr>
+          <p:cNvPr id="22" name="Блок-схема: документ 21">
+            <a:extLst>
+              <a:ext uri="{FF2B5EF4-FFF2-40B4-BE49-F238E27FC236}">
+                <a16:creationId xmlns:a16="http://schemas.microsoft.com/office/drawing/2014/main" id="{81C3DB8F-E68D-4131-B626-462FCC7E99EA}"/>
+              </a:ext>
+            </a:extLst>
+          </p:cNvPr>
+          <p:cNvSpPr/>
+          <p:nvPr/>
+        </p:nvSpPr>
+        <p:spPr>
+          <a:xfrm>
+            <a:off x="3412449" y="2659716"/>
+            <a:ext cx="1690493" cy="1274678"/>
+          </a:xfrm>
+          <a:prstGeom prst="flowChartDocument">
+            <a:avLst/>
+          </a:prstGeom>
+          <a:solidFill>
+            <a:schemeClr val="bg1"/>
+          </a:solidFill>
+          <a:ln>
+            <a:solidFill>
+              <a:schemeClr val="tx1"/>
+            </a:solidFill>
+          </a:ln>
+        </p:spPr>
+        <p:style>
+          <a:lnRef idx="2">
+            <a:schemeClr val="accent1">
+              <a:shade val="50000"/>
+            </a:schemeClr>
+          </a:lnRef>
+          <a:fillRef idx="1">
+            <a:schemeClr val="accent1"/>
+          </a:fillRef>
+          <a:effectRef idx="0">
+            <a:schemeClr val="accent1"/>
+          </a:effectRef>
+          <a:fontRef idx="minor">
+            <a:schemeClr val="lt1"/>
+          </a:fontRef>
+        </p:style>
+        <p:txBody>
+          <a:bodyPr rtlCol="0" anchor="ctr"/>
+          <a:lstStyle/>
+          <a:p>
+            <a:pPr algn="ctr"/>
+            <a:r>
+              <a:rPr lang="ru-RU" dirty="0">
+                <a:solidFill>
+                  <a:schemeClr val="tx1"/>
+                </a:solidFill>
+              </a:rPr>
+              <a:t>Таблица с извлеченными данными</a:t>
+            </a:r>
+            <a:endParaRPr lang="ru-KZ" dirty="0">
+              <a:solidFill>
+                <a:schemeClr val="tx1"/>
+              </a:solidFill>
+            </a:endParaRPr>
+          </a:p>
+        </p:txBody>
+      </p:sp>
+      <p:sp>
+        <p:nvSpPr>
+          <p:cNvPr id="23" name="Стрелка: вправо 22">
+            <a:extLst>
+              <a:ext uri="{FF2B5EF4-FFF2-40B4-BE49-F238E27FC236}">
+                <a16:creationId xmlns:a16="http://schemas.microsoft.com/office/drawing/2014/main" id="{1DC5FA05-EC75-46B8-8A14-C14220BBDAFB}"/>
+              </a:ext>
+            </a:extLst>
+          </p:cNvPr>
+          <p:cNvSpPr/>
+          <p:nvPr/>
+        </p:nvSpPr>
+        <p:spPr>
+          <a:xfrm rot="10800000">
+            <a:off x="5102942" y="3051092"/>
+            <a:ext cx="1305276" cy="203805"/>
+          </a:xfrm>
+          <a:prstGeom prst="rightArrow">
+            <a:avLst/>
+          </a:prstGeom>
+          <a:solidFill>
+            <a:schemeClr val="bg1"/>
+          </a:solidFill>
+          <a:ln>
+            <a:solidFill>
+              <a:schemeClr val="tx1"/>
+            </a:solidFill>
+          </a:ln>
+        </p:spPr>
+        <p:style>
+          <a:lnRef idx="2">
+            <a:schemeClr val="accent1">
+              <a:shade val="50000"/>
+            </a:schemeClr>
+          </a:lnRef>
+          <a:fillRef idx="1">
+            <a:schemeClr val="accent1"/>
+          </a:fillRef>
+          <a:effectRef idx="0">
+            <a:schemeClr val="accent1"/>
+          </a:effectRef>
+          <a:fontRef idx="minor">
+            <a:schemeClr val="lt1"/>
+          </a:fontRef>
+        </p:style>
+        <p:txBody>
+          <a:bodyPr rtlCol="0" anchor="ctr"/>
+          <a:lstStyle/>
+          <a:p>
+            <a:pPr algn="ctr"/>
+            <a:endParaRPr lang="ru-KZ"/>
+          </a:p>
+        </p:txBody>
+      </p:sp>
+      <p:sp>
+        <p:nvSpPr>
+          <p:cNvPr id="25" name="Блок-схема: процесс 24">
+            <a:extLst>
+              <a:ext uri="{FF2B5EF4-FFF2-40B4-BE49-F238E27FC236}">
+                <a16:creationId xmlns:a16="http://schemas.microsoft.com/office/drawing/2014/main" id="{C92FA4C2-D9B6-44AC-85FB-BAD616096B59}"/>
+              </a:ext>
+            </a:extLst>
+          </p:cNvPr>
+          <p:cNvSpPr/>
+          <p:nvPr/>
+        </p:nvSpPr>
+        <p:spPr>
+          <a:xfrm>
+            <a:off x="6408218" y="2668749"/>
+            <a:ext cx="1965142" cy="954245"/>
+          </a:xfrm>
+          <a:prstGeom prst="flowChartProcess">
+            <a:avLst/>
+          </a:prstGeom>
+          <a:solidFill>
+            <a:schemeClr val="bg1"/>
+          </a:solidFill>
+          <a:ln>
+            <a:solidFill>
+              <a:schemeClr val="tx1"/>
+            </a:solidFill>
+          </a:ln>
+        </p:spPr>
+        <p:style>
+          <a:lnRef idx="2">
+            <a:schemeClr val="accent1">
+              <a:shade val="50000"/>
+            </a:schemeClr>
+          </a:lnRef>
+          <a:fillRef idx="1">
+            <a:schemeClr val="accent1"/>
+          </a:fillRef>
+          <a:effectRef idx="0">
+            <a:schemeClr val="accent1"/>
+          </a:effectRef>
+          <a:fontRef idx="minor">
+            <a:schemeClr val="lt1"/>
+          </a:fontRef>
+        </p:style>
+        <p:txBody>
+          <a:bodyPr rtlCol="0" anchor="ctr"/>
+          <a:lstStyle/>
+          <a:p>
+            <a:pPr algn="ctr"/>
+            <a:r>
+              <a:rPr lang="ru-RU" dirty="0" err="1">
+                <a:solidFill>
+                  <a:schemeClr val="tx1"/>
+                </a:solidFill>
+              </a:rPr>
+              <a:t>Суммаризация</a:t>
+            </a:r>
+            <a:r>
+              <a:rPr lang="ru-RU" dirty="0">
+                <a:solidFill>
+                  <a:schemeClr val="tx1"/>
+                </a:solidFill>
+              </a:rPr>
+              <a:t> ячеек</a:t>
+            </a:r>
+            <a:endParaRPr lang="ru-KZ" dirty="0">
+              <a:solidFill>
+                <a:schemeClr val="tx1"/>
+              </a:solidFill>
+            </a:endParaRPr>
+          </a:p>
+        </p:txBody>
+      </p:sp>
+      <p:sp>
+        <p:nvSpPr>
+          <p:cNvPr id="26" name="Блок-схема: процесс 25">
+            <a:extLst>
+              <a:ext uri="{FF2B5EF4-FFF2-40B4-BE49-F238E27FC236}">
+                <a16:creationId xmlns:a16="http://schemas.microsoft.com/office/drawing/2014/main" id="{5B707C2B-2D36-46B3-8B84-9A408D612C30}"/>
+              </a:ext>
+            </a:extLst>
+          </p:cNvPr>
+          <p:cNvSpPr/>
+          <p:nvPr/>
+        </p:nvSpPr>
+        <p:spPr>
+          <a:xfrm>
+            <a:off x="9097778" y="5570042"/>
+            <a:ext cx="2038601" cy="914400"/>
+          </a:xfrm>
+          <a:prstGeom prst="flowChartProcess">
+            <a:avLst/>
+          </a:prstGeom>
+          <a:solidFill>
+            <a:schemeClr val="bg1"/>
+          </a:solidFill>
+          <a:ln>
+            <a:solidFill>
+              <a:schemeClr val="tx1"/>
+            </a:solidFill>
+          </a:ln>
+        </p:spPr>
+        <p:style>
+          <a:lnRef idx="2">
+            <a:schemeClr val="accent1">
+              <a:shade val="50000"/>
+            </a:schemeClr>
+          </a:lnRef>
+          <a:fillRef idx="1">
+            <a:schemeClr val="accent1"/>
+          </a:fillRef>
+          <a:effectRef idx="0">
+            <a:schemeClr val="accent1"/>
+          </a:effectRef>
+          <a:fontRef idx="minor">
+            <a:schemeClr val="lt1"/>
+          </a:fontRef>
+        </p:style>
+        <p:txBody>
+          <a:bodyPr rtlCol="0" anchor="ctr"/>
+          <a:lstStyle/>
+          <a:p>
+            <a:pPr algn="ctr"/>
+            <a:r>
+              <a:rPr lang="ru-RU" dirty="0" err="1">
+                <a:solidFill>
+                  <a:schemeClr val="tx1"/>
+                </a:solidFill>
+              </a:rPr>
+              <a:t>Парсинг</a:t>
+            </a:r>
+            <a:r>
+              <a:rPr lang="ru-RU" dirty="0">
+                <a:solidFill>
+                  <a:schemeClr val="tx1"/>
+                </a:solidFill>
+              </a:rPr>
+              <a:t> сайта</a:t>
+            </a:r>
+          </a:p>
+          <a:p>
+            <a:pPr algn="ctr"/>
+            <a:r>
+              <a:rPr lang="ru-RU" sz="1800" u="sng" dirty="0">
+                <a:solidFill>
+                  <a:schemeClr val="tx1"/>
+                </a:solidFill>
+                <a:effectLst/>
+                <a:latin typeface="Calibri" panose="020F0502020204030204" pitchFamily="34" charset="0"/>
+                <a:ea typeface="Calibri" panose="020F0502020204030204" pitchFamily="34" charset="0"/>
+                <a:cs typeface="Times New Roman" panose="02020603050405020304" pitchFamily="18" charset="0"/>
+              </a:rPr>
+              <a:t>www.plantarium.ru</a:t>
+            </a:r>
+          </a:p>
+          <a:p>
+            <a:pPr algn="ctr"/>
+            <a:r>
+              <a:rPr lang="ru-RU" i="1" dirty="0">
+                <a:solidFill>
+                  <a:schemeClr val="tx1"/>
+                </a:solidFill>
+                <a:latin typeface="Calibri" panose="020F0502020204030204" pitchFamily="34" charset="0"/>
+                <a:cs typeface="Times New Roman" panose="02020603050405020304" pitchFamily="18" charset="0"/>
+              </a:rPr>
+              <a:t>(красные книги)</a:t>
+            </a:r>
+            <a:endParaRPr lang="ru-KZ" i="1" dirty="0">
+              <a:solidFill>
+                <a:schemeClr val="tx1"/>
+              </a:solidFill>
+            </a:endParaRPr>
+          </a:p>
+        </p:txBody>
+      </p:sp>
+      <p:sp>
+        <p:nvSpPr>
+          <p:cNvPr id="27" name="Блок-схема: процесс 26">
+            <a:extLst>
+              <a:ext uri="{FF2B5EF4-FFF2-40B4-BE49-F238E27FC236}">
+                <a16:creationId xmlns:a16="http://schemas.microsoft.com/office/drawing/2014/main" id="{4620B17B-64B4-405B-ACCE-3C6EAC14DE0B}"/>
+              </a:ext>
+            </a:extLst>
+          </p:cNvPr>
+          <p:cNvSpPr/>
+          <p:nvPr/>
+        </p:nvSpPr>
+        <p:spPr>
+          <a:xfrm>
+            <a:off x="9097779" y="4325564"/>
+            <a:ext cx="2038601" cy="914400"/>
+          </a:xfrm>
+          <a:prstGeom prst="flowChartProcess">
+            <a:avLst/>
+          </a:prstGeom>
+          <a:solidFill>
+            <a:schemeClr val="bg1"/>
+          </a:solidFill>
+          <a:ln>
+            <a:solidFill>
+              <a:schemeClr val="tx1"/>
+            </a:solidFill>
+          </a:ln>
+        </p:spPr>
+        <p:style>
+          <a:lnRef idx="2">
+            <a:schemeClr val="accent1">
+              <a:shade val="50000"/>
+            </a:schemeClr>
+          </a:lnRef>
+          <a:fillRef idx="1">
+            <a:schemeClr val="accent1"/>
+          </a:fillRef>
+          <a:effectRef idx="0">
+            <a:schemeClr val="accent1"/>
+          </a:effectRef>
+          <a:fontRef idx="minor">
+            <a:schemeClr val="lt1"/>
+          </a:fontRef>
+        </p:style>
+        <p:txBody>
+          <a:bodyPr rtlCol="0" anchor="ctr"/>
+          <a:lstStyle/>
+          <a:p>
+            <a:pPr algn="ctr"/>
+            <a:r>
+              <a:rPr lang="ru-RU" dirty="0" err="1">
+                <a:solidFill>
+                  <a:schemeClr val="tx1"/>
+                </a:solidFill>
+              </a:rPr>
+              <a:t>Парсинг</a:t>
+            </a:r>
+            <a:r>
+              <a:rPr lang="ru-RU" dirty="0">
+                <a:solidFill>
+                  <a:schemeClr val="tx1"/>
+                </a:solidFill>
+              </a:rPr>
+              <a:t> сайта</a:t>
+            </a:r>
+          </a:p>
+          <a:p>
+            <a:pPr algn="ctr"/>
+            <a:r>
+              <a:rPr lang="ru-RU" sz="1800" u="sng" dirty="0">
+                <a:solidFill>
+                  <a:schemeClr val="tx1"/>
+                </a:solidFill>
+                <a:effectLst/>
+                <a:latin typeface="Calibri" panose="020F0502020204030204" pitchFamily="34" charset="0"/>
+                <a:ea typeface="Calibri" panose="020F0502020204030204" pitchFamily="34" charset="0"/>
+                <a:cs typeface="Times New Roman" panose="02020603050405020304" pitchFamily="18" charset="0"/>
+              </a:rPr>
+              <a:t>dateandtime.info</a:t>
+            </a:r>
+          </a:p>
+          <a:p>
+            <a:pPr algn="ctr"/>
+            <a:r>
+              <a:rPr lang="ru-RU" i="1" dirty="0">
+                <a:solidFill>
+                  <a:schemeClr val="tx1"/>
+                </a:solidFill>
+                <a:latin typeface="Calibri" panose="020F0502020204030204" pitchFamily="34" charset="0"/>
+                <a:cs typeface="Times New Roman" panose="02020603050405020304" pitchFamily="18" charset="0"/>
+              </a:rPr>
+              <a:t>(долгота дня)</a:t>
+            </a:r>
+            <a:endParaRPr lang="ru-KZ" i="1" dirty="0">
+              <a:solidFill>
+                <a:schemeClr val="tx1"/>
+              </a:solidFill>
+            </a:endParaRPr>
+          </a:p>
+        </p:txBody>
+      </p:sp>
+      <p:sp>
+        <p:nvSpPr>
+          <p:cNvPr id="28" name="Блок-схема: процесс 27">
+            <a:extLst>
+              <a:ext uri="{FF2B5EF4-FFF2-40B4-BE49-F238E27FC236}">
+                <a16:creationId xmlns:a16="http://schemas.microsoft.com/office/drawing/2014/main" id="{2EE2FFC6-9DA4-4222-BAFC-95CEF016D0BA}"/>
+              </a:ext>
+            </a:extLst>
+          </p:cNvPr>
+          <p:cNvSpPr/>
+          <p:nvPr/>
+        </p:nvSpPr>
+        <p:spPr>
+          <a:xfrm>
+            <a:off x="6392978" y="4305639"/>
+            <a:ext cx="1965142" cy="954245"/>
+          </a:xfrm>
+          <a:prstGeom prst="flowChartProcess">
+            <a:avLst/>
+          </a:prstGeom>
+          <a:solidFill>
+            <a:schemeClr val="bg1"/>
+          </a:solidFill>
+          <a:ln>
+            <a:solidFill>
+              <a:schemeClr val="tx1"/>
+            </a:solidFill>
+          </a:ln>
+        </p:spPr>
+        <p:style>
+          <a:lnRef idx="2">
+            <a:schemeClr val="accent1">
+              <a:shade val="50000"/>
+            </a:schemeClr>
+          </a:lnRef>
+          <a:fillRef idx="1">
+            <a:schemeClr val="accent1"/>
+          </a:fillRef>
+          <a:effectRef idx="0">
+            <a:schemeClr val="accent1"/>
+          </a:effectRef>
+          <a:fontRef idx="minor">
+            <a:schemeClr val="lt1"/>
+          </a:fontRef>
+        </p:style>
+        <p:txBody>
+          <a:bodyPr rtlCol="0" anchor="ctr"/>
+          <a:lstStyle/>
+          <a:p>
+            <a:pPr algn="ctr"/>
+            <a:r>
+              <a:rPr lang="ru-RU" dirty="0">
+                <a:solidFill>
+                  <a:schemeClr val="tx1"/>
+                </a:solidFill>
+              </a:rPr>
+              <a:t>Расчет долготы дня по регионам</a:t>
+            </a:r>
+            <a:endParaRPr lang="ru-KZ" dirty="0">
+              <a:solidFill>
+                <a:schemeClr val="tx1"/>
+              </a:solidFill>
+            </a:endParaRPr>
+          </a:p>
+        </p:txBody>
+      </p:sp>
+      <p:sp>
+        <p:nvSpPr>
+          <p:cNvPr id="29" name="Стрелка: вправо 28">
+            <a:extLst>
+              <a:ext uri="{FF2B5EF4-FFF2-40B4-BE49-F238E27FC236}">
+                <a16:creationId xmlns:a16="http://schemas.microsoft.com/office/drawing/2014/main" id="{9AD75C12-1776-455C-824A-AD2B6DCBED2D}"/>
+              </a:ext>
+            </a:extLst>
+          </p:cNvPr>
+          <p:cNvSpPr/>
+          <p:nvPr/>
+        </p:nvSpPr>
+        <p:spPr>
+          <a:xfrm rot="10800000">
+            <a:off x="8373360" y="4699615"/>
+            <a:ext cx="724418" cy="166294"/>
+          </a:xfrm>
+          <a:prstGeom prst="rightArrow">
+            <a:avLst/>
+          </a:prstGeom>
+          <a:solidFill>
+            <a:schemeClr val="bg1"/>
+          </a:solidFill>
+          <a:ln>
+            <a:solidFill>
+              <a:schemeClr val="tx1"/>
+            </a:solidFill>
+          </a:ln>
+        </p:spPr>
+        <p:style>
+          <a:lnRef idx="2">
+            <a:schemeClr val="accent1">
+              <a:shade val="50000"/>
+            </a:schemeClr>
+          </a:lnRef>
+          <a:fillRef idx="1">
+            <a:schemeClr val="accent1"/>
+          </a:fillRef>
+          <a:effectRef idx="0">
+            <a:schemeClr val="accent1"/>
+          </a:effectRef>
+          <a:fontRef idx="minor">
+            <a:schemeClr val="lt1"/>
+          </a:fontRef>
+        </p:style>
+        <p:txBody>
+          <a:bodyPr rtlCol="0" anchor="ctr"/>
+          <a:lstStyle/>
+          <a:p>
+            <a:pPr algn="ctr"/>
+            <a:endParaRPr lang="ru-KZ"/>
+          </a:p>
+        </p:txBody>
+      </p:sp>
+      <p:sp>
+        <p:nvSpPr>
+          <p:cNvPr id="30" name="Стрелка: вправо 29">
+            <a:extLst>
+              <a:ext uri="{FF2B5EF4-FFF2-40B4-BE49-F238E27FC236}">
+                <a16:creationId xmlns:a16="http://schemas.microsoft.com/office/drawing/2014/main" id="{0AFABB79-EAF9-479F-8D50-6AE51ED5E6FA}"/>
+              </a:ext>
+            </a:extLst>
+          </p:cNvPr>
+          <p:cNvSpPr/>
+          <p:nvPr/>
+        </p:nvSpPr>
+        <p:spPr>
+          <a:xfrm rot="16200000">
+            <a:off x="3297304" y="4431431"/>
+            <a:ext cx="1359561" cy="365486"/>
+          </a:xfrm>
+          <a:prstGeom prst="rightArrow">
+            <a:avLst/>
+          </a:prstGeom>
+          <a:solidFill>
+            <a:schemeClr val="bg1"/>
+          </a:solidFill>
+          <a:ln>
+            <a:solidFill>
+              <a:schemeClr val="tx1"/>
+            </a:solidFill>
+          </a:ln>
+        </p:spPr>
+        <p:style>
+          <a:lnRef idx="2">
+            <a:schemeClr val="accent1">
+              <a:shade val="50000"/>
+            </a:schemeClr>
+          </a:lnRef>
+          <a:fillRef idx="1">
+            <a:schemeClr val="accent1"/>
+          </a:fillRef>
+          <a:effectRef idx="0">
+            <a:schemeClr val="accent1"/>
+          </a:effectRef>
+          <a:fontRef idx="minor">
+            <a:schemeClr val="lt1"/>
+          </a:fontRef>
+        </p:style>
+        <p:txBody>
+          <a:bodyPr rtlCol="0" anchor="ctr"/>
+          <a:lstStyle/>
+          <a:p>
+            <a:pPr algn="ctr"/>
+            <a:endParaRPr lang="ru-KZ"/>
+          </a:p>
+        </p:txBody>
+      </p:sp>
+      <p:sp>
+        <p:nvSpPr>
+          <p:cNvPr id="32" name="Стрелка: вправо 31">
+            <a:extLst>
+              <a:ext uri="{FF2B5EF4-FFF2-40B4-BE49-F238E27FC236}">
+                <a16:creationId xmlns:a16="http://schemas.microsoft.com/office/drawing/2014/main" id="{233CAB8B-45AB-4F75-872D-0E7F92BCC5CC}"/>
+              </a:ext>
+            </a:extLst>
+          </p:cNvPr>
+          <p:cNvSpPr/>
+          <p:nvPr/>
+        </p:nvSpPr>
+        <p:spPr>
+          <a:xfrm rot="10800000">
+            <a:off x="5246151" y="5790508"/>
+            <a:ext cx="3851627" cy="253174"/>
+          </a:xfrm>
+          <a:prstGeom prst="rightArrow">
+            <a:avLst>
+              <a:gd name="adj1" fmla="val 50000"/>
+              <a:gd name="adj2" fmla="val 50000"/>
+            </a:avLst>
+          </a:prstGeom>
+          <a:solidFill>
+            <a:schemeClr val="bg1"/>
+          </a:solidFill>
+          <a:ln>
+            <a:solidFill>
+              <a:schemeClr val="tx1"/>
+            </a:solidFill>
+          </a:ln>
+        </p:spPr>
+        <p:style>
+          <a:lnRef idx="2">
+            <a:schemeClr val="accent1">
+              <a:shade val="50000"/>
+            </a:schemeClr>
+          </a:lnRef>
+          <a:fillRef idx="1">
+            <a:schemeClr val="accent1"/>
+          </a:fillRef>
+          <a:effectRef idx="0">
+            <a:schemeClr val="accent1"/>
+          </a:effectRef>
+          <a:fontRef idx="minor">
+            <a:schemeClr val="lt1"/>
+          </a:fontRef>
+        </p:style>
+        <p:txBody>
+          <a:bodyPr rtlCol="0" anchor="ctr"/>
+          <a:lstStyle/>
+          <a:p>
+            <a:pPr algn="ctr"/>
+            <a:endParaRPr lang="ru-KZ"/>
+          </a:p>
+        </p:txBody>
+      </p:sp>
+      <p:sp>
+        <p:nvSpPr>
+          <p:cNvPr id="33" name="Стрелка: изогнутая 32">
+            <a:extLst>
+              <a:ext uri="{FF2B5EF4-FFF2-40B4-BE49-F238E27FC236}">
+                <a16:creationId xmlns:a16="http://schemas.microsoft.com/office/drawing/2014/main" id="{DE2C10E4-4D99-43A7-AC0C-B95CF86C5161}"/>
+              </a:ext>
+            </a:extLst>
+          </p:cNvPr>
+          <p:cNvSpPr/>
+          <p:nvPr/>
+        </p:nvSpPr>
+        <p:spPr>
+          <a:xfrm rot="10800000">
+            <a:off x="5216030" y="5262246"/>
+            <a:ext cx="2323415" cy="805733"/>
+          </a:xfrm>
+          <a:prstGeom prst="bentArrow">
+            <a:avLst>
+              <a:gd name="adj1" fmla="val 19413"/>
+              <a:gd name="adj2" fmla="val 21231"/>
+              <a:gd name="adj3" fmla="val 25000"/>
+              <a:gd name="adj4" fmla="val 55099"/>
+            </a:avLst>
+          </a:prstGeom>
+          <a:solidFill>
+            <a:schemeClr val="bg1"/>
+          </a:solidFill>
+          <a:ln>
+            <a:solidFill>
+              <a:schemeClr val="tx1"/>
+            </a:solidFill>
+          </a:ln>
+        </p:spPr>
+        <p:style>
+          <a:lnRef idx="2">
+            <a:schemeClr val="accent1">
+              <a:shade val="50000"/>
+            </a:schemeClr>
+          </a:lnRef>
+          <a:fillRef idx="1">
+            <a:schemeClr val="accent1"/>
+          </a:fillRef>
+          <a:effectRef idx="0">
+            <a:schemeClr val="accent1"/>
+          </a:effectRef>
+          <a:fontRef idx="minor">
+            <a:schemeClr val="lt1"/>
+          </a:fontRef>
+        </p:style>
+        <p:txBody>
+          <a:bodyPr rtlCol="0" anchor="ctr"/>
+          <a:lstStyle/>
+          <a:p>
+            <a:pPr algn="ctr"/>
+            <a:endParaRPr lang="ru-KZ">
+              <a:solidFill>
+                <a:schemeClr val="tx1"/>
+              </a:solidFill>
+            </a:endParaRPr>
+          </a:p>
+        </p:txBody>
+      </p:sp>
+      <p:sp>
+        <p:nvSpPr>
+          <p:cNvPr id="31" name="Заголовок 1">
+            <a:extLst>
+              <a:ext uri="{FF2B5EF4-FFF2-40B4-BE49-F238E27FC236}">
+                <a16:creationId xmlns:a16="http://schemas.microsoft.com/office/drawing/2014/main" id="{BC2BB867-DF46-4F67-BFF7-17504CF60133}"/>
+              </a:ext>
+            </a:extLst>
+          </p:cNvPr>
+          <p:cNvSpPr txBox="1">
+            <a:spLocks/>
+          </p:cNvSpPr>
+          <p:nvPr/>
+        </p:nvSpPr>
+        <p:spPr>
+          <a:xfrm>
+            <a:off x="8705820" y="2912264"/>
+            <a:ext cx="1710819" cy="501894"/>
           </a:xfrm>
           <a:prstGeom prst="rect">
             <a:avLst/>
           </a:prstGeom>
-        </p:spPr>
-      </p:pic>
+          <a:solidFill>
+            <a:schemeClr val="bg1">
+              <a:lumMod val="85000"/>
+            </a:schemeClr>
+          </a:solidFill>
+        </p:spPr>
+        <p:txBody>
+          <a:bodyPr vert="horz" lIns="91440" tIns="45720" rIns="91440" bIns="45720" rtlCol="0" anchor="ctr">
+            <a:normAutofit fontScale="40000" lnSpcReduction="20000"/>
+          </a:bodyPr>
+          <a:lstStyle>
+            <a:lvl1pPr algn="l" defTabSz="914400" rtl="0" eaLnBrk="1" latinLnBrk="0" hangingPunct="1">
+              <a:lnSpc>
+                <a:spcPct val="90000"/>
+              </a:lnSpc>
+              <a:spcBef>
+                <a:spcPct val="0"/>
+              </a:spcBef>
+              <a:buNone/>
+              <a:defRPr sz="4400" kern="1200">
+                <a:solidFill>
+                  <a:schemeClr val="tx1"/>
+                </a:solidFill>
+                <a:latin typeface="+mj-lt"/>
+                <a:ea typeface="+mj-ea"/>
+                <a:cs typeface="+mj-cs"/>
+              </a:defRPr>
+            </a:lvl1pPr>
+          </a:lstStyle>
+          <a:p>
+            <a:pPr algn="ctr"/>
+            <a:r>
+              <a:rPr lang="en-US" dirty="0">
+                <a:solidFill>
+                  <a:schemeClr val="tx1"/>
+                </a:solidFill>
+              </a:rPr>
+              <a:t>T5 Turbo Alpaca</a:t>
+            </a:r>
+            <a:endParaRPr lang="ru-KZ" dirty="0">
+              <a:solidFill>
+                <a:schemeClr val="tx1"/>
+              </a:solidFill>
+            </a:endParaRPr>
+          </a:p>
+        </p:txBody>
+      </p:sp>
+      <p:sp>
+        <p:nvSpPr>
+          <p:cNvPr id="18" name="Заголовок 1">
+            <a:extLst>
+              <a:ext uri="{FF2B5EF4-FFF2-40B4-BE49-F238E27FC236}">
+                <a16:creationId xmlns:a16="http://schemas.microsoft.com/office/drawing/2014/main" id="{B3A30B47-4705-4242-B908-A7515C4B3695}"/>
+              </a:ext>
+            </a:extLst>
+          </p:cNvPr>
+          <p:cNvSpPr txBox="1">
+            <a:spLocks/>
+          </p:cNvSpPr>
+          <p:nvPr/>
+        </p:nvSpPr>
+        <p:spPr>
+          <a:xfrm>
+            <a:off x="620430" y="2898062"/>
+            <a:ext cx="1474453" cy="501608"/>
+          </a:xfrm>
+          <a:prstGeom prst="rect">
+            <a:avLst/>
+          </a:prstGeom>
+          <a:solidFill>
+            <a:schemeClr val="bg1">
+              <a:lumMod val="85000"/>
+            </a:schemeClr>
+          </a:solidFill>
+        </p:spPr>
+        <p:txBody>
+          <a:bodyPr vert="horz" lIns="91440" tIns="45720" rIns="91440" bIns="45720" rtlCol="0" anchor="ctr">
+            <a:normAutofit fontScale="40000" lnSpcReduction="20000"/>
+          </a:bodyPr>
+          <a:lstStyle>
+            <a:lvl1pPr algn="l" defTabSz="914400" rtl="0" eaLnBrk="1" latinLnBrk="0" hangingPunct="1">
+              <a:lnSpc>
+                <a:spcPct val="90000"/>
+              </a:lnSpc>
+              <a:spcBef>
+                <a:spcPct val="0"/>
+              </a:spcBef>
+              <a:buNone/>
+              <a:defRPr sz="4400" kern="1200">
+                <a:solidFill>
+                  <a:schemeClr val="tx1"/>
+                </a:solidFill>
+                <a:latin typeface="+mj-lt"/>
+                <a:ea typeface="+mj-ea"/>
+                <a:cs typeface="+mj-cs"/>
+              </a:defRPr>
+            </a:lvl1pPr>
+          </a:lstStyle>
+          <a:p>
+            <a:pPr algn="ctr"/>
+            <a:r>
+              <a:rPr lang="en-US" dirty="0" err="1">
+                <a:solidFill>
+                  <a:schemeClr val="tx1"/>
+                </a:solidFill>
+              </a:rPr>
+              <a:t>mDeBERTa</a:t>
+            </a:r>
+            <a:r>
+              <a:rPr lang="en-US" dirty="0">
+                <a:solidFill>
+                  <a:schemeClr val="tx1"/>
+                </a:solidFill>
+              </a:rPr>
+              <a:t> V3</a:t>
+            </a:r>
+            <a:endParaRPr lang="ru-KZ" dirty="0">
+              <a:solidFill>
+                <a:schemeClr val="tx1"/>
+              </a:solidFill>
+            </a:endParaRPr>
+          </a:p>
+        </p:txBody>
+      </p:sp>
+      <p:sp>
+        <p:nvSpPr>
+          <p:cNvPr id="6" name="Стрелка: влево-вправо 5">
+            <a:extLst>
+              <a:ext uri="{FF2B5EF4-FFF2-40B4-BE49-F238E27FC236}">
+                <a16:creationId xmlns:a16="http://schemas.microsoft.com/office/drawing/2014/main" id="{9E6FC2E4-BB9E-4B19-B8A9-8CBBC44A8401}"/>
+              </a:ext>
+            </a:extLst>
+          </p:cNvPr>
+          <p:cNvSpPr/>
+          <p:nvPr/>
+        </p:nvSpPr>
+        <p:spPr>
+          <a:xfrm>
+            <a:off x="2242143" y="3025508"/>
+            <a:ext cx="1170306" cy="253799"/>
+          </a:xfrm>
+          <a:prstGeom prst="leftRightArrow">
+            <a:avLst/>
+          </a:prstGeom>
+          <a:solidFill>
+            <a:schemeClr val="bg1"/>
+          </a:solidFill>
+          <a:ln>
+            <a:solidFill>
+              <a:schemeClr val="tx1"/>
+            </a:solidFill>
+          </a:ln>
+        </p:spPr>
+        <p:style>
+          <a:lnRef idx="2">
+            <a:schemeClr val="accent1">
+              <a:shade val="50000"/>
+            </a:schemeClr>
+          </a:lnRef>
+          <a:fillRef idx="1">
+            <a:schemeClr val="accent1"/>
+          </a:fillRef>
+          <a:effectRef idx="0">
+            <a:schemeClr val="accent1"/>
+          </a:effectRef>
+          <a:fontRef idx="minor">
+            <a:schemeClr val="lt1"/>
+          </a:fontRef>
+        </p:style>
+        <p:txBody>
+          <a:bodyPr rtlCol="0" anchor="ctr"/>
+          <a:lstStyle/>
+          <a:p>
+            <a:pPr algn="ctr"/>
+            <a:endParaRPr lang="ru-KZ"/>
+          </a:p>
+        </p:txBody>
+      </p:sp>
     </p:spTree>
     <p:extLst>
       <p:ext uri="{BB962C8B-B14F-4D97-AF65-F5344CB8AC3E}">
-        <p14:creationId xmlns:p14="http://schemas.microsoft.com/office/powerpoint/2010/main" val="2659941173"/>
+        <p14:creationId xmlns:p14="http://schemas.microsoft.com/office/powerpoint/2010/main" val="936338762"/>
       </p:ext>
     </p:extLst>
   </p:cSld>
@@ -3762,7 +7874,15 @@
           <a:p>
             <a:r>
               <a:rPr lang="ru-RU" dirty="0"/>
-              <a:t>Повышение качества источников</a:t>
+              <a:t>Подготовка</a:t>
+            </a:r>
+            <a:r>
+              <a:rPr lang="en-US" dirty="0"/>
+              <a:t> </a:t>
+            </a:r>
+            <a:r>
+              <a:rPr lang="ru-RU" dirty="0"/>
+              <a:t>источников</a:t>
             </a:r>
           </a:p>
         </p:txBody>
@@ -3796,8 +7916,8 @@
         </p:blipFill>
         <p:spPr>
           <a:xfrm>
-            <a:off x="115077" y="1401421"/>
-            <a:ext cx="6096001" cy="5018040"/>
+            <a:off x="115077" y="1520889"/>
+            <a:ext cx="6096001" cy="4898572"/>
           </a:xfrm>
         </p:spPr>
       </p:pic>
@@ -3823,6 +7943,433 @@
               </a:ext>
             </a:extLst>
           </a:blip>
+          <a:stretch>
+            <a:fillRect/>
+          </a:stretch>
+        </p:blipFill>
+        <p:spPr>
+          <a:xfrm>
+            <a:off x="6211077" y="979714"/>
+            <a:ext cx="5980923" cy="5439747"/>
+          </a:xfrm>
+          <a:prstGeom prst="rect">
+            <a:avLst/>
+          </a:prstGeom>
+        </p:spPr>
+      </p:pic>
+    </p:spTree>
+    <p:extLst>
+      <p:ext uri="{BB962C8B-B14F-4D97-AF65-F5344CB8AC3E}">
+        <p14:creationId xmlns:p14="http://schemas.microsoft.com/office/powerpoint/2010/main" val="373531165"/>
+      </p:ext>
+    </p:extLst>
+  </p:cSld>
+  <p:clrMapOvr>
+    <a:masterClrMapping/>
+  </p:clrMapOvr>
+</p:sld>
+</file>
+
+<file path=ppt/slides/slide5.xml><?xml version="1.0" encoding="utf-8"?>
+<p:sld xmlns:a="http://schemas.openxmlformats.org/drawingml/2006/main" xmlns:r="http://schemas.openxmlformats.org/officeDocument/2006/relationships" xmlns:p="http://schemas.openxmlformats.org/presentationml/2006/main">
+  <p:cSld>
+    <p:spTree>
+      <p:nvGrpSpPr>
+        <p:cNvPr id="1" name=""/>
+        <p:cNvGrpSpPr/>
+        <p:nvPr/>
+      </p:nvGrpSpPr>
+      <p:grpSpPr>
+        <a:xfrm>
+          <a:off x="0" y="0"/>
+          <a:ext cx="0" cy="0"/>
+          <a:chOff x="0" y="0"/>
+          <a:chExt cx="0" cy="0"/>
+        </a:xfrm>
+      </p:grpSpPr>
+      <p:sp>
+        <p:nvSpPr>
+          <p:cNvPr id="2" name="Заголовок 1">
+            <a:extLst>
+              <a:ext uri="{FF2B5EF4-FFF2-40B4-BE49-F238E27FC236}">
+                <a16:creationId xmlns:a16="http://schemas.microsoft.com/office/drawing/2014/main" id="{4E5B8EEA-901C-1323-83FB-7E64164EE4E3}"/>
+              </a:ext>
+            </a:extLst>
+          </p:cNvPr>
+          <p:cNvSpPr>
+            <a:spLocks noGrp="1"/>
+          </p:cNvSpPr>
+          <p:nvPr>
+            <p:ph type="title"/>
+          </p:nvPr>
+        </p:nvSpPr>
+        <p:spPr>
+          <a:xfrm>
+            <a:off x="838200" y="373224"/>
+            <a:ext cx="10515600" cy="606490"/>
+          </a:xfrm>
+        </p:spPr>
+        <p:txBody>
+          <a:bodyPr>
+            <a:normAutofit fontScale="90000"/>
+          </a:bodyPr>
+          <a:lstStyle/>
+          <a:p>
+            <a:r>
+              <a:rPr lang="ru-RU" dirty="0"/>
+              <a:t>Подготовка</a:t>
+            </a:r>
+            <a:r>
+              <a:rPr lang="en-US" dirty="0"/>
+              <a:t> </a:t>
+            </a:r>
+            <a:r>
+              <a:rPr lang="ru-RU" dirty="0"/>
+              <a:t>источников</a:t>
+            </a:r>
+          </a:p>
+        </p:txBody>
+      </p:sp>
+      <p:pic>
+        <p:nvPicPr>
+          <p:cNvPr id="6" name="Объект 5">
+            <a:extLst>
+              <a:ext uri="{FF2B5EF4-FFF2-40B4-BE49-F238E27FC236}">
+                <a16:creationId xmlns:a16="http://schemas.microsoft.com/office/drawing/2014/main" id="{75D5EB76-A030-5AFB-8491-CCCF6655E23A}"/>
+              </a:ext>
+            </a:extLst>
+          </p:cNvPr>
+          <p:cNvPicPr>
+            <a:picLocks noGrp="1" noChangeAspect="1"/>
+          </p:cNvPicPr>
+          <p:nvPr>
+            <p:ph sz="half" idx="1"/>
+          </p:nvPr>
+        </p:nvPicPr>
+        <p:blipFill>
+          <a:blip r:embed="rId2">
+            <a:extLst>
+              <a:ext uri="{28A0092B-C50C-407E-A947-70E740481C1C}">
+                <a14:useLocalDpi xmlns:a14="http://schemas.microsoft.com/office/drawing/2010/main" val="0"/>
+              </a:ext>
+            </a:extLst>
+          </a:blip>
+          <a:srcRect/>
+          <a:stretch/>
+        </p:blipFill>
+        <p:spPr>
+          <a:xfrm>
+            <a:off x="115077" y="1520889"/>
+            <a:ext cx="6096001" cy="4898572"/>
+          </a:xfrm>
+        </p:spPr>
+      </p:pic>
+      <p:pic>
+        <p:nvPicPr>
+          <p:cNvPr id="7" name="Объект 5">
+            <a:extLst>
+              <a:ext uri="{FF2B5EF4-FFF2-40B4-BE49-F238E27FC236}">
+                <a16:creationId xmlns:a16="http://schemas.microsoft.com/office/drawing/2014/main" id="{232412DF-04BB-CEF6-0243-9416674E23EF}"/>
+              </a:ext>
+            </a:extLst>
+          </p:cNvPr>
+          <p:cNvPicPr>
+            <a:picLocks noChangeAspect="1"/>
+          </p:cNvPicPr>
+          <p:nvPr/>
+        </p:nvPicPr>
+        <p:blipFill>
+          <a:blip r:embed="rId3">
+            <a:extLst>
+              <a:ext uri="{28A0092B-C50C-407E-A947-70E740481C1C}">
+                <a14:useLocalDpi xmlns:a14="http://schemas.microsoft.com/office/drawing/2010/main" val="0"/>
+              </a:ext>
+            </a:extLst>
+          </a:blip>
+          <a:srcRect/>
+          <a:stretch/>
+        </p:blipFill>
+        <p:spPr>
+          <a:xfrm>
+            <a:off x="6211078" y="1401421"/>
+            <a:ext cx="5865846" cy="5018040"/>
+          </a:xfrm>
+          <a:prstGeom prst="rect">
+            <a:avLst/>
+          </a:prstGeom>
+        </p:spPr>
+      </p:pic>
+    </p:spTree>
+    <p:extLst>
+      <p:ext uri="{BB962C8B-B14F-4D97-AF65-F5344CB8AC3E}">
+        <p14:creationId xmlns:p14="http://schemas.microsoft.com/office/powerpoint/2010/main" val="1262709056"/>
+      </p:ext>
+    </p:extLst>
+  </p:cSld>
+  <p:clrMapOvr>
+    <a:masterClrMapping/>
+  </p:clrMapOvr>
+</p:sld>
+</file>
+
+<file path=ppt/slides/slide6.xml><?xml version="1.0" encoding="utf-8"?>
+<p:sld xmlns:a="http://schemas.openxmlformats.org/drawingml/2006/main" xmlns:r="http://schemas.openxmlformats.org/officeDocument/2006/relationships" xmlns:p="http://schemas.openxmlformats.org/presentationml/2006/main">
+  <p:cSld>
+    <p:spTree>
+      <p:nvGrpSpPr>
+        <p:cNvPr id="1" name=""/>
+        <p:cNvGrpSpPr/>
+        <p:nvPr/>
+      </p:nvGrpSpPr>
+      <p:grpSpPr>
+        <a:xfrm>
+          <a:off x="0" y="0"/>
+          <a:ext cx="0" cy="0"/>
+          <a:chOff x="0" y="0"/>
+          <a:chExt cx="0" cy="0"/>
+        </a:xfrm>
+      </p:grpSpPr>
+      <p:sp>
+        <p:nvSpPr>
+          <p:cNvPr id="2" name="Заголовок 1">
+            <a:extLst>
+              <a:ext uri="{FF2B5EF4-FFF2-40B4-BE49-F238E27FC236}">
+                <a16:creationId xmlns:a16="http://schemas.microsoft.com/office/drawing/2014/main" id="{4E5B8EEA-901C-1323-83FB-7E64164EE4E3}"/>
+              </a:ext>
+            </a:extLst>
+          </p:cNvPr>
+          <p:cNvSpPr>
+            <a:spLocks noGrp="1"/>
+          </p:cNvSpPr>
+          <p:nvPr>
+            <p:ph type="title"/>
+          </p:nvPr>
+        </p:nvSpPr>
+        <p:spPr>
+          <a:xfrm>
+            <a:off x="838200" y="373224"/>
+            <a:ext cx="10515600" cy="606490"/>
+          </a:xfrm>
+        </p:spPr>
+        <p:txBody>
+          <a:bodyPr>
+            <a:normAutofit fontScale="90000"/>
+          </a:bodyPr>
+          <a:lstStyle/>
+          <a:p>
+            <a:r>
+              <a:rPr lang="ru-RU" dirty="0"/>
+              <a:t>Подготовка</a:t>
+            </a:r>
+            <a:r>
+              <a:rPr lang="en-US" dirty="0"/>
+              <a:t> </a:t>
+            </a:r>
+            <a:r>
+              <a:rPr lang="ru-RU" dirty="0"/>
+              <a:t>источников</a:t>
+            </a:r>
+          </a:p>
+        </p:txBody>
+      </p:sp>
+      <p:pic>
+        <p:nvPicPr>
+          <p:cNvPr id="6" name="Объект 5">
+            <a:extLst>
+              <a:ext uri="{FF2B5EF4-FFF2-40B4-BE49-F238E27FC236}">
+                <a16:creationId xmlns:a16="http://schemas.microsoft.com/office/drawing/2014/main" id="{75D5EB76-A030-5AFB-8491-CCCF6655E23A}"/>
+              </a:ext>
+            </a:extLst>
+          </p:cNvPr>
+          <p:cNvPicPr>
+            <a:picLocks noGrp="1" noChangeAspect="1"/>
+          </p:cNvPicPr>
+          <p:nvPr>
+            <p:ph sz="half" idx="1"/>
+          </p:nvPr>
+        </p:nvPicPr>
+        <p:blipFill>
+          <a:blip r:embed="rId2">
+            <a:extLst>
+              <a:ext uri="{28A0092B-C50C-407E-A947-70E740481C1C}">
+                <a14:useLocalDpi xmlns:a14="http://schemas.microsoft.com/office/drawing/2010/main" val="0"/>
+              </a:ext>
+            </a:extLst>
+          </a:blip>
+          <a:srcRect/>
+          <a:stretch/>
+        </p:blipFill>
+        <p:spPr>
+          <a:xfrm>
+            <a:off x="115077" y="1401421"/>
+            <a:ext cx="6096001" cy="5018040"/>
+          </a:xfrm>
+        </p:spPr>
+      </p:pic>
+      <p:pic>
+        <p:nvPicPr>
+          <p:cNvPr id="7" name="Объект 5">
+            <a:extLst>
+              <a:ext uri="{FF2B5EF4-FFF2-40B4-BE49-F238E27FC236}">
+                <a16:creationId xmlns:a16="http://schemas.microsoft.com/office/drawing/2014/main" id="{232412DF-04BB-CEF6-0243-9416674E23EF}"/>
+              </a:ext>
+            </a:extLst>
+          </p:cNvPr>
+          <p:cNvPicPr>
+            <a:picLocks noChangeAspect="1"/>
+          </p:cNvPicPr>
+          <p:nvPr/>
+        </p:nvPicPr>
+        <p:blipFill>
+          <a:blip r:embed="rId3">
+            <a:extLst>
+              <a:ext uri="{28A0092B-C50C-407E-A947-70E740481C1C}">
+                <a14:useLocalDpi xmlns:a14="http://schemas.microsoft.com/office/drawing/2010/main" val="0"/>
+              </a:ext>
+            </a:extLst>
+          </a:blip>
+          <a:srcRect/>
+          <a:stretch/>
+        </p:blipFill>
+        <p:spPr>
+          <a:xfrm>
+            <a:off x="6653674" y="1401420"/>
+            <a:ext cx="4980654" cy="5083355"/>
+          </a:xfrm>
+          <a:prstGeom prst="rect">
+            <a:avLst/>
+          </a:prstGeom>
+        </p:spPr>
+      </p:pic>
+    </p:spTree>
+    <p:extLst>
+      <p:ext uri="{BB962C8B-B14F-4D97-AF65-F5344CB8AC3E}">
+        <p14:creationId xmlns:p14="http://schemas.microsoft.com/office/powerpoint/2010/main" val="2659941173"/>
+      </p:ext>
+    </p:extLst>
+  </p:cSld>
+  <p:clrMapOvr>
+    <a:masterClrMapping/>
+  </p:clrMapOvr>
+</p:sld>
+</file>
+
+<file path=ppt/slides/slide7.xml><?xml version="1.0" encoding="utf-8"?>
+<p:sld xmlns:a="http://schemas.openxmlformats.org/drawingml/2006/main" xmlns:r="http://schemas.openxmlformats.org/officeDocument/2006/relationships" xmlns:p="http://schemas.openxmlformats.org/presentationml/2006/main">
+  <p:cSld>
+    <p:spTree>
+      <p:nvGrpSpPr>
+        <p:cNvPr id="1" name=""/>
+        <p:cNvGrpSpPr/>
+        <p:nvPr/>
+      </p:nvGrpSpPr>
+      <p:grpSpPr>
+        <a:xfrm>
+          <a:off x="0" y="0"/>
+          <a:ext cx="0" cy="0"/>
+          <a:chOff x="0" y="0"/>
+          <a:chExt cx="0" cy="0"/>
+        </a:xfrm>
+      </p:grpSpPr>
+      <p:sp>
+        <p:nvSpPr>
+          <p:cNvPr id="2" name="Заголовок 1">
+            <a:extLst>
+              <a:ext uri="{FF2B5EF4-FFF2-40B4-BE49-F238E27FC236}">
+                <a16:creationId xmlns:a16="http://schemas.microsoft.com/office/drawing/2014/main" id="{4E5B8EEA-901C-1323-83FB-7E64164EE4E3}"/>
+              </a:ext>
+            </a:extLst>
+          </p:cNvPr>
+          <p:cNvSpPr>
+            <a:spLocks noGrp="1"/>
+          </p:cNvSpPr>
+          <p:nvPr>
+            <p:ph type="title"/>
+          </p:nvPr>
+        </p:nvSpPr>
+        <p:spPr>
+          <a:xfrm>
+            <a:off x="838200" y="373224"/>
+            <a:ext cx="10515600" cy="606490"/>
+          </a:xfrm>
+        </p:spPr>
+        <p:txBody>
+          <a:bodyPr>
+            <a:normAutofit fontScale="90000"/>
+          </a:bodyPr>
+          <a:lstStyle/>
+          <a:p>
+            <a:r>
+              <a:rPr lang="ru-RU" dirty="0"/>
+              <a:t>Подготовка</a:t>
+            </a:r>
+            <a:r>
+              <a:rPr lang="en-US" dirty="0"/>
+              <a:t> </a:t>
+            </a:r>
+            <a:r>
+              <a:rPr lang="ru-RU" dirty="0"/>
+              <a:t>источников</a:t>
+            </a:r>
+          </a:p>
+        </p:txBody>
+      </p:sp>
+      <p:pic>
+        <p:nvPicPr>
+          <p:cNvPr id="6" name="Объект 5">
+            <a:extLst>
+              <a:ext uri="{FF2B5EF4-FFF2-40B4-BE49-F238E27FC236}">
+                <a16:creationId xmlns:a16="http://schemas.microsoft.com/office/drawing/2014/main" id="{75D5EB76-A030-5AFB-8491-CCCF6655E23A}"/>
+              </a:ext>
+            </a:extLst>
+          </p:cNvPr>
+          <p:cNvPicPr>
+            <a:picLocks noGrp="1" noChangeAspect="1"/>
+          </p:cNvPicPr>
+          <p:nvPr>
+            <p:ph sz="half" idx="1"/>
+          </p:nvPr>
+        </p:nvPicPr>
+        <p:blipFill>
+          <a:blip r:embed="rId2">
+            <a:extLst>
+              <a:ext uri="{28A0092B-C50C-407E-A947-70E740481C1C}">
+                <a14:useLocalDpi xmlns:a14="http://schemas.microsoft.com/office/drawing/2010/main" val="0"/>
+              </a:ext>
+            </a:extLst>
+          </a:blip>
+          <a:srcRect/>
+          <a:stretch/>
+        </p:blipFill>
+        <p:spPr>
+          <a:xfrm>
+            <a:off x="115077" y="1401421"/>
+            <a:ext cx="6096001" cy="5018040"/>
+          </a:xfrm>
+        </p:spPr>
+      </p:pic>
+      <p:pic>
+        <p:nvPicPr>
+          <p:cNvPr id="7" name="Объект 5">
+            <a:extLst>
+              <a:ext uri="{FF2B5EF4-FFF2-40B4-BE49-F238E27FC236}">
+                <a16:creationId xmlns:a16="http://schemas.microsoft.com/office/drawing/2014/main" id="{232412DF-04BB-CEF6-0243-9416674E23EF}"/>
+              </a:ext>
+            </a:extLst>
+          </p:cNvPr>
+          <p:cNvPicPr>
+            <a:picLocks noChangeAspect="1"/>
+          </p:cNvPicPr>
+          <p:nvPr/>
+        </p:nvPicPr>
+        <p:blipFill>
+          <a:blip r:embed="rId3">
+            <a:extLst>
+              <a:ext uri="{28A0092B-C50C-407E-A947-70E740481C1C}">
+                <a14:useLocalDpi xmlns:a14="http://schemas.microsoft.com/office/drawing/2010/main" val="0"/>
+              </a:ext>
+            </a:extLst>
+          </a:blip>
           <a:srcRect/>
           <a:stretch/>
         </p:blipFill>
@@ -3840,6 +8387,247 @@
     <p:extLst>
       <p:ext uri="{BB962C8B-B14F-4D97-AF65-F5344CB8AC3E}">
         <p14:creationId xmlns:p14="http://schemas.microsoft.com/office/powerpoint/2010/main" val="1950215270"/>
+      </p:ext>
+    </p:extLst>
+  </p:cSld>
+  <p:clrMapOvr>
+    <a:masterClrMapping/>
+  </p:clrMapOvr>
+</p:sld>
+</file>
+
+<file path=ppt/slides/slide8.xml><?xml version="1.0" encoding="utf-8"?>
+<p:sld xmlns:a="http://schemas.openxmlformats.org/drawingml/2006/main" xmlns:r="http://schemas.openxmlformats.org/officeDocument/2006/relationships" xmlns:p="http://schemas.openxmlformats.org/presentationml/2006/main">
+  <p:cSld>
+    <p:spTree>
+      <p:nvGrpSpPr>
+        <p:cNvPr id="1" name=""/>
+        <p:cNvGrpSpPr/>
+        <p:nvPr/>
+      </p:nvGrpSpPr>
+      <p:grpSpPr>
+        <a:xfrm>
+          <a:off x="0" y="0"/>
+          <a:ext cx="0" cy="0"/>
+          <a:chOff x="0" y="0"/>
+          <a:chExt cx="0" cy="0"/>
+        </a:xfrm>
+      </p:grpSpPr>
+      <p:sp>
+        <p:nvSpPr>
+          <p:cNvPr id="2" name="Заголовок 1">
+            <a:extLst>
+              <a:ext uri="{FF2B5EF4-FFF2-40B4-BE49-F238E27FC236}">
+                <a16:creationId xmlns:a16="http://schemas.microsoft.com/office/drawing/2014/main" id="{4E5B8EEA-901C-1323-83FB-7E64164EE4E3}"/>
+              </a:ext>
+            </a:extLst>
+          </p:cNvPr>
+          <p:cNvSpPr>
+            <a:spLocks noGrp="1"/>
+          </p:cNvSpPr>
+          <p:nvPr>
+            <p:ph type="title"/>
+          </p:nvPr>
+        </p:nvSpPr>
+        <p:spPr>
+          <a:xfrm>
+            <a:off x="838200" y="373224"/>
+            <a:ext cx="10515600" cy="606490"/>
+          </a:xfrm>
+        </p:spPr>
+        <p:txBody>
+          <a:bodyPr>
+            <a:normAutofit fontScale="90000"/>
+          </a:bodyPr>
+          <a:lstStyle/>
+          <a:p>
+            <a:r>
+              <a:rPr lang="ru-RU" dirty="0"/>
+              <a:t>Извлечение источников</a:t>
+            </a:r>
+          </a:p>
+        </p:txBody>
+      </p:sp>
+      <p:pic>
+        <p:nvPicPr>
+          <p:cNvPr id="6" name="Объект 5">
+            <a:extLst>
+              <a:ext uri="{FF2B5EF4-FFF2-40B4-BE49-F238E27FC236}">
+                <a16:creationId xmlns:a16="http://schemas.microsoft.com/office/drawing/2014/main" id="{75D5EB76-A030-5AFB-8491-CCCF6655E23A}"/>
+              </a:ext>
+            </a:extLst>
+          </p:cNvPr>
+          <p:cNvPicPr>
+            <a:picLocks noGrp="1" noChangeAspect="1"/>
+          </p:cNvPicPr>
+          <p:nvPr>
+            <p:ph sz="half" idx="1"/>
+          </p:nvPr>
+        </p:nvPicPr>
+        <p:blipFill>
+          <a:blip r:embed="rId2">
+            <a:extLst>
+              <a:ext uri="{28A0092B-C50C-407E-A947-70E740481C1C}">
+                <a14:useLocalDpi xmlns:a14="http://schemas.microsoft.com/office/drawing/2010/main" val="0"/>
+              </a:ext>
+            </a:extLst>
+          </a:blip>
+          <a:srcRect/>
+          <a:stretch/>
+        </p:blipFill>
+        <p:spPr>
+          <a:xfrm>
+            <a:off x="457297" y="1401420"/>
+            <a:ext cx="5352566" cy="5018040"/>
+          </a:xfrm>
+        </p:spPr>
+      </p:pic>
+      <p:pic>
+        <p:nvPicPr>
+          <p:cNvPr id="7" name="Объект 5">
+            <a:extLst>
+              <a:ext uri="{FF2B5EF4-FFF2-40B4-BE49-F238E27FC236}">
+                <a16:creationId xmlns:a16="http://schemas.microsoft.com/office/drawing/2014/main" id="{232412DF-04BB-CEF6-0243-9416674E23EF}"/>
+              </a:ext>
+            </a:extLst>
+          </p:cNvPr>
+          <p:cNvPicPr>
+            <a:picLocks noChangeAspect="1"/>
+          </p:cNvPicPr>
+          <p:nvPr/>
+        </p:nvPicPr>
+        <p:blipFill>
+          <a:blip r:embed="rId3">
+            <a:extLst>
+              <a:ext uri="{28A0092B-C50C-407E-A947-70E740481C1C}">
+                <a14:useLocalDpi xmlns:a14="http://schemas.microsoft.com/office/drawing/2010/main" val="0"/>
+              </a:ext>
+            </a:extLst>
+          </a:blip>
+          <a:srcRect/>
+          <a:stretch/>
+        </p:blipFill>
+        <p:spPr>
+          <a:xfrm>
+            <a:off x="6096000" y="1401420"/>
+            <a:ext cx="5973722" cy="5018039"/>
+          </a:xfrm>
+          <a:prstGeom prst="rect">
+            <a:avLst/>
+          </a:prstGeom>
+        </p:spPr>
+      </p:pic>
+    </p:spTree>
+    <p:extLst>
+      <p:ext uri="{BB962C8B-B14F-4D97-AF65-F5344CB8AC3E}">
+        <p14:creationId xmlns:p14="http://schemas.microsoft.com/office/powerpoint/2010/main" val="2208518286"/>
+      </p:ext>
+    </p:extLst>
+  </p:cSld>
+  <p:clrMapOvr>
+    <a:masterClrMapping/>
+  </p:clrMapOvr>
+</p:sld>
+</file>
+
+<file path=ppt/slides/slide9.xml><?xml version="1.0" encoding="utf-8"?>
+<p:sld xmlns:a="http://schemas.openxmlformats.org/drawingml/2006/main" xmlns:r="http://schemas.openxmlformats.org/officeDocument/2006/relationships" xmlns:p="http://schemas.openxmlformats.org/presentationml/2006/main">
+  <p:cSld>
+    <p:spTree>
+      <p:nvGrpSpPr>
+        <p:cNvPr id="1" name=""/>
+        <p:cNvGrpSpPr/>
+        <p:nvPr/>
+      </p:nvGrpSpPr>
+      <p:grpSpPr>
+        <a:xfrm>
+          <a:off x="0" y="0"/>
+          <a:ext cx="0" cy="0"/>
+          <a:chOff x="0" y="0"/>
+          <a:chExt cx="0" cy="0"/>
+        </a:xfrm>
+      </p:grpSpPr>
+      <p:sp>
+        <p:nvSpPr>
+          <p:cNvPr id="2" name="Заголовок 1">
+            <a:extLst>
+              <a:ext uri="{FF2B5EF4-FFF2-40B4-BE49-F238E27FC236}">
+                <a16:creationId xmlns:a16="http://schemas.microsoft.com/office/drawing/2014/main" id="{4E5B8EEA-901C-1323-83FB-7E64164EE4E3}"/>
+              </a:ext>
+            </a:extLst>
+          </p:cNvPr>
+          <p:cNvSpPr>
+            <a:spLocks noGrp="1"/>
+          </p:cNvSpPr>
+          <p:nvPr>
+            <p:ph type="title"/>
+          </p:nvPr>
+        </p:nvSpPr>
+        <p:spPr>
+          <a:xfrm>
+            <a:off x="838200" y="373224"/>
+            <a:ext cx="10515600" cy="836144"/>
+          </a:xfrm>
+        </p:spPr>
+        <p:txBody>
+          <a:bodyPr>
+            <a:noAutofit/>
+          </a:bodyPr>
+          <a:lstStyle/>
+          <a:p>
+            <a:r>
+              <a:rPr lang="ru-RU" sz="3200" dirty="0"/>
+              <a:t>Промежуточный результат</a:t>
+            </a:r>
+            <a:r>
+              <a:rPr lang="en-US" sz="3200" dirty="0"/>
+              <a:t>. </a:t>
+            </a:r>
+            <a:r>
+              <a:rPr lang="ru-RU" sz="3200" dirty="0"/>
+              <a:t>Извлеченный атлас растений.</a:t>
+            </a:r>
+          </a:p>
+        </p:txBody>
+      </p:sp>
+      <p:pic>
+        <p:nvPicPr>
+          <p:cNvPr id="6" name="Объект 5">
+            <a:extLst>
+              <a:ext uri="{FF2B5EF4-FFF2-40B4-BE49-F238E27FC236}">
+                <a16:creationId xmlns:a16="http://schemas.microsoft.com/office/drawing/2014/main" id="{75D5EB76-A030-5AFB-8491-CCCF6655E23A}"/>
+              </a:ext>
+            </a:extLst>
+          </p:cNvPr>
+          <p:cNvPicPr>
+            <a:picLocks noGrp="1" noChangeAspect="1"/>
+          </p:cNvPicPr>
+          <p:nvPr>
+            <p:ph sz="half" idx="1"/>
+          </p:nvPr>
+        </p:nvPicPr>
+        <p:blipFill>
+          <a:blip r:embed="rId2">
+            <a:extLst>
+              <a:ext uri="{28A0092B-C50C-407E-A947-70E740481C1C}">
+                <a14:useLocalDpi xmlns:a14="http://schemas.microsoft.com/office/drawing/2010/main" val="0"/>
+              </a:ext>
+            </a:extLst>
+          </a:blip>
+          <a:srcRect/>
+          <a:stretch/>
+        </p:blipFill>
+        <p:spPr>
+          <a:xfrm>
+            <a:off x="473888" y="1558810"/>
+            <a:ext cx="11447911" cy="4360210"/>
+          </a:xfrm>
+        </p:spPr>
+      </p:pic>
+    </p:spTree>
+    <p:extLst>
+      <p:ext uri="{BB962C8B-B14F-4D97-AF65-F5344CB8AC3E}">
+        <p14:creationId xmlns:p14="http://schemas.microsoft.com/office/powerpoint/2010/main" val="2163258668"/>
       </p:ext>
     </p:extLst>
   </p:cSld>
@@ -4142,4 +8930,299 @@
     </a:ext>
   </a:extLst>
 </a:theme>
+</file>
+
+<file path=ppt/theme/theme2.xml><?xml version="1.0" encoding="utf-8"?>
+<a:theme xmlns:a="http://schemas.openxmlformats.org/drawingml/2006/main" name="Тема Office">
+  <a:themeElements>
+    <a:clrScheme name="Стандартная">
+      <a:dk1>
+        <a:sysClr val="windowText" lastClr="000000"/>
+      </a:dk1>
+      <a:lt1>
+        <a:sysClr val="window" lastClr="FFFFFF"/>
+      </a:lt1>
+      <a:dk2>
+        <a:srgbClr val="44546A"/>
+      </a:dk2>
+      <a:lt2>
+        <a:srgbClr val="E7E6E6"/>
+      </a:lt2>
+      <a:accent1>
+        <a:srgbClr val="4472C4"/>
+      </a:accent1>
+      <a:accent2>
+        <a:srgbClr val="ED7D31"/>
+      </a:accent2>
+      <a:accent3>
+        <a:srgbClr val="A5A5A5"/>
+      </a:accent3>
+      <a:accent4>
+        <a:srgbClr val="FFC000"/>
+      </a:accent4>
+      <a:accent5>
+        <a:srgbClr val="5B9BD5"/>
+      </a:accent5>
+      <a:accent6>
+        <a:srgbClr val="70AD47"/>
+      </a:accent6>
+      <a:hlink>
+        <a:srgbClr val="0563C1"/>
+      </a:hlink>
+      <a:folHlink>
+        <a:srgbClr val="954F72"/>
+      </a:folHlink>
+    </a:clrScheme>
+    <a:fontScheme name="Стандартная">
+      <a:majorFont>
+        <a:latin typeface="Calibri Light" panose="020F0302020204030204"/>
+        <a:ea typeface=""/>
+        <a:cs typeface=""/>
+        <a:font script="Jpan" typeface="游ゴシック Light"/>
+        <a:font script="Hang" typeface="맑은 고딕"/>
+        <a:font script="Hans" typeface="等线 Light"/>
+        <a:font script="Hant" typeface="新細明體"/>
+        <a:font script="Arab" typeface="Times New Roman"/>
+        <a:font script="Hebr" typeface="Times New Roman"/>
+        <a:font script="Thai" typeface="Angsana New"/>
+        <a:font script="Ethi" typeface="Nyala"/>
+        <a:font script="Beng" typeface="Vrinda"/>
+        <a:font script="Gujr" typeface="Shruti"/>
+        <a:font script="Khmr" typeface="MoolBoran"/>
+        <a:font script="Knda" typeface="Tunga"/>
+        <a:font script="Guru" typeface="Raavi"/>
+        <a:font script="Cans" typeface="Euphemia"/>
+        <a:font script="Cher" typeface="Plantagenet Cherokee"/>
+        <a:font script="Yiii" typeface="Microsoft Yi Baiti"/>
+        <a:font script="Tibt" typeface="Microsoft Himalaya"/>
+        <a:font script="Thaa" typeface="MV Boli"/>
+        <a:font script="Deva" typeface="Mangal"/>
+        <a:font script="Telu" typeface="Gautami"/>
+        <a:font script="Taml" typeface="Latha"/>
+        <a:font script="Syrc" typeface="Estrangelo Edessa"/>
+        <a:font script="Orya" typeface="Kalinga"/>
+        <a:font script="Mlym" typeface="Kartika"/>
+        <a:font script="Laoo" typeface="DokChampa"/>
+        <a:font script="Sinh" typeface="Iskoola Pota"/>
+        <a:font script="Mong" typeface="Mongolian Baiti"/>
+        <a:font script="Viet" typeface="Times New Roman"/>
+        <a:font script="Uigh" typeface="Microsoft Uighur"/>
+        <a:font script="Geor" typeface="Sylfaen"/>
+        <a:font script="Armn" typeface="Arial"/>
+        <a:font script="Bugi" typeface="Leelawadee UI"/>
+        <a:font script="Bopo" typeface="Microsoft JhengHei"/>
+        <a:font script="Java" typeface="Javanese Text"/>
+        <a:font script="Lisu" typeface="Segoe UI"/>
+        <a:font script="Mymr" typeface="Myanmar Text"/>
+        <a:font script="Nkoo" typeface="Ebrima"/>
+        <a:font script="Olck" typeface="Nirmala UI"/>
+        <a:font script="Osma" typeface="Ebrima"/>
+        <a:font script="Phag" typeface="Phagspa"/>
+        <a:font script="Syrn" typeface="Estrangelo Edessa"/>
+        <a:font script="Syrj" typeface="Estrangelo Edessa"/>
+        <a:font script="Syre" typeface="Estrangelo Edessa"/>
+        <a:font script="Sora" typeface="Nirmala UI"/>
+        <a:font script="Tale" typeface="Microsoft Tai Le"/>
+        <a:font script="Talu" typeface="Microsoft New Tai Lue"/>
+        <a:font script="Tfng" typeface="Ebrima"/>
+      </a:majorFont>
+      <a:minorFont>
+        <a:latin typeface="Calibri" panose="020F0502020204030204"/>
+        <a:ea typeface=""/>
+        <a:cs typeface=""/>
+        <a:font script="Jpan" typeface="游ゴシック"/>
+        <a:font script="Hang" typeface="맑은 고딕"/>
+        <a:font script="Hans" typeface="等线"/>
+        <a:font script="Hant" typeface="新細明體"/>
+        <a:font script="Arab" typeface="Arial"/>
+        <a:font script="Hebr" typeface="Arial"/>
+        <a:font script="Thai" typeface="Cordia New"/>
+        <a:font script="Ethi" typeface="Nyala"/>
+        <a:font script="Beng" typeface="Vrinda"/>
+        <a:font script="Gujr" typeface="Shruti"/>
+        <a:font script="Khmr" typeface="DaunPenh"/>
+        <a:font script="Knda" typeface="Tunga"/>
+        <a:font script="Guru" typeface="Raavi"/>
+        <a:font script="Cans" typeface="Euphemia"/>
+        <a:font script="Cher" typeface="Plantagenet Cherokee"/>
+        <a:font script="Yiii" typeface="Microsoft Yi Baiti"/>
+        <a:font script="Tibt" typeface="Microsoft Himalaya"/>
+        <a:font script="Thaa" typeface="MV Boli"/>
+        <a:font script="Deva" typeface="Mangal"/>
+        <a:font script="Telu" typeface="Gautami"/>
+        <a:font script="Taml" typeface="Latha"/>
+        <a:font script="Syrc" typeface="Estrangelo Edessa"/>
+        <a:font script="Orya" typeface="Kalinga"/>
+        <a:font script="Mlym" typeface="Kartika"/>
+        <a:font script="Laoo" typeface="DokChampa"/>
+        <a:font script="Sinh" typeface="Iskoola Pota"/>
+        <a:font script="Mong" typeface="Mongolian Baiti"/>
+        <a:font script="Viet" typeface="Arial"/>
+        <a:font script="Uigh" typeface="Microsoft Uighur"/>
+        <a:font script="Geor" typeface="Sylfaen"/>
+        <a:font script="Armn" typeface="Arial"/>
+        <a:font script="Bugi" typeface="Leelawadee UI"/>
+        <a:font script="Bopo" typeface="Microsoft JhengHei"/>
+        <a:font script="Java" typeface="Javanese Text"/>
+        <a:font script="Lisu" typeface="Segoe UI"/>
+        <a:font script="Mymr" typeface="Myanmar Text"/>
+        <a:font script="Nkoo" typeface="Ebrima"/>
+        <a:font script="Olck" typeface="Nirmala UI"/>
+        <a:font script="Osma" typeface="Ebrima"/>
+        <a:font script="Phag" typeface="Phagspa"/>
+        <a:font script="Syrn" typeface="Estrangelo Edessa"/>
+        <a:font script="Syrj" typeface="Estrangelo Edessa"/>
+        <a:font script="Syre" typeface="Estrangelo Edessa"/>
+        <a:font script="Sora" typeface="Nirmala UI"/>
+        <a:font script="Tale" typeface="Microsoft Tai Le"/>
+        <a:font script="Talu" typeface="Microsoft New Tai Lue"/>
+        <a:font script="Tfng" typeface="Ebrima"/>
+      </a:minorFont>
+    </a:fontScheme>
+    <a:fmtScheme name="Стандартная">
+      <a:fillStyleLst>
+        <a:solidFill>
+          <a:schemeClr val="phClr"/>
+        </a:solidFill>
+        <a:gradFill rotWithShape="1">
+          <a:gsLst>
+            <a:gs pos="0">
+              <a:schemeClr val="phClr">
+                <a:lumMod val="110000"/>
+                <a:satMod val="105000"/>
+                <a:tint val="67000"/>
+              </a:schemeClr>
+            </a:gs>
+            <a:gs pos="50000">
+              <a:schemeClr val="phClr">
+                <a:lumMod val="105000"/>
+                <a:satMod val="103000"/>
+                <a:tint val="73000"/>
+              </a:schemeClr>
+            </a:gs>
+            <a:gs pos="100000">
+              <a:schemeClr val="phClr">
+                <a:lumMod val="105000"/>
+                <a:satMod val="109000"/>
+                <a:tint val="81000"/>
+              </a:schemeClr>
+            </a:gs>
+          </a:gsLst>
+          <a:lin ang="5400000" scaled="0"/>
+        </a:gradFill>
+        <a:gradFill rotWithShape="1">
+          <a:gsLst>
+            <a:gs pos="0">
+              <a:schemeClr val="phClr">
+                <a:satMod val="103000"/>
+                <a:lumMod val="102000"/>
+                <a:tint val="94000"/>
+              </a:schemeClr>
+            </a:gs>
+            <a:gs pos="50000">
+              <a:schemeClr val="phClr">
+                <a:satMod val="110000"/>
+                <a:lumMod val="100000"/>
+                <a:shade val="100000"/>
+              </a:schemeClr>
+            </a:gs>
+            <a:gs pos="100000">
+              <a:schemeClr val="phClr">
+                <a:lumMod val="99000"/>
+                <a:satMod val="120000"/>
+                <a:shade val="78000"/>
+              </a:schemeClr>
+            </a:gs>
+          </a:gsLst>
+          <a:lin ang="5400000" scaled="0"/>
+        </a:gradFill>
+      </a:fillStyleLst>
+      <a:lnStyleLst>
+        <a:ln w="6350" cap="flat" cmpd="sng" algn="ctr">
+          <a:solidFill>
+            <a:schemeClr val="phClr"/>
+          </a:solidFill>
+          <a:prstDash val="solid"/>
+          <a:miter lim="800000"/>
+        </a:ln>
+        <a:ln w="12700" cap="flat" cmpd="sng" algn="ctr">
+          <a:solidFill>
+            <a:schemeClr val="phClr"/>
+          </a:solidFill>
+          <a:prstDash val="solid"/>
+          <a:miter lim="800000"/>
+        </a:ln>
+        <a:ln w="19050" cap="flat" cmpd="sng" algn="ctr">
+          <a:solidFill>
+            <a:schemeClr val="phClr"/>
+          </a:solidFill>
+          <a:prstDash val="solid"/>
+          <a:miter lim="800000"/>
+        </a:ln>
+      </a:lnStyleLst>
+      <a:effectStyleLst>
+        <a:effectStyle>
+          <a:effectLst/>
+        </a:effectStyle>
+        <a:effectStyle>
+          <a:effectLst/>
+        </a:effectStyle>
+        <a:effectStyle>
+          <a:effectLst>
+            <a:outerShdw blurRad="57150" dist="19050" dir="5400000" algn="ctr" rotWithShape="0">
+              <a:srgbClr val="000000">
+                <a:alpha val="63000"/>
+              </a:srgbClr>
+            </a:outerShdw>
+          </a:effectLst>
+        </a:effectStyle>
+      </a:effectStyleLst>
+      <a:bgFillStyleLst>
+        <a:solidFill>
+          <a:schemeClr val="phClr"/>
+        </a:solidFill>
+        <a:solidFill>
+          <a:schemeClr val="phClr">
+            <a:tint val="95000"/>
+            <a:satMod val="170000"/>
+          </a:schemeClr>
+        </a:solidFill>
+        <a:gradFill rotWithShape="1">
+          <a:gsLst>
+            <a:gs pos="0">
+              <a:schemeClr val="phClr">
+                <a:tint val="93000"/>
+                <a:satMod val="150000"/>
+                <a:shade val="98000"/>
+                <a:lumMod val="102000"/>
+              </a:schemeClr>
+            </a:gs>
+            <a:gs pos="50000">
+              <a:schemeClr val="phClr">
+                <a:tint val="98000"/>
+                <a:satMod val="130000"/>
+                <a:shade val="90000"/>
+                <a:lumMod val="103000"/>
+              </a:schemeClr>
+            </a:gs>
+            <a:gs pos="100000">
+              <a:schemeClr val="phClr">
+                <a:shade val="63000"/>
+                <a:satMod val="120000"/>
+              </a:schemeClr>
+            </a:gs>
+          </a:gsLst>
+          <a:lin ang="5400000" scaled="0"/>
+        </a:gradFill>
+      </a:bgFillStyleLst>
+    </a:fmtScheme>
+  </a:themeElements>
+  <a:objectDefaults/>
+  <a:extraClrSchemeLst/>
+  <a:extLst>
+    <a:ext uri="{05A4C25C-085E-4340-85A3-A5531E510DB2}">
+      <thm15:themeFamily xmlns:thm15="http://schemas.microsoft.com/office/thememl/2012/main" name="Office Theme" id="{62F939B6-93AF-4DB8-9C6B-D6C7DFDC589F}" vid="{4A3C46E8-61CC-4603-A589-7422A47A8E4A}"/>
+    </a:ext>
+  </a:extLst>
+</a:theme>
 </file>
--- a/M4_Team_Hackathon_05_2023_Plant_Box_case_solution/result/Презентация M4 Team для ООО Солюшн.pptx
+++ b/M4_Team_Hackathon_05_2023_Plant_Box_case_solution/result/Презентация M4 Team для ООО Солюшн.pptx
@@ -5,7 +5,7 @@
     <p:sldMasterId id="2147483648" r:id="rId1"/>
   </p:sldMasterIdLst>
   <p:notesMasterIdLst>
-    <p:notesMasterId r:id="rId15"/>
+    <p:notesMasterId r:id="rId16"/>
   </p:notesMasterIdLst>
   <p:sldIdLst>
     <p:sldId id="263" r:id="rId2"/>
@@ -20,7 +20,8 @@
     <p:sldId id="268" r:id="rId11"/>
     <p:sldId id="267" r:id="rId12"/>
     <p:sldId id="269" r:id="rId13"/>
-    <p:sldId id="265" r:id="rId14"/>
+    <p:sldId id="270" r:id="rId14"/>
+    <p:sldId id="265" r:id="rId15"/>
   </p:sldIdLst>
   <p:sldSz cx="12192000" cy="6858000"/>
   <p:notesSz cx="6858000" cy="9144000"/>
@@ -4180,6 +4181,105 @@
 </file>
 
 <file path=ppt/slides/slide13.xml><?xml version="1.0" encoding="utf-8"?>
+<p:sld xmlns:a="http://schemas.openxmlformats.org/drawingml/2006/main" xmlns:r="http://schemas.openxmlformats.org/officeDocument/2006/relationships" xmlns:p="http://schemas.openxmlformats.org/presentationml/2006/main">
+  <p:cSld>
+    <p:spTree>
+      <p:nvGrpSpPr>
+        <p:cNvPr id="1" name=""/>
+        <p:cNvGrpSpPr/>
+        <p:nvPr/>
+      </p:nvGrpSpPr>
+      <p:grpSpPr>
+        <a:xfrm>
+          <a:off x="0" y="0"/>
+          <a:ext cx="0" cy="0"/>
+          <a:chOff x="0" y="0"/>
+          <a:chExt cx="0" cy="0"/>
+        </a:xfrm>
+      </p:grpSpPr>
+      <p:sp>
+        <p:nvSpPr>
+          <p:cNvPr id="2" name="Заголовок 1">
+            <a:extLst>
+              <a:ext uri="{FF2B5EF4-FFF2-40B4-BE49-F238E27FC236}">
+                <a16:creationId xmlns:a16="http://schemas.microsoft.com/office/drawing/2014/main" id="{4E5B8EEA-901C-1323-83FB-7E64164EE4E3}"/>
+              </a:ext>
+            </a:extLst>
+          </p:cNvPr>
+          <p:cNvSpPr>
+            <a:spLocks noGrp="1"/>
+          </p:cNvSpPr>
+          <p:nvPr>
+            <p:ph type="title"/>
+          </p:nvPr>
+        </p:nvSpPr>
+        <p:spPr>
+          <a:xfrm>
+            <a:off x="838200" y="373224"/>
+            <a:ext cx="10948222" cy="639500"/>
+          </a:xfrm>
+        </p:spPr>
+        <p:txBody>
+          <a:bodyPr>
+            <a:noAutofit/>
+          </a:bodyPr>
+          <a:lstStyle/>
+          <a:p>
+            <a:r>
+              <a:rPr lang="ru-RU" sz="3200" dirty="0"/>
+              <a:t>Промежуточный результат. Объединенная таблица</a:t>
+            </a:r>
+          </a:p>
+        </p:txBody>
+      </p:sp>
+      <p:pic>
+        <p:nvPicPr>
+          <p:cNvPr id="6" name="Объект 5">
+            <a:extLst>
+              <a:ext uri="{FF2B5EF4-FFF2-40B4-BE49-F238E27FC236}">
+                <a16:creationId xmlns:a16="http://schemas.microsoft.com/office/drawing/2014/main" id="{75D5EB76-A030-5AFB-8491-CCCF6655E23A}"/>
+              </a:ext>
+            </a:extLst>
+          </p:cNvPr>
+          <p:cNvPicPr>
+            <a:picLocks noGrp="1" noChangeAspect="1"/>
+          </p:cNvPicPr>
+          <p:nvPr>
+            <p:ph sz="half" idx="1"/>
+          </p:nvPr>
+        </p:nvPicPr>
+        <p:blipFill>
+          <a:blip r:embed="rId2">
+            <a:extLst>
+              <a:ext uri="{28A0092B-C50C-407E-A947-70E740481C1C}">
+                <a14:useLocalDpi xmlns:a14="http://schemas.microsoft.com/office/drawing/2010/main" val="0"/>
+              </a:ext>
+            </a:extLst>
+          </a:blip>
+          <a:srcRect/>
+          <a:stretch/>
+        </p:blipFill>
+        <p:spPr>
+          <a:xfrm>
+            <a:off x="756780" y="1391662"/>
+            <a:ext cx="10678438" cy="4955463"/>
+          </a:xfrm>
+        </p:spPr>
+      </p:pic>
+    </p:spTree>
+    <p:extLst>
+      <p:ext uri="{BB962C8B-B14F-4D97-AF65-F5344CB8AC3E}">
+        <p14:creationId xmlns:p14="http://schemas.microsoft.com/office/powerpoint/2010/main" val="1233547835"/>
+      </p:ext>
+    </p:extLst>
+  </p:cSld>
+  <p:clrMapOvr>
+    <a:masterClrMapping/>
+  </p:clrMapOvr>
+</p:sld>
+</file>
+
+<file path=ppt/slides/slide14.xml><?xml version="1.0" encoding="utf-8"?>
 <p:sld xmlns:a="http://schemas.openxmlformats.org/drawingml/2006/main" xmlns:r="http://schemas.openxmlformats.org/officeDocument/2006/relationships" xmlns:p="http://schemas.openxmlformats.org/presentationml/2006/main">
   <p:cSld>
     <p:spTree>

--- a/M4_Team_Hackathon_05_2023_Plant_Box_case_solution/result/Презентация M4 Team для ООО Солюшн.pptx
+++ b/M4_Team_Hackathon_05_2023_Plant_Box_case_solution/result/Презентация M4 Team для ООО Солюшн.pptx
@@ -210,7 +210,7 @@
           <a:p>
             <a:fld id="{CFA9169E-7D23-4D36-B787-B2E7A79F5461}" type="datetimeFigureOut">
               <a:rPr lang="ru-KZ" smtClean="0"/>
-              <a:t>13.07.2023</a:t>
+              <a:t>17.07.2023</a:t>
             </a:fld>
             <a:endParaRPr lang="ru-KZ"/>
           </a:p>
@@ -709,7 +709,7 @@
           <a:p>
             <a:fld id="{38FBC55D-2C13-449B-8A8D-626728F58141}" type="datetimeFigureOut">
               <a:rPr lang="ru-RU" smtClean="0"/>
-              <a:t>13.07.2023</a:t>
+              <a:t>17.07.2023</a:t>
             </a:fld>
             <a:endParaRPr lang="ru-RU"/>
           </a:p>
@@ -907,7 +907,7 @@
           <a:p>
             <a:fld id="{38FBC55D-2C13-449B-8A8D-626728F58141}" type="datetimeFigureOut">
               <a:rPr lang="ru-RU" smtClean="0"/>
-              <a:t>13.07.2023</a:t>
+              <a:t>17.07.2023</a:t>
             </a:fld>
             <a:endParaRPr lang="ru-RU"/>
           </a:p>
@@ -1115,7 +1115,7 @@
           <a:p>
             <a:fld id="{38FBC55D-2C13-449B-8A8D-626728F58141}" type="datetimeFigureOut">
               <a:rPr lang="ru-RU" smtClean="0"/>
-              <a:t>13.07.2023</a:t>
+              <a:t>17.07.2023</a:t>
             </a:fld>
             <a:endParaRPr lang="ru-RU"/>
           </a:p>
@@ -1313,7 +1313,7 @@
           <a:p>
             <a:fld id="{38FBC55D-2C13-449B-8A8D-626728F58141}" type="datetimeFigureOut">
               <a:rPr lang="ru-RU" smtClean="0"/>
-              <a:t>13.07.2023</a:t>
+              <a:t>17.07.2023</a:t>
             </a:fld>
             <a:endParaRPr lang="ru-RU"/>
           </a:p>
@@ -1588,7 +1588,7 @@
           <a:p>
             <a:fld id="{38FBC55D-2C13-449B-8A8D-626728F58141}" type="datetimeFigureOut">
               <a:rPr lang="ru-RU" smtClean="0"/>
-              <a:t>13.07.2023</a:t>
+              <a:t>17.07.2023</a:t>
             </a:fld>
             <a:endParaRPr lang="ru-RU"/>
           </a:p>
@@ -1853,7 +1853,7 @@
           <a:p>
             <a:fld id="{38FBC55D-2C13-449B-8A8D-626728F58141}" type="datetimeFigureOut">
               <a:rPr lang="ru-RU" smtClean="0"/>
-              <a:t>13.07.2023</a:t>
+              <a:t>17.07.2023</a:t>
             </a:fld>
             <a:endParaRPr lang="ru-RU"/>
           </a:p>
@@ -2265,7 +2265,7 @@
           <a:p>
             <a:fld id="{38FBC55D-2C13-449B-8A8D-626728F58141}" type="datetimeFigureOut">
               <a:rPr lang="ru-RU" smtClean="0"/>
-              <a:t>13.07.2023</a:t>
+              <a:t>17.07.2023</a:t>
             </a:fld>
             <a:endParaRPr lang="ru-RU"/>
           </a:p>
@@ -2406,7 +2406,7 @@
           <a:p>
             <a:fld id="{38FBC55D-2C13-449B-8A8D-626728F58141}" type="datetimeFigureOut">
               <a:rPr lang="ru-RU" smtClean="0"/>
-              <a:t>13.07.2023</a:t>
+              <a:t>17.07.2023</a:t>
             </a:fld>
             <a:endParaRPr lang="ru-RU"/>
           </a:p>
@@ -2519,7 +2519,7 @@
           <a:p>
             <a:fld id="{38FBC55D-2C13-449B-8A8D-626728F58141}" type="datetimeFigureOut">
               <a:rPr lang="ru-RU" smtClean="0"/>
-              <a:t>13.07.2023</a:t>
+              <a:t>17.07.2023</a:t>
             </a:fld>
             <a:endParaRPr lang="ru-RU"/>
           </a:p>
@@ -2830,7 +2830,7 @@
           <a:p>
             <a:fld id="{38FBC55D-2C13-449B-8A8D-626728F58141}" type="datetimeFigureOut">
               <a:rPr lang="ru-RU" smtClean="0"/>
-              <a:t>13.07.2023</a:t>
+              <a:t>17.07.2023</a:t>
             </a:fld>
             <a:endParaRPr lang="ru-RU"/>
           </a:p>
@@ -3118,7 +3118,7 @@
           <a:p>
             <a:fld id="{38FBC55D-2C13-449B-8A8D-626728F58141}" type="datetimeFigureOut">
               <a:rPr lang="ru-RU" smtClean="0"/>
-              <a:t>13.07.2023</a:t>
+              <a:t>17.07.2023</a:t>
             </a:fld>
             <a:endParaRPr lang="ru-RU"/>
           </a:p>
@@ -3359,7 +3359,7 @@
           <a:p>
             <a:fld id="{38FBC55D-2C13-449B-8A8D-626728F58141}" type="datetimeFigureOut">
               <a:rPr lang="ru-RU" smtClean="0"/>
-              <a:t>13.07.2023</a:t>
+              <a:t>17.07.2023</a:t>
             </a:fld>
             <a:endParaRPr lang="ru-RU"/>
           </a:p>
@@ -3964,7 +3964,7 @@
         </p:blipFill>
         <p:spPr>
           <a:xfrm>
-            <a:off x="3637846" y="1332667"/>
+            <a:off x="4355600" y="2001260"/>
             <a:ext cx="4434437" cy="4360210"/>
           </a:xfrm>
         </p:spPr>
